--- a/Case_Study.pptx
+++ b/Case_Study.pptx
@@ -5,10 +5,10 @@
     <p:sldMasterId id="2147484005" r:id="rId1"/>
   </p:sldMasterIdLst>
   <p:notesMasterIdLst>
-    <p:notesMasterId r:id="rId10"/>
+    <p:notesMasterId r:id="rId15"/>
   </p:notesMasterIdLst>
   <p:handoutMasterIdLst>
-    <p:handoutMasterId r:id="rId11"/>
+    <p:handoutMasterId r:id="rId16"/>
   </p:handoutMasterIdLst>
   <p:sldIdLst>
     <p:sldId id="256" r:id="rId2"/>
@@ -19,6 +19,11 @@
     <p:sldId id="261" r:id="rId7"/>
     <p:sldId id="262" r:id="rId8"/>
     <p:sldId id="263" r:id="rId9"/>
+    <p:sldId id="265" r:id="rId10"/>
+    <p:sldId id="266" r:id="rId11"/>
+    <p:sldId id="269" r:id="rId12"/>
+    <p:sldId id="268" r:id="rId13"/>
+    <p:sldId id="271" r:id="rId14"/>
   </p:sldIdLst>
   <p:sldSz cx="12192000" cy="6858000"/>
   <p:notesSz cx="6858000" cy="9144000"/>
@@ -211,7 +216,7 @@
           <a:p>
             <a:fld id="{6FA32CC1-E8B3-4DED-B074-A41C792B660B}" type="datetimeFigureOut">
               <a:rPr lang="en-IN" smtClean="0"/>
-              <a:t>22-06-2024</a:t>
+              <a:t>23-06-2024</a:t>
             </a:fld>
             <a:endParaRPr lang="en-IN"/>
           </a:p>
@@ -381,7 +386,7 @@
           <a:p>
             <a:fld id="{905A5EB9-0E45-4815-95F1-9791973078E5}" type="datetimeFigureOut">
               <a:rPr lang="en-IN" smtClean="0"/>
-              <a:t>22-06-2024</a:t>
+              <a:t>23-06-2024</a:t>
             </a:fld>
             <a:endParaRPr lang="en-IN"/>
           </a:p>
@@ -922,7 +927,7 @@
           <a:p>
             <a:fld id="{B581ECCD-1DBA-4FA8-8008-872E03CC1071}" type="datetime1">
               <a:rPr lang="en-IN" smtClean="0"/>
-              <a:t>22-06-2024</a:t>
+              <a:t>23-06-2024</a:t>
             </a:fld>
             <a:endParaRPr lang="en-IN"/>
           </a:p>
@@ -1264,7 +1269,7 @@
           <a:p>
             <a:fld id="{64BE5BC3-1C32-437E-AA92-81B8DF77B898}" type="datetime1">
               <a:rPr lang="en-IN" smtClean="0"/>
-              <a:t>22-06-2024</a:t>
+              <a:t>23-06-2024</a:t>
             </a:fld>
             <a:endParaRPr lang="en-IN"/>
           </a:p>
@@ -1669,7 +1674,7 @@
           <a:p>
             <a:fld id="{B4A210D9-C5A1-4ECA-9D84-CAA66970854C}" type="datetime1">
               <a:rPr lang="en-IN" smtClean="0"/>
-              <a:t>22-06-2024</a:t>
+              <a:t>23-06-2024</a:t>
             </a:fld>
             <a:endParaRPr lang="en-IN"/>
           </a:p>
@@ -2009,7 +2014,7 @@
           <a:p>
             <a:fld id="{2A7EE63A-491F-45AF-9313-417D74FC888A}" type="datetime1">
               <a:rPr lang="en-IN" smtClean="0"/>
-              <a:t>22-06-2024</a:t>
+              <a:t>23-06-2024</a:t>
             </a:fld>
             <a:endParaRPr lang="en-IN"/>
           </a:p>
@@ -2333,7 +2338,7 @@
           <a:p>
             <a:fld id="{6C8124D7-E14C-4643-A265-C4D9929425C3}" type="datetime1">
               <a:rPr lang="en-IN" smtClean="0"/>
-              <a:t>22-06-2024</a:t>
+              <a:t>23-06-2024</a:t>
             </a:fld>
             <a:endParaRPr lang="en-IN"/>
           </a:p>
@@ -2733,7 +2738,7 @@
           <a:p>
             <a:fld id="{386B9300-46A1-4238-9F8F-276C6BB53E8B}" type="datetime1">
               <a:rPr lang="en-IN" smtClean="0"/>
-              <a:t>22-06-2024</a:t>
+              <a:t>23-06-2024</a:t>
             </a:fld>
             <a:endParaRPr lang="en-IN"/>
           </a:p>
@@ -2994,7 +2999,7 @@
           <a:p>
             <a:fld id="{436C8432-9C58-4C6B-BB9E-AF94620824F2}" type="datetime1">
               <a:rPr lang="en-IN" smtClean="0"/>
-              <a:t>22-06-2024</a:t>
+              <a:t>23-06-2024</a:t>
             </a:fld>
             <a:endParaRPr lang="en-IN"/>
           </a:p>
@@ -3260,7 +3265,7 @@
           <a:p>
             <a:fld id="{14D63B55-4B27-487B-987D-004B190E4780}" type="datetime1">
               <a:rPr lang="en-IN" smtClean="0"/>
-              <a:t>22-06-2024</a:t>
+              <a:t>23-06-2024</a:t>
             </a:fld>
             <a:endParaRPr lang="en-IN"/>
           </a:p>
@@ -3526,7 +3531,7 @@
           <a:p>
             <a:fld id="{B29DDFA0-E5CD-4E4F-9C2B-433CF5DCC74C}" type="datetime1">
               <a:rPr lang="en-IN" smtClean="0"/>
-              <a:t>22-06-2024</a:t>
+              <a:t>23-06-2024</a:t>
             </a:fld>
             <a:endParaRPr lang="en-IN"/>
           </a:p>
@@ -3859,7 +3864,7 @@
           <a:p>
             <a:fld id="{17F2D74B-4F34-421D-9164-180D6195DABE}" type="datetime1">
               <a:rPr lang="en-IN" smtClean="0"/>
-              <a:t>22-06-2024</a:t>
+              <a:t>23-06-2024</a:t>
             </a:fld>
             <a:endParaRPr lang="en-IN"/>
           </a:p>
@@ -4186,7 +4191,7 @@
           <a:p>
             <a:fld id="{6E85A673-A361-46EB-924F-3B99F00D8D38}" type="datetime1">
               <a:rPr lang="en-IN" smtClean="0"/>
-              <a:t>22-06-2024</a:t>
+              <a:t>23-06-2024</a:t>
             </a:fld>
             <a:endParaRPr lang="en-IN"/>
           </a:p>
@@ -4647,7 +4652,7 @@
           <a:p>
             <a:fld id="{B52EA0E0-E39A-4199-9EB0-BFBA8490F4E7}" type="datetime1">
               <a:rPr lang="en-IN" smtClean="0"/>
-              <a:t>22-06-2024</a:t>
+              <a:t>23-06-2024</a:t>
             </a:fld>
             <a:endParaRPr lang="en-IN"/>
           </a:p>
@@ -4856,7 +4861,7 @@
           <a:p>
             <a:fld id="{AD46A0E5-4B42-4846-9AF6-B31527508845}" type="datetime1">
               <a:rPr lang="en-IN" smtClean="0"/>
-              <a:t>22-06-2024</a:t>
+              <a:t>23-06-2024</a:t>
             </a:fld>
             <a:endParaRPr lang="en-IN"/>
           </a:p>
@@ -5037,7 +5042,7 @@
           <a:p>
             <a:fld id="{C7DDCC20-452B-42ED-81A3-876F0C3C68CC}" type="datetime1">
               <a:rPr lang="en-IN" smtClean="0"/>
-              <a:t>22-06-2024</a:t>
+              <a:t>23-06-2024</a:t>
             </a:fld>
             <a:endParaRPr lang="en-IN"/>
           </a:p>
@@ -5374,7 +5379,7 @@
           <a:p>
             <a:fld id="{6BEB936E-42C2-4FCD-AF48-EF140FE983AB}" type="datetime1">
               <a:rPr lang="en-IN" smtClean="0"/>
-              <a:t>22-06-2024</a:t>
+              <a:t>23-06-2024</a:t>
             </a:fld>
             <a:endParaRPr lang="en-IN"/>
           </a:p>
@@ -5723,7 +5728,7 @@
           <a:p>
             <a:fld id="{BE634BC1-706E-4828-8A18-C4E2095CC168}" type="datetime1">
               <a:rPr lang="en-IN" smtClean="0"/>
-              <a:t>22-06-2024</a:t>
+              <a:t>23-06-2024</a:t>
             </a:fld>
             <a:endParaRPr lang="en-IN"/>
           </a:p>
@@ -7844,7 +7849,7 @@
           <a:p>
             <a:fld id="{E8F43470-AA3D-486C-A93C-4177C760AF45}" type="datetime1">
               <a:rPr lang="en-IN" smtClean="0"/>
-              <a:t>22-06-2024</a:t>
+              <a:t>23-06-2024</a:t>
             </a:fld>
             <a:endParaRPr lang="en-IN"/>
           </a:p>
@@ -8439,6 +8444,948 @@
 </p:sld>
 </file>
 
+<file path=ppt/slides/slide10.xml><?xml version="1.0" encoding="utf-8"?>
+<p:sld xmlns:a="http://schemas.openxmlformats.org/drawingml/2006/main" xmlns:r="http://schemas.openxmlformats.org/officeDocument/2006/relationships" xmlns:p="http://schemas.openxmlformats.org/presentationml/2006/main">
+  <p:cSld>
+    <p:spTree>
+      <p:nvGrpSpPr>
+        <p:cNvPr id="1" name=""/>
+        <p:cNvGrpSpPr/>
+        <p:nvPr/>
+      </p:nvGrpSpPr>
+      <p:grpSpPr>
+        <a:xfrm>
+          <a:off x="0" y="0"/>
+          <a:ext cx="0" cy="0"/>
+          <a:chOff x="0" y="0"/>
+          <a:chExt cx="0" cy="0"/>
+        </a:xfrm>
+      </p:grpSpPr>
+      <p:sp>
+        <p:nvSpPr>
+          <p:cNvPr id="2" name="Title 1"/>
+          <p:cNvSpPr>
+            <a:spLocks noGrp="1"/>
+          </p:cNvSpPr>
+          <p:nvPr>
+            <p:ph type="title"/>
+          </p:nvPr>
+        </p:nvSpPr>
+        <p:spPr>
+          <a:xfrm>
+            <a:off x="2279416" y="428167"/>
+            <a:ext cx="8911687" cy="1280890"/>
+          </a:xfrm>
+        </p:spPr>
+        <p:txBody>
+          <a:bodyPr/>
+          <a:lstStyle/>
+          <a:p>
+            <a:r>
+              <a:rPr lang="en-US" b="1" dirty="0" smtClean="0"/>
+              <a:t>Standard Values</a:t>
+            </a:r>
+            <a:endParaRPr lang="en-IN" b="1" dirty="0"/>
+          </a:p>
+        </p:txBody>
+      </p:sp>
+      <p:sp>
+        <p:nvSpPr>
+          <p:cNvPr id="3" name="Content Placeholder 2"/>
+          <p:cNvSpPr>
+            <a:spLocks noGrp="1"/>
+          </p:cNvSpPr>
+          <p:nvPr>
+            <p:ph idx="1"/>
+          </p:nvPr>
+        </p:nvSpPr>
+        <p:spPr>
+          <a:xfrm>
+            <a:off x="2393269" y="1068612"/>
+            <a:ext cx="8915400" cy="3777622"/>
+          </a:xfrm>
+        </p:spPr>
+        <p:txBody>
+          <a:bodyPr/>
+          <a:lstStyle/>
+          <a:p>
+            <a:r>
+              <a:rPr lang="en-US" dirty="0" smtClean="0"/>
+              <a:t>After Removing all null values we will get standard values for Analysis</a:t>
+            </a:r>
+          </a:p>
+          <a:p>
+            <a:endParaRPr lang="en-US" dirty="0" smtClean="0"/>
+          </a:p>
+          <a:p>
+            <a:pPr marL="0" indent="0">
+              <a:buNone/>
+            </a:pPr>
+            <a:r>
+              <a:rPr lang="en-IN" b="1" dirty="0" smtClean="0"/>
+              <a:t> </a:t>
+            </a:r>
+            <a:r>
+              <a:rPr lang="en-IN" sz="2400" b="1" dirty="0" smtClean="0"/>
+              <a:t>Outliers </a:t>
+            </a:r>
+            <a:r>
+              <a:rPr lang="en-IN" sz="2400" b="1" dirty="0"/>
+              <a:t>Analysis Using Boxplot</a:t>
+            </a:r>
+          </a:p>
+          <a:p>
+            <a:r>
+              <a:rPr lang="en-US" dirty="0"/>
+              <a:t>Now we need to start identifying and removing extreme values or </a:t>
+            </a:r>
+            <a:r>
+              <a:rPr lang="en-US" b="1" dirty="0"/>
+              <a:t>outliers</a:t>
+            </a:r>
+            <a:r>
+              <a:rPr lang="en-US" dirty="0"/>
+              <a:t> from our dataset. </a:t>
+            </a:r>
+            <a:endParaRPr lang="en-US" dirty="0" smtClean="0"/>
+          </a:p>
+          <a:p>
+            <a:r>
+              <a:rPr lang="en-US" dirty="0" smtClean="0"/>
+              <a:t>These </a:t>
+            </a:r>
+            <a:r>
+              <a:rPr lang="en-US" dirty="0"/>
+              <a:t>values can tilt our analysis and often provide us with a biased perspective of the data available. </a:t>
+            </a:r>
+            <a:endParaRPr lang="en-US" dirty="0" smtClean="0"/>
+          </a:p>
+          <a:p>
+            <a:r>
+              <a:rPr lang="en-US" dirty="0" smtClean="0"/>
+              <a:t>This </a:t>
+            </a:r>
+            <a:r>
+              <a:rPr lang="en-US" dirty="0"/>
+              <a:t>is where we’ll start </a:t>
+            </a:r>
+            <a:r>
+              <a:rPr lang="en-US" dirty="0" smtClean="0"/>
+              <a:t>utilizing visualization </a:t>
+            </a:r>
+            <a:r>
+              <a:rPr lang="en-US" dirty="0"/>
+              <a:t>to achieve our tasks. And the best </a:t>
+            </a:r>
+            <a:r>
+              <a:rPr lang="en-US" dirty="0" smtClean="0"/>
+              <a:t>visualization </a:t>
+            </a:r>
+            <a:r>
+              <a:rPr lang="en-US" dirty="0"/>
+              <a:t>to use here would be the box plot. Boxplots are one of the best ways of </a:t>
+            </a:r>
+            <a:r>
+              <a:rPr lang="en-US" dirty="0" smtClean="0"/>
+              <a:t>analyzing </a:t>
+            </a:r>
+            <a:r>
+              <a:rPr lang="en-US" dirty="0"/>
+              <a:t>the spread of a numeric variable</a:t>
+            </a:r>
+            <a:r>
+              <a:rPr lang="en-US" dirty="0" smtClean="0"/>
+              <a:t>.</a:t>
+            </a:r>
+          </a:p>
+          <a:p>
+            <a:endParaRPr lang="en-US" dirty="0"/>
+          </a:p>
+          <a:p>
+            <a:endParaRPr lang="en-US" dirty="0" smtClean="0"/>
+          </a:p>
+          <a:p>
+            <a:endParaRPr lang="en-IN" dirty="0"/>
+          </a:p>
+        </p:txBody>
+      </p:sp>
+      <p:pic>
+        <p:nvPicPr>
+          <p:cNvPr id="4" name="Picture 3"/>
+          <p:cNvPicPr>
+            <a:picLocks noChangeAspect="1"/>
+          </p:cNvPicPr>
+          <p:nvPr/>
+        </p:nvPicPr>
+        <p:blipFill>
+          <a:blip r:embed="rId2"/>
+          <a:stretch>
+            <a:fillRect/>
+          </a:stretch>
+        </p:blipFill>
+        <p:spPr>
+          <a:xfrm>
+            <a:off x="2743176" y="4742709"/>
+            <a:ext cx="5397133" cy="1736469"/>
+          </a:xfrm>
+          <a:prstGeom prst="rect">
+            <a:avLst/>
+          </a:prstGeom>
+        </p:spPr>
+      </p:pic>
+    </p:spTree>
+    <p:extLst>
+      <p:ext uri="{BB962C8B-B14F-4D97-AF65-F5344CB8AC3E}">
+        <p14:creationId xmlns:p14="http://schemas.microsoft.com/office/powerpoint/2010/main" val="2757349005"/>
+      </p:ext>
+    </p:extLst>
+  </p:cSld>
+  <p:clrMapOvr>
+    <a:masterClrMapping/>
+  </p:clrMapOvr>
+</p:sld>
+</file>
+
+<file path=ppt/slides/slide11.xml><?xml version="1.0" encoding="utf-8"?>
+<p:sld xmlns:a="http://schemas.openxmlformats.org/drawingml/2006/main" xmlns:r="http://schemas.openxmlformats.org/officeDocument/2006/relationships" xmlns:p="http://schemas.openxmlformats.org/presentationml/2006/main">
+  <p:cSld>
+    <p:spTree>
+      <p:nvGrpSpPr>
+        <p:cNvPr id="1" name=""/>
+        <p:cNvGrpSpPr/>
+        <p:nvPr/>
+      </p:nvGrpSpPr>
+      <p:grpSpPr>
+        <a:xfrm>
+          <a:off x="0" y="0"/>
+          <a:ext cx="0" cy="0"/>
+          <a:chOff x="0" y="0"/>
+          <a:chExt cx="0" cy="0"/>
+        </a:xfrm>
+      </p:grpSpPr>
+      <p:sp>
+        <p:nvSpPr>
+          <p:cNvPr id="2" name="Title 1"/>
+          <p:cNvSpPr>
+            <a:spLocks noGrp="1"/>
+          </p:cNvSpPr>
+          <p:nvPr>
+            <p:ph type="title"/>
+          </p:nvPr>
+        </p:nvSpPr>
+        <p:spPr>
+          <a:xfrm>
+            <a:off x="4862622" y="325441"/>
+            <a:ext cx="3206983" cy="629924"/>
+          </a:xfrm>
+        </p:spPr>
+        <p:txBody>
+          <a:bodyPr>
+            <a:normAutofit fontScale="90000"/>
+          </a:bodyPr>
+          <a:lstStyle/>
+          <a:p>
+            <a:r>
+              <a:rPr lang="en-US" sz="2400" b="1" dirty="0"/>
+              <a:t>Removal of Outliner </a:t>
+            </a:r>
+            <a:r>
+              <a:rPr lang="en-US" dirty="0"/>
+              <a:t/>
+            </a:r>
+            <a:br>
+              <a:rPr lang="en-US" dirty="0"/>
+            </a:br>
+            <a:endParaRPr lang="en-IN" dirty="0"/>
+          </a:p>
+        </p:txBody>
+      </p:sp>
+      <p:sp>
+        <p:nvSpPr>
+          <p:cNvPr id="3" name="Content Placeholder 2"/>
+          <p:cNvSpPr>
+            <a:spLocks noGrp="1"/>
+          </p:cNvSpPr>
+          <p:nvPr>
+            <p:ph idx="1"/>
+          </p:nvPr>
+        </p:nvSpPr>
+        <p:spPr/>
+        <p:txBody>
+          <a:bodyPr/>
+          <a:lstStyle/>
+          <a:p>
+            <a:endParaRPr lang="en-US" dirty="0"/>
+          </a:p>
+          <a:p>
+            <a:endParaRPr lang="en-IN" dirty="0"/>
+          </a:p>
+        </p:txBody>
+      </p:sp>
+      <p:pic>
+        <p:nvPicPr>
+          <p:cNvPr id="4" name="Picture 3"/>
+          <p:cNvPicPr>
+            <a:picLocks noChangeAspect="1"/>
+          </p:cNvPicPr>
+          <p:nvPr/>
+        </p:nvPicPr>
+        <p:blipFill>
+          <a:blip r:embed="rId2"/>
+          <a:stretch>
+            <a:fillRect/>
+          </a:stretch>
+        </p:blipFill>
+        <p:spPr>
+          <a:xfrm>
+            <a:off x="1920240" y="1348110"/>
+            <a:ext cx="9091749" cy="5026564"/>
+          </a:xfrm>
+          <a:prstGeom prst="rect">
+            <a:avLst/>
+          </a:prstGeom>
+        </p:spPr>
+      </p:pic>
+    </p:spTree>
+    <p:extLst>
+      <p:ext uri="{BB962C8B-B14F-4D97-AF65-F5344CB8AC3E}">
+        <p14:creationId xmlns:p14="http://schemas.microsoft.com/office/powerpoint/2010/main" val="4290053448"/>
+      </p:ext>
+    </p:extLst>
+  </p:cSld>
+  <p:clrMapOvr>
+    <a:masterClrMapping/>
+  </p:clrMapOvr>
+</p:sld>
+</file>
+
+<file path=ppt/slides/slide12.xml><?xml version="1.0" encoding="utf-8"?>
+<p:sld xmlns:a="http://schemas.openxmlformats.org/drawingml/2006/main" xmlns:r="http://schemas.openxmlformats.org/officeDocument/2006/relationships" xmlns:p="http://schemas.openxmlformats.org/presentationml/2006/main">
+  <p:cSld>
+    <p:spTree>
+      <p:nvGrpSpPr>
+        <p:cNvPr id="1" name=""/>
+        <p:cNvGrpSpPr/>
+        <p:nvPr/>
+      </p:nvGrpSpPr>
+      <p:grpSpPr>
+        <a:xfrm>
+          <a:off x="0" y="0"/>
+          <a:ext cx="0" cy="0"/>
+          <a:chOff x="0" y="0"/>
+          <a:chExt cx="0" cy="0"/>
+        </a:xfrm>
+      </p:grpSpPr>
+      <p:sp>
+        <p:nvSpPr>
+          <p:cNvPr id="3" name="Content Placeholder 2"/>
+          <p:cNvSpPr>
+            <a:spLocks noGrp="1"/>
+          </p:cNvSpPr>
+          <p:nvPr>
+            <p:ph idx="1"/>
+          </p:nvPr>
+        </p:nvSpPr>
+        <p:spPr>
+          <a:xfrm>
+            <a:off x="1714000" y="370114"/>
+            <a:ext cx="10173200" cy="6331132"/>
+          </a:xfrm>
+        </p:spPr>
+        <p:txBody>
+          <a:bodyPr>
+            <a:normAutofit/>
+          </a:bodyPr>
+          <a:lstStyle/>
+          <a:p>
+            <a:pPr marL="0" indent="0">
+              <a:buNone/>
+            </a:pPr>
+            <a:r>
+              <a:rPr lang="en-US" sz="2400" b="1" dirty="0" smtClean="0"/>
+              <a:t>                                                  Boxplots</a:t>
+            </a:r>
+            <a:endParaRPr lang="en-IN" sz="2400" b="1" dirty="0"/>
+          </a:p>
+        </p:txBody>
+      </p:sp>
+      <p:sp>
+        <p:nvSpPr>
+          <p:cNvPr id="4" name="Rounded Rectangle 3"/>
+          <p:cNvSpPr/>
+          <p:nvPr/>
+        </p:nvSpPr>
+        <p:spPr>
+          <a:xfrm>
+            <a:off x="2050869" y="1005840"/>
+            <a:ext cx="4753707" cy="5212080"/>
+          </a:xfrm>
+          <a:prstGeom prst="roundRect">
+            <a:avLst/>
+          </a:prstGeom>
+        </p:spPr>
+        <p:style>
+          <a:lnRef idx="2">
+            <a:schemeClr val="accent1">
+              <a:shade val="50000"/>
+            </a:schemeClr>
+          </a:lnRef>
+          <a:fillRef idx="1">
+            <a:schemeClr val="accent1"/>
+          </a:fillRef>
+          <a:effectRef idx="0">
+            <a:schemeClr val="accent1"/>
+          </a:effectRef>
+          <a:fontRef idx="minor">
+            <a:schemeClr val="lt1"/>
+          </a:fontRef>
+        </p:style>
+        <p:txBody>
+          <a:bodyPr rtlCol="0" anchor="ctr"/>
+          <a:lstStyle/>
+          <a:p>
+            <a:pPr algn="ctr"/>
+            <a:endParaRPr lang="en-IN" dirty="0"/>
+          </a:p>
+        </p:txBody>
+      </p:sp>
+      <p:sp>
+        <p:nvSpPr>
+          <p:cNvPr id="5" name="Rounded Rectangle 4"/>
+          <p:cNvSpPr/>
+          <p:nvPr/>
+        </p:nvSpPr>
+        <p:spPr>
+          <a:xfrm>
+            <a:off x="7052772" y="1005841"/>
+            <a:ext cx="4613951" cy="5212080"/>
+          </a:xfrm>
+          <a:prstGeom prst="roundRect">
+            <a:avLst/>
+          </a:prstGeom>
+        </p:spPr>
+        <p:style>
+          <a:lnRef idx="2">
+            <a:schemeClr val="accent1">
+              <a:shade val="50000"/>
+            </a:schemeClr>
+          </a:lnRef>
+          <a:fillRef idx="1">
+            <a:schemeClr val="accent1"/>
+          </a:fillRef>
+          <a:effectRef idx="0">
+            <a:schemeClr val="accent1"/>
+          </a:effectRef>
+          <a:fontRef idx="minor">
+            <a:schemeClr val="lt1"/>
+          </a:fontRef>
+        </p:style>
+        <p:txBody>
+          <a:bodyPr rtlCol="0" anchor="ctr"/>
+          <a:lstStyle/>
+          <a:p>
+            <a:pPr algn="ctr"/>
+            <a:endParaRPr lang="en-IN"/>
+          </a:p>
+        </p:txBody>
+      </p:sp>
+      <p:pic>
+        <p:nvPicPr>
+          <p:cNvPr id="6" name="Content Placeholder 3"/>
+          <p:cNvPicPr>
+            <a:picLocks noChangeAspect="1"/>
+          </p:cNvPicPr>
+          <p:nvPr/>
+        </p:nvPicPr>
+        <p:blipFill>
+          <a:blip r:embed="rId2"/>
+          <a:stretch>
+            <a:fillRect/>
+          </a:stretch>
+        </p:blipFill>
+        <p:spPr>
+          <a:xfrm>
+            <a:off x="2299065" y="2357064"/>
+            <a:ext cx="4140924" cy="3419952"/>
+          </a:xfrm>
+          <a:prstGeom prst="rect">
+            <a:avLst/>
+          </a:prstGeom>
+        </p:spPr>
+      </p:pic>
+      <p:pic>
+        <p:nvPicPr>
+          <p:cNvPr id="8" name="Picture 7"/>
+          <p:cNvPicPr>
+            <a:picLocks noChangeAspect="1"/>
+          </p:cNvPicPr>
+          <p:nvPr/>
+        </p:nvPicPr>
+        <p:blipFill>
+          <a:blip r:embed="rId3"/>
+          <a:stretch>
+            <a:fillRect/>
+          </a:stretch>
+        </p:blipFill>
+        <p:spPr>
+          <a:xfrm>
+            <a:off x="7234078" y="2376658"/>
+            <a:ext cx="4230459" cy="3242345"/>
+          </a:xfrm>
+          <a:prstGeom prst="rect">
+            <a:avLst/>
+          </a:prstGeom>
+        </p:spPr>
+      </p:pic>
+      <p:sp>
+        <p:nvSpPr>
+          <p:cNvPr id="9" name="TextBox 8"/>
+          <p:cNvSpPr txBox="1"/>
+          <p:nvPr/>
+        </p:nvSpPr>
+        <p:spPr>
+          <a:xfrm>
+            <a:off x="2599509" y="1371600"/>
+            <a:ext cx="3670662" cy="646331"/>
+          </a:xfrm>
+          <a:prstGeom prst="rect">
+            <a:avLst/>
+          </a:prstGeom>
+          <a:noFill/>
+        </p:spPr>
+        <p:txBody>
+          <a:bodyPr wrap="square" rtlCol="0">
+            <a:spAutoFit/>
+          </a:bodyPr>
+          <a:lstStyle/>
+          <a:p>
+            <a:r>
+              <a:rPr lang="en-US" dirty="0" smtClean="0"/>
+              <a:t>Boxplot of Loan-Amount with outliners</a:t>
+            </a:r>
+            <a:endParaRPr lang="en-IN" dirty="0"/>
+          </a:p>
+        </p:txBody>
+      </p:sp>
+      <p:sp>
+        <p:nvSpPr>
+          <p:cNvPr id="10" name="TextBox 9"/>
+          <p:cNvSpPr txBox="1"/>
+          <p:nvPr/>
+        </p:nvSpPr>
+        <p:spPr>
+          <a:xfrm>
+            <a:off x="7362450" y="1371600"/>
+            <a:ext cx="3850484" cy="646331"/>
+          </a:xfrm>
+          <a:prstGeom prst="rect">
+            <a:avLst/>
+          </a:prstGeom>
+          <a:noFill/>
+        </p:spPr>
+        <p:txBody>
+          <a:bodyPr wrap="square" rtlCol="0">
+            <a:spAutoFit/>
+          </a:bodyPr>
+          <a:lstStyle/>
+          <a:p>
+            <a:r>
+              <a:rPr lang="en-US" dirty="0" smtClean="0"/>
+              <a:t>Boxplot  of Loan-Amount after Removing Outliners</a:t>
+            </a:r>
+            <a:endParaRPr lang="en-IN" dirty="0"/>
+          </a:p>
+        </p:txBody>
+      </p:sp>
+    </p:spTree>
+    <p:extLst>
+      <p:ext uri="{BB962C8B-B14F-4D97-AF65-F5344CB8AC3E}">
+        <p14:creationId xmlns:p14="http://schemas.microsoft.com/office/powerpoint/2010/main" val="1675285431"/>
+      </p:ext>
+    </p:extLst>
+  </p:cSld>
+  <p:clrMapOvr>
+    <a:masterClrMapping/>
+  </p:clrMapOvr>
+</p:sld>
+</file>
+
+<file path=ppt/slides/slide13.xml><?xml version="1.0" encoding="utf-8"?>
+<p:sld xmlns:a="http://schemas.openxmlformats.org/drawingml/2006/main" xmlns:r="http://schemas.openxmlformats.org/officeDocument/2006/relationships" xmlns:p="http://schemas.openxmlformats.org/presentationml/2006/main">
+  <p:cSld>
+    <p:spTree>
+      <p:nvGrpSpPr>
+        <p:cNvPr id="1" name=""/>
+        <p:cNvGrpSpPr/>
+        <p:nvPr/>
+      </p:nvGrpSpPr>
+      <p:grpSpPr>
+        <a:xfrm>
+          <a:off x="0" y="0"/>
+          <a:ext cx="0" cy="0"/>
+          <a:chOff x="0" y="0"/>
+          <a:chExt cx="0" cy="0"/>
+        </a:xfrm>
+      </p:grpSpPr>
+      <p:pic>
+        <p:nvPicPr>
+          <p:cNvPr id="4" name="Content Placeholder 8"/>
+          <p:cNvPicPr>
+            <a:picLocks noChangeAspect="1"/>
+          </p:cNvPicPr>
+          <p:nvPr/>
+        </p:nvPicPr>
+        <p:blipFill rotWithShape="1">
+          <a:blip r:embed="rId2"/>
+          <a:srcRect t="5192" b="5066"/>
+          <a:stretch/>
+        </p:blipFill>
+        <p:spPr>
+          <a:xfrm>
+            <a:off x="1687817" y="404950"/>
+            <a:ext cx="4788240" cy="1619794"/>
+          </a:xfrm>
+          <a:prstGeom prst="rect">
+            <a:avLst/>
+          </a:prstGeom>
+        </p:spPr>
+      </p:pic>
+      <p:sp>
+        <p:nvSpPr>
+          <p:cNvPr id="5" name="Rounded Rectangle 4"/>
+          <p:cNvSpPr/>
+          <p:nvPr/>
+        </p:nvSpPr>
+        <p:spPr>
+          <a:xfrm>
+            <a:off x="2183599" y="3597137"/>
+            <a:ext cx="4232366" cy="3069771"/>
+          </a:xfrm>
+          <a:prstGeom prst="roundRect">
+            <a:avLst/>
+          </a:prstGeom>
+        </p:spPr>
+        <p:style>
+          <a:lnRef idx="2">
+            <a:schemeClr val="accent1">
+              <a:shade val="50000"/>
+            </a:schemeClr>
+          </a:lnRef>
+          <a:fillRef idx="1">
+            <a:schemeClr val="accent1"/>
+          </a:fillRef>
+          <a:effectRef idx="0">
+            <a:schemeClr val="accent1"/>
+          </a:effectRef>
+          <a:fontRef idx="minor">
+            <a:schemeClr val="lt1"/>
+          </a:fontRef>
+        </p:style>
+        <p:txBody>
+          <a:bodyPr rtlCol="0" anchor="ctr"/>
+          <a:lstStyle/>
+          <a:p>
+            <a:pPr algn="ctr"/>
+            <a:endParaRPr lang="en-IN"/>
+          </a:p>
+        </p:txBody>
+      </p:sp>
+      <p:sp>
+        <p:nvSpPr>
+          <p:cNvPr id="6" name="Rounded Rectangle 5"/>
+          <p:cNvSpPr/>
+          <p:nvPr/>
+        </p:nvSpPr>
+        <p:spPr>
+          <a:xfrm>
+            <a:off x="7158240" y="3580930"/>
+            <a:ext cx="4232366" cy="3069771"/>
+          </a:xfrm>
+          <a:prstGeom prst="roundRect">
+            <a:avLst/>
+          </a:prstGeom>
+        </p:spPr>
+        <p:style>
+          <a:lnRef idx="2">
+            <a:schemeClr val="accent1">
+              <a:shade val="50000"/>
+            </a:schemeClr>
+          </a:lnRef>
+          <a:fillRef idx="1">
+            <a:schemeClr val="accent1"/>
+          </a:fillRef>
+          <a:effectRef idx="0">
+            <a:schemeClr val="accent1"/>
+          </a:effectRef>
+          <a:fontRef idx="minor">
+            <a:schemeClr val="lt1"/>
+          </a:fontRef>
+        </p:style>
+        <p:txBody>
+          <a:bodyPr rtlCol="0" anchor="ctr"/>
+          <a:lstStyle/>
+          <a:p>
+            <a:pPr algn="ctr"/>
+            <a:endParaRPr lang="en-IN"/>
+          </a:p>
+        </p:txBody>
+      </p:sp>
+      <p:sp>
+        <p:nvSpPr>
+          <p:cNvPr id="7" name="Oval 6"/>
+          <p:cNvSpPr/>
+          <p:nvPr/>
+        </p:nvSpPr>
+        <p:spPr>
+          <a:xfrm>
+            <a:off x="2962956" y="2623949"/>
+            <a:ext cx="2233750" cy="1355630"/>
+          </a:xfrm>
+          <a:prstGeom prst="ellipse">
+            <a:avLst/>
+          </a:prstGeom>
+        </p:spPr>
+        <p:style>
+          <a:lnRef idx="2">
+            <a:schemeClr val="accent1">
+              <a:shade val="50000"/>
+            </a:schemeClr>
+          </a:lnRef>
+          <a:fillRef idx="1">
+            <a:schemeClr val="accent1"/>
+          </a:fillRef>
+          <a:effectRef idx="0">
+            <a:schemeClr val="accent1"/>
+          </a:effectRef>
+          <a:fontRef idx="minor">
+            <a:schemeClr val="lt1"/>
+          </a:fontRef>
+        </p:style>
+        <p:txBody>
+          <a:bodyPr rtlCol="0" anchor="ctr"/>
+          <a:lstStyle/>
+          <a:p>
+            <a:pPr algn="ctr"/>
+            <a:r>
+              <a:rPr lang="en-US" dirty="0" smtClean="0"/>
+              <a:t>Interest Rate</a:t>
+            </a:r>
+            <a:endParaRPr lang="en-IN" dirty="0"/>
+          </a:p>
+        </p:txBody>
+      </p:sp>
+      <p:pic>
+        <p:nvPicPr>
+          <p:cNvPr id="8" name="Picture 7"/>
+          <p:cNvPicPr>
+            <a:picLocks noChangeAspect="1"/>
+          </p:cNvPicPr>
+          <p:nvPr/>
+        </p:nvPicPr>
+        <p:blipFill>
+          <a:blip r:embed="rId3"/>
+          <a:stretch>
+            <a:fillRect/>
+          </a:stretch>
+        </p:blipFill>
+        <p:spPr>
+          <a:xfrm>
+            <a:off x="2337133" y="4063487"/>
+            <a:ext cx="3841393" cy="2267123"/>
+          </a:xfrm>
+          <a:prstGeom prst="rect">
+            <a:avLst/>
+          </a:prstGeom>
+        </p:spPr>
+      </p:pic>
+      <p:sp>
+        <p:nvSpPr>
+          <p:cNvPr id="9" name="Oval 8"/>
+          <p:cNvSpPr/>
+          <p:nvPr/>
+        </p:nvSpPr>
+        <p:spPr>
+          <a:xfrm>
+            <a:off x="8077125" y="2482511"/>
+            <a:ext cx="2233750" cy="1355630"/>
+          </a:xfrm>
+          <a:prstGeom prst="ellipse">
+            <a:avLst/>
+          </a:prstGeom>
+        </p:spPr>
+        <p:style>
+          <a:lnRef idx="2">
+            <a:schemeClr val="accent1">
+              <a:shade val="50000"/>
+            </a:schemeClr>
+          </a:lnRef>
+          <a:fillRef idx="1">
+            <a:schemeClr val="accent1"/>
+          </a:fillRef>
+          <a:effectRef idx="0">
+            <a:schemeClr val="accent1"/>
+          </a:effectRef>
+          <a:fontRef idx="minor">
+            <a:schemeClr val="lt1"/>
+          </a:fontRef>
+        </p:style>
+        <p:txBody>
+          <a:bodyPr rtlCol="0" anchor="ctr"/>
+          <a:lstStyle/>
+          <a:p>
+            <a:pPr algn="ctr"/>
+            <a:r>
+              <a:rPr lang="en-US" dirty="0" smtClean="0"/>
+              <a:t>Interest Rate After Removing</a:t>
+            </a:r>
+            <a:r>
+              <a:rPr lang="en-US" dirty="0"/>
+              <a:t> Outliners</a:t>
+            </a:r>
+            <a:endParaRPr lang="en-IN" dirty="0"/>
+          </a:p>
+        </p:txBody>
+      </p:sp>
+      <p:pic>
+        <p:nvPicPr>
+          <p:cNvPr id="10" name="Picture 9"/>
+          <p:cNvPicPr>
+            <a:picLocks noChangeAspect="1"/>
+          </p:cNvPicPr>
+          <p:nvPr/>
+        </p:nvPicPr>
+        <p:blipFill>
+          <a:blip r:embed="rId4"/>
+          <a:stretch>
+            <a:fillRect/>
+          </a:stretch>
+        </p:blipFill>
+        <p:spPr>
+          <a:xfrm>
+            <a:off x="7286250" y="4016796"/>
+            <a:ext cx="3908267" cy="2450514"/>
+          </a:xfrm>
+          <a:prstGeom prst="rect">
+            <a:avLst/>
+          </a:prstGeom>
+        </p:spPr>
+      </p:pic>
+      <p:pic>
+        <p:nvPicPr>
+          <p:cNvPr id="11" name="Picture 10"/>
+          <p:cNvPicPr>
+            <a:picLocks noChangeAspect="1"/>
+          </p:cNvPicPr>
+          <p:nvPr/>
+        </p:nvPicPr>
+        <p:blipFill rotWithShape="1">
+          <a:blip r:embed="rId5"/>
+          <a:srcRect t="5511" b="8450"/>
+          <a:stretch/>
+        </p:blipFill>
+        <p:spPr>
+          <a:xfrm>
+            <a:off x="7297927" y="404949"/>
+            <a:ext cx="4230191" cy="1463040"/>
+          </a:xfrm>
+          <a:prstGeom prst="rect">
+            <a:avLst/>
+          </a:prstGeom>
+        </p:spPr>
+      </p:pic>
+      <p:sp>
+        <p:nvSpPr>
+          <p:cNvPr id="12" name="Down Arrow 11"/>
+          <p:cNvSpPr/>
+          <p:nvPr/>
+        </p:nvSpPr>
+        <p:spPr>
+          <a:xfrm>
+            <a:off x="3853337" y="2011680"/>
+            <a:ext cx="457200" cy="612270"/>
+          </a:xfrm>
+          <a:prstGeom prst="downArrow">
+            <a:avLst/>
+          </a:prstGeom>
+        </p:spPr>
+        <p:style>
+          <a:lnRef idx="2">
+            <a:schemeClr val="accent1">
+              <a:shade val="50000"/>
+            </a:schemeClr>
+          </a:lnRef>
+          <a:fillRef idx="1">
+            <a:schemeClr val="accent1"/>
+          </a:fillRef>
+          <a:effectRef idx="0">
+            <a:schemeClr val="accent1"/>
+          </a:effectRef>
+          <a:fontRef idx="minor">
+            <a:schemeClr val="lt1"/>
+          </a:fontRef>
+        </p:style>
+        <p:txBody>
+          <a:bodyPr rtlCol="0" anchor="ctr"/>
+          <a:lstStyle/>
+          <a:p>
+            <a:pPr algn="ctr"/>
+            <a:endParaRPr lang="en-IN"/>
+          </a:p>
+        </p:txBody>
+      </p:sp>
+      <p:sp>
+        <p:nvSpPr>
+          <p:cNvPr id="13" name="Down Arrow 12"/>
+          <p:cNvSpPr/>
+          <p:nvPr/>
+        </p:nvSpPr>
+        <p:spPr>
+          <a:xfrm>
+            <a:off x="8987246" y="1867989"/>
+            <a:ext cx="413508" cy="614522"/>
+          </a:xfrm>
+          <a:prstGeom prst="downArrow">
+            <a:avLst/>
+          </a:prstGeom>
+        </p:spPr>
+        <p:style>
+          <a:lnRef idx="2">
+            <a:schemeClr val="accent1">
+              <a:shade val="50000"/>
+            </a:schemeClr>
+          </a:lnRef>
+          <a:fillRef idx="1">
+            <a:schemeClr val="accent1"/>
+          </a:fillRef>
+          <a:effectRef idx="0">
+            <a:schemeClr val="accent1"/>
+          </a:effectRef>
+          <a:fontRef idx="minor">
+            <a:schemeClr val="lt1"/>
+          </a:fontRef>
+        </p:style>
+        <p:txBody>
+          <a:bodyPr rtlCol="0" anchor="ctr"/>
+          <a:lstStyle/>
+          <a:p>
+            <a:pPr algn="ctr"/>
+            <a:endParaRPr lang="en-IN"/>
+          </a:p>
+        </p:txBody>
+      </p:sp>
+    </p:spTree>
+    <p:extLst>
+      <p:ext uri="{BB962C8B-B14F-4D97-AF65-F5344CB8AC3E}">
+        <p14:creationId xmlns:p14="http://schemas.microsoft.com/office/powerpoint/2010/main" val="1102497564"/>
+      </p:ext>
+    </p:extLst>
+  </p:cSld>
+  <p:clrMapOvr>
+    <a:masterClrMapping/>
+  </p:clrMapOvr>
+</p:sld>
+</file>
+
 <file path=ppt/slides/slide2.xml><?xml version="1.0" encoding="utf-8"?>
 <p:sld xmlns:a="http://schemas.openxmlformats.org/drawingml/2006/main" xmlns:r="http://schemas.openxmlformats.org/officeDocument/2006/relationships" xmlns:p="http://schemas.openxmlformats.org/presentationml/2006/main">
   <p:cSld>
@@ -8986,31 +9933,8 @@
                 <a:ea typeface="Calibri" panose="020F0502020204030204" pitchFamily="34" charset="0"/>
                 <a:cs typeface="Calibri" panose="020F0502020204030204" pitchFamily="34" charset="0"/>
               </a:rPr>
-              <a:t>: Applicant is in the process of paying the instalments</a:t>
-            </a:r>
-            <a:r>
-              <a:rPr lang="en-US" sz="2400" dirty="0" smtClean="0">
-                <a:solidFill>
-                  <a:schemeClr val="tx2">
-                    <a:lumMod val="25000"/>
-                  </a:schemeClr>
-                </a:solidFill>
-                <a:latin typeface="Calibri" panose="020F0502020204030204" pitchFamily="34" charset="0"/>
-                <a:ea typeface="Calibri" panose="020F0502020204030204" pitchFamily="34" charset="0"/>
-                <a:cs typeface="Calibri" panose="020F0502020204030204" pitchFamily="34" charset="0"/>
-              </a:rPr>
-              <a:t>.</a:t>
-            </a:r>
-            <a:endParaRPr lang="en-US" sz="2400" dirty="0" smtClean="0">
-              <a:solidFill>
-                <a:schemeClr val="tx2">
-                  <a:lumMod val="25000"/>
-                </a:schemeClr>
-              </a:solidFill>
-              <a:latin typeface="Calibri" panose="020F0502020204030204" pitchFamily="34" charset="0"/>
-              <a:ea typeface="Calibri" panose="020F0502020204030204" pitchFamily="34" charset="0"/>
-              <a:cs typeface="Calibri" panose="020F0502020204030204" pitchFamily="34" charset="0"/>
-            </a:endParaRPr>
+              <a:t>: Applicant is in the process of paying the instalments.</a:t>
+            </a:r>
           </a:p>
           <a:p>
             <a:pPr algn="just"/>
@@ -9177,21 +10101,8 @@
                 <a:ea typeface="Calibri" panose="020F0502020204030204" pitchFamily="34" charset="0"/>
                 <a:cs typeface="Calibri" panose="020F0502020204030204" pitchFamily="34" charset="0"/>
               </a:rPr>
-              <a:t>Loan </a:t>
-            </a:r>
-            <a:r>
-              <a:rPr lang="en-US" sz="2400" b="1" dirty="0" smtClean="0">
-                <a:latin typeface="Calibri" panose="020F0502020204030204" pitchFamily="34" charset="0"/>
-                <a:ea typeface="Calibri" panose="020F0502020204030204" pitchFamily="34" charset="0"/>
-                <a:cs typeface="Calibri" panose="020F0502020204030204" pitchFamily="34" charset="0"/>
-              </a:rPr>
-              <a:t>Rejected:</a:t>
-            </a:r>
-            <a:endParaRPr lang="en-US" sz="2400" b="1" dirty="0" smtClean="0">
-              <a:latin typeface="Calibri" panose="020F0502020204030204" pitchFamily="34" charset="0"/>
-              <a:ea typeface="Calibri" panose="020F0502020204030204" pitchFamily="34" charset="0"/>
-              <a:cs typeface="Calibri" panose="020F0502020204030204" pitchFamily="34" charset="0"/>
-            </a:endParaRPr>
+              <a:t>Loan Rejected:</a:t>
+            </a:r>
           </a:p>
           <a:p>
             <a:pPr algn="just"/>
@@ -9201,15 +10112,7 @@
                 <a:ea typeface="Calibri" panose="020F0502020204030204" pitchFamily="34" charset="0"/>
                 <a:cs typeface="Calibri" panose="020F0502020204030204" pitchFamily="34" charset="0"/>
               </a:rPr>
-              <a:t>The company had rejected the loan for the candidates who does not meet the Loan Processes requirements so no data </a:t>
-            </a:r>
-            <a:r>
-              <a:rPr lang="en-US" sz="2400" dirty="0" smtClean="0">
-                <a:latin typeface="Calibri" panose="020F0502020204030204" pitchFamily="34" charset="0"/>
-                <a:ea typeface="Calibri" panose="020F0502020204030204" pitchFamily="34" charset="0"/>
-                <a:cs typeface="Calibri" panose="020F0502020204030204" pitchFamily="34" charset="0"/>
-              </a:rPr>
-              <a:t>available</a:t>
+              <a:t>The company had rejected the loan for the candidates who does not meet the Loan Processes requirements so no data available</a:t>
             </a:r>
             <a:endParaRPr lang="en-US" sz="2400" b="1" dirty="0" smtClean="0">
               <a:latin typeface="Calibri" panose="020F0502020204030204" pitchFamily="34" charset="0"/>
@@ -9295,21 +10198,8 @@
                 <a:ea typeface="Calibri" panose="020F0502020204030204" pitchFamily="34" charset="0"/>
                 <a:cs typeface="Calibri" panose="020F0502020204030204" pitchFamily="34" charset="0"/>
               </a:rPr>
-              <a:t>Credit </a:t>
-            </a:r>
-            <a:r>
-              <a:rPr lang="en-IN" b="1" dirty="0">
-                <a:latin typeface="Calibri" panose="020F0502020204030204" pitchFamily="34" charset="0"/>
-                <a:ea typeface="Calibri" panose="020F0502020204030204" pitchFamily="34" charset="0"/>
-                <a:cs typeface="Calibri" panose="020F0502020204030204" pitchFamily="34" charset="0"/>
-              </a:rPr>
-              <a:t>loss</a:t>
-            </a:r>
-            <a:endParaRPr lang="en-IN" b="1" dirty="0">
-              <a:latin typeface="Calibri" panose="020F0502020204030204" pitchFamily="34" charset="0"/>
-              <a:ea typeface="Calibri" panose="020F0502020204030204" pitchFamily="34" charset="0"/>
-              <a:cs typeface="Calibri" panose="020F0502020204030204" pitchFamily="34" charset="0"/>
-            </a:endParaRPr>
+              <a:t>Credit loss</a:t>
+            </a:r>
           </a:p>
         </p:txBody>
       </p:sp>
@@ -9856,13 +10746,13 @@
         </p:nvSpPr>
         <p:spPr>
           <a:xfrm>
-            <a:off x="1770499" y="1360586"/>
-            <a:ext cx="8946541" cy="4195481"/>
+            <a:off x="1850486" y="1097281"/>
+            <a:ext cx="9814645" cy="5630090"/>
           </a:xfrm>
         </p:spPr>
         <p:txBody>
           <a:bodyPr>
-            <a:normAutofit fontScale="77500" lnSpcReduction="20000"/>
+            <a:normAutofit fontScale="85000" lnSpcReduction="20000"/>
           </a:bodyPr>
           <a:lstStyle/>
           <a:p>
@@ -9921,15 +10811,7 @@
                 <a:ea typeface="Calibri" panose="020F0502020204030204" pitchFamily="34" charset="0"/>
                 <a:cs typeface="Calibri" panose="020F0502020204030204" pitchFamily="34" charset="0"/>
               </a:rPr>
-              <a:t>Step </a:t>
-            </a:r>
-            <a:r>
-              <a:rPr lang="en-US" sz="3100" b="1" dirty="0" smtClean="0">
-                <a:latin typeface="Calibri" panose="020F0502020204030204" pitchFamily="34" charset="0"/>
-                <a:ea typeface="Calibri" panose="020F0502020204030204" pitchFamily="34" charset="0"/>
-                <a:cs typeface="Calibri" panose="020F0502020204030204" pitchFamily="34" charset="0"/>
-              </a:rPr>
-              <a:t>1: </a:t>
+              <a:t>Step 1: </a:t>
             </a:r>
             <a:r>
               <a:rPr lang="en-US" sz="3100" dirty="0" smtClean="0">
@@ -9937,15 +10819,7 @@
                 <a:ea typeface="Calibri" panose="020F0502020204030204" pitchFamily="34" charset="0"/>
                 <a:cs typeface="Calibri" panose="020F0502020204030204" pitchFamily="34" charset="0"/>
               </a:rPr>
-              <a:t>Removing </a:t>
-            </a:r>
-            <a:r>
-              <a:rPr lang="en-US" sz="3100" dirty="0" smtClean="0">
-                <a:latin typeface="Calibri" panose="020F0502020204030204" pitchFamily="34" charset="0"/>
-                <a:ea typeface="Calibri" panose="020F0502020204030204" pitchFamily="34" charset="0"/>
-                <a:cs typeface="Calibri" panose="020F0502020204030204" pitchFamily="34" charset="0"/>
-              </a:rPr>
-              <a:t>rows containing missing values</a:t>
+              <a:t>Removing rows containing missing values</a:t>
             </a:r>
             <a:endParaRPr lang="en-IN" sz="3100" dirty="0">
               <a:latin typeface="Calibri" panose="020F0502020204030204" pitchFamily="34" charset="0"/>
@@ -9963,15 +10837,7 @@
                 <a:ea typeface="Calibri" panose="020F0502020204030204" pitchFamily="34" charset="0"/>
                 <a:cs typeface="Calibri" panose="020F0502020204030204" pitchFamily="34" charset="0"/>
               </a:rPr>
-              <a:t>     </a:t>
-            </a:r>
-            <a:r>
-              <a:rPr lang="en-US" sz="2200" dirty="0" smtClean="0">
-                <a:latin typeface="Calibri" panose="020F0502020204030204" pitchFamily="34" charset="0"/>
-                <a:ea typeface="Calibri" panose="020F0502020204030204" pitchFamily="34" charset="0"/>
-                <a:cs typeface="Calibri" panose="020F0502020204030204" pitchFamily="34" charset="0"/>
-              </a:rPr>
-              <a:t> </a:t>
+              <a:t>      </a:t>
             </a:r>
             <a:r>
               <a:rPr lang="en-US" sz="2600" dirty="0" smtClean="0">
@@ -10018,11 +10884,19 @@
                 <a:ea typeface="Calibri" panose="020F0502020204030204" pitchFamily="34" charset="0"/>
                 <a:cs typeface="Calibri" panose="020F0502020204030204" pitchFamily="34" charset="0"/>
               </a:rPr>
-              <a:t>     Keep the missing values if they don't affect the analysis</a:t>
-            </a:r>
-          </a:p>
-          <a:p>
-            <a:pPr marL="0" indent="0" algn="just">
+              <a:t>     Keep the missing values if they don't affect the </a:t>
+            </a:r>
+            <a:r>
+              <a:rPr lang="en-US" sz="2600" dirty="0" smtClean="0">
+                <a:latin typeface="Calibri" panose="020F0502020204030204" pitchFamily="34" charset="0"/>
+                <a:ea typeface="Calibri" panose="020F0502020204030204" pitchFamily="34" charset="0"/>
+                <a:cs typeface="Calibri" panose="020F0502020204030204" pitchFamily="34" charset="0"/>
+              </a:rPr>
+              <a:t>analysis</a:t>
+            </a:r>
+          </a:p>
+          <a:p>
+            <a:pPr marL="800100" lvl="2" indent="0" algn="just">
               <a:buNone/>
             </a:pPr>
             <a:endParaRPr lang="en-US" sz="2600" dirty="0" smtClean="0">
@@ -10032,6 +10906,36 @@
             </a:endParaRPr>
           </a:p>
           <a:p>
+            <a:pPr marL="800100" lvl="2" indent="0" algn="just">
+              <a:buNone/>
+            </a:pPr>
+            <a:endParaRPr lang="en-US" sz="2600" dirty="0" smtClean="0">
+              <a:latin typeface="Calibri" panose="020F0502020204030204" pitchFamily="34" charset="0"/>
+              <a:ea typeface="Calibri" panose="020F0502020204030204" pitchFamily="34" charset="0"/>
+              <a:cs typeface="Calibri" panose="020F0502020204030204" pitchFamily="34" charset="0"/>
+            </a:endParaRPr>
+          </a:p>
+          <a:p>
+            <a:pPr marL="800100" lvl="2" indent="0" algn="just">
+              <a:buNone/>
+            </a:pPr>
+            <a:endParaRPr lang="en-US" sz="2600" dirty="0" smtClean="0">
+              <a:latin typeface="Calibri" panose="020F0502020204030204" pitchFamily="34" charset="0"/>
+              <a:ea typeface="Calibri" panose="020F0502020204030204" pitchFamily="34" charset="0"/>
+              <a:cs typeface="Calibri" panose="020F0502020204030204" pitchFamily="34" charset="0"/>
+            </a:endParaRPr>
+          </a:p>
+          <a:p>
+            <a:pPr marL="0" indent="0" algn="just">
+              <a:buNone/>
+            </a:pPr>
+            <a:endParaRPr lang="en-US" sz="2600" dirty="0" smtClean="0">
+              <a:latin typeface="Calibri" panose="020F0502020204030204" pitchFamily="34" charset="0"/>
+              <a:ea typeface="Calibri" panose="020F0502020204030204" pitchFamily="34" charset="0"/>
+              <a:cs typeface="Calibri" panose="020F0502020204030204" pitchFamily="34" charset="0"/>
+            </a:endParaRPr>
+          </a:p>
+          <a:p>
             <a:pPr algn="just"/>
             <a:r>
               <a:rPr lang="en-IN" sz="3100" b="1" dirty="0">
@@ -10063,23 +10967,7 @@
                 <a:ea typeface="Calibri" panose="020F0502020204030204" pitchFamily="34" charset="0"/>
                 <a:cs typeface="Calibri" panose="020F0502020204030204" pitchFamily="34" charset="0"/>
               </a:rPr>
-              <a:t>rows with Incorrect </a:t>
-            </a:r>
-            <a:r>
-              <a:rPr lang="en-IN" sz="3100" dirty="0">
-                <a:latin typeface="Calibri" panose="020F0502020204030204" pitchFamily="34" charset="0"/>
-                <a:ea typeface="Calibri" panose="020F0502020204030204" pitchFamily="34" charset="0"/>
-                <a:cs typeface="Calibri" panose="020F0502020204030204" pitchFamily="34" charset="0"/>
-              </a:rPr>
-              <a:t>Data </a:t>
-            </a:r>
-            <a:r>
-              <a:rPr lang="en-IN" sz="3100" dirty="0">
-                <a:latin typeface="Calibri" panose="020F0502020204030204" pitchFamily="34" charset="0"/>
-                <a:ea typeface="Calibri" panose="020F0502020204030204" pitchFamily="34" charset="0"/>
-                <a:cs typeface="Calibri" panose="020F0502020204030204" pitchFamily="34" charset="0"/>
-              </a:rPr>
-              <a:t>Types</a:t>
+              <a:t>rows with Incorrect Data Types</a:t>
             </a:r>
           </a:p>
           <a:p>
@@ -10092,15 +10980,36 @@
                 <a:ea typeface="Calibri" panose="020F0502020204030204" pitchFamily="34" charset="0"/>
                 <a:cs typeface="Calibri" panose="020F0502020204030204" pitchFamily="34" charset="0"/>
               </a:rPr>
+              <a:t>        </a:t>
+            </a:r>
+            <a:r>
+              <a:rPr lang="en-US" sz="2600" dirty="0">
+                <a:latin typeface="Calibri" panose="020F0502020204030204" pitchFamily="34" charset="0"/>
+                <a:ea typeface="Calibri" panose="020F0502020204030204" pitchFamily="34" charset="0"/>
+                <a:cs typeface="Calibri" panose="020F0502020204030204" pitchFamily="34" charset="0"/>
+              </a:rPr>
+              <a:t>Clean certain values</a:t>
+            </a:r>
+          </a:p>
+          <a:p>
+            <a:pPr marL="800100" lvl="2" indent="0" algn="just">
+              <a:buNone/>
+            </a:pPr>
+            <a:r>
+              <a:rPr lang="en-US" sz="2600" dirty="0">
+                <a:latin typeface="Calibri" panose="020F0502020204030204" pitchFamily="34" charset="0"/>
+                <a:ea typeface="Calibri" panose="020F0502020204030204" pitchFamily="34" charset="0"/>
+                <a:cs typeface="Calibri" panose="020F0502020204030204" pitchFamily="34" charset="0"/>
+              </a:rPr>
               <a:t>     </a:t>
             </a:r>
             <a:r>
-              <a:rPr lang="en-US" sz="2200" dirty="0" smtClean="0">
-                <a:latin typeface="Calibri" panose="020F0502020204030204" pitchFamily="34" charset="0"/>
-                <a:ea typeface="Calibri" panose="020F0502020204030204" pitchFamily="34" charset="0"/>
-                <a:cs typeface="Calibri" panose="020F0502020204030204" pitchFamily="34" charset="0"/>
-              </a:rPr>
-              <a:t>   </a:t>
+              <a:rPr lang="en-US" sz="2600" dirty="0" smtClean="0">
+                <a:latin typeface="Calibri" panose="020F0502020204030204" pitchFamily="34" charset="0"/>
+                <a:ea typeface="Calibri" panose="020F0502020204030204" pitchFamily="34" charset="0"/>
+                <a:cs typeface="Calibri" panose="020F0502020204030204" pitchFamily="34" charset="0"/>
+              </a:rPr>
+              <a:t>  Clean </a:t>
             </a:r>
             <a:r>
               <a:rPr lang="en-US" sz="2600" dirty="0">
@@ -10108,52 +11017,7 @@
                 <a:ea typeface="Calibri" panose="020F0502020204030204" pitchFamily="34" charset="0"/>
                 <a:cs typeface="Calibri" panose="020F0502020204030204" pitchFamily="34" charset="0"/>
               </a:rPr>
-              <a:t>Clean </a:t>
-            </a:r>
-            <a:r>
-              <a:rPr lang="en-US" sz="2600" dirty="0">
-                <a:latin typeface="Calibri" panose="020F0502020204030204" pitchFamily="34" charset="0"/>
-                <a:ea typeface="Calibri" panose="020F0502020204030204" pitchFamily="34" charset="0"/>
-                <a:cs typeface="Calibri" panose="020F0502020204030204" pitchFamily="34" charset="0"/>
-              </a:rPr>
-              <a:t>certain values</a:t>
-            </a:r>
-          </a:p>
-          <a:p>
-            <a:pPr marL="800100" lvl="2" indent="0" algn="just">
-              <a:buNone/>
-            </a:pPr>
-            <a:r>
-              <a:rPr lang="en-US" sz="2600" dirty="0">
-                <a:latin typeface="Calibri" panose="020F0502020204030204" pitchFamily="34" charset="0"/>
-                <a:ea typeface="Calibri" panose="020F0502020204030204" pitchFamily="34" charset="0"/>
-                <a:cs typeface="Calibri" panose="020F0502020204030204" pitchFamily="34" charset="0"/>
-              </a:rPr>
-              <a:t>     </a:t>
-            </a:r>
-            <a:r>
-              <a:rPr lang="en-US" sz="2600" dirty="0" smtClean="0">
-                <a:latin typeface="Calibri" panose="020F0502020204030204" pitchFamily="34" charset="0"/>
-                <a:ea typeface="Calibri" panose="020F0502020204030204" pitchFamily="34" charset="0"/>
-                <a:cs typeface="Calibri" panose="020F0502020204030204" pitchFamily="34" charset="0"/>
-              </a:rPr>
-              <a:t>  Clean </a:t>
-            </a:r>
-            <a:r>
-              <a:rPr lang="en-US" sz="2600" dirty="0">
-                <a:latin typeface="Calibri" panose="020F0502020204030204" pitchFamily="34" charset="0"/>
-                <a:ea typeface="Calibri" panose="020F0502020204030204" pitchFamily="34" charset="0"/>
-                <a:cs typeface="Calibri" panose="020F0502020204030204" pitchFamily="34" charset="0"/>
-              </a:rPr>
-              <a:t>and convert an entire </a:t>
-            </a:r>
-            <a:r>
-              <a:rPr lang="en-US" sz="2600" dirty="0">
-                <a:latin typeface="Calibri" panose="020F0502020204030204" pitchFamily="34" charset="0"/>
-                <a:ea typeface="Calibri" panose="020F0502020204030204" pitchFamily="34" charset="0"/>
-                <a:cs typeface="Calibri" panose="020F0502020204030204" pitchFamily="34" charset="0"/>
-              </a:rPr>
-              <a:t>column</a:t>
+              <a:t>and convert an entire column</a:t>
             </a:r>
           </a:p>
           <a:p>
@@ -10182,6 +11046,30 @@
           </a:p>
         </p:txBody>
       </p:sp>
+      <p:pic>
+        <p:nvPicPr>
+          <p:cNvPr id="5" name="Picture 4"/>
+          <p:cNvPicPr>
+            <a:picLocks noChangeAspect="1"/>
+          </p:cNvPicPr>
+          <p:nvPr/>
+        </p:nvPicPr>
+        <p:blipFill>
+          <a:blip r:embed="rId2"/>
+          <a:stretch>
+            <a:fillRect/>
+          </a:stretch>
+        </p:blipFill>
+        <p:spPr>
+          <a:xfrm>
+            <a:off x="3353341" y="4022335"/>
+            <a:ext cx="5322603" cy="1320373"/>
+          </a:xfrm>
+          <a:prstGeom prst="rect">
+            <a:avLst/>
+          </a:prstGeom>
+        </p:spPr>
+      </p:pic>
     </p:spTree>
     <p:extLst>
       <p:ext uri="{BB962C8B-B14F-4D97-AF65-F5344CB8AC3E}">
@@ -10230,7 +11118,7 @@
         </p:spPr>
         <p:txBody>
           <a:bodyPr>
-            <a:normAutofit lnSpcReduction="10000"/>
+            <a:normAutofit fontScale="85000" lnSpcReduction="10000"/>
           </a:bodyPr>
           <a:lstStyle/>
           <a:p>
@@ -10256,24 +11144,43 @@
                 <a:ea typeface="Calibri" panose="020F0502020204030204" pitchFamily="34" charset="0"/>
                 <a:cs typeface="Calibri" panose="020F0502020204030204" pitchFamily="34" charset="0"/>
               </a:rPr>
-              <a:t>Removing Columns with empty </a:t>
-            </a:r>
-            <a:r>
-              <a:rPr lang="en-US" sz="2400" dirty="0">
-                <a:latin typeface="Calibri" panose="020F0502020204030204" pitchFamily="34" charset="0"/>
-                <a:ea typeface="Calibri" panose="020F0502020204030204" pitchFamily="34" charset="0"/>
-                <a:cs typeface="Calibri" panose="020F0502020204030204" pitchFamily="34" charset="0"/>
-              </a:rPr>
-              <a:t>values(complete</a:t>
-            </a:r>
-            <a:r>
-              <a:rPr lang="en-US" sz="2400" dirty="0">
-                <a:latin typeface="Calibri" panose="020F0502020204030204" pitchFamily="34" charset="0"/>
-                <a:ea typeface="Calibri" panose="020F0502020204030204" pitchFamily="34" charset="0"/>
-                <a:cs typeface="Calibri" panose="020F0502020204030204" pitchFamily="34" charset="0"/>
-              </a:rPr>
-              <a:t> null)</a:t>
-            </a:r>
+              <a:t>Removing Columns with empty values(complete null</a:t>
+            </a:r>
+            <a:r>
+              <a:rPr lang="en-US" sz="2400" dirty="0" smtClean="0">
+                <a:latin typeface="Calibri" panose="020F0502020204030204" pitchFamily="34" charset="0"/>
+                <a:ea typeface="Calibri" panose="020F0502020204030204" pitchFamily="34" charset="0"/>
+                <a:cs typeface="Calibri" panose="020F0502020204030204" pitchFamily="34" charset="0"/>
+              </a:rPr>
+              <a:t>)</a:t>
+            </a:r>
+          </a:p>
+          <a:p>
+            <a:endParaRPr lang="en-US" sz="2400" dirty="0">
+              <a:latin typeface="Calibri" panose="020F0502020204030204" pitchFamily="34" charset="0"/>
+              <a:ea typeface="Calibri" panose="020F0502020204030204" pitchFamily="34" charset="0"/>
+              <a:cs typeface="Calibri" panose="020F0502020204030204" pitchFamily="34" charset="0"/>
+            </a:endParaRPr>
+          </a:p>
+          <a:p>
+            <a:pPr marL="0" indent="0">
+              <a:buNone/>
+            </a:pPr>
+            <a:endParaRPr lang="en-US" sz="2400" dirty="0" smtClean="0">
+              <a:latin typeface="Calibri" panose="020F0502020204030204" pitchFamily="34" charset="0"/>
+              <a:ea typeface="Calibri" panose="020F0502020204030204" pitchFamily="34" charset="0"/>
+              <a:cs typeface="Calibri" panose="020F0502020204030204" pitchFamily="34" charset="0"/>
+            </a:endParaRPr>
+          </a:p>
+          <a:p>
+            <a:pPr marL="0" indent="0">
+              <a:buNone/>
+            </a:pPr>
+            <a:endParaRPr lang="en-US" sz="2400" dirty="0">
+              <a:latin typeface="Calibri" panose="020F0502020204030204" pitchFamily="34" charset="0"/>
+              <a:ea typeface="Calibri" panose="020F0502020204030204" pitchFamily="34" charset="0"/>
+              <a:cs typeface="Calibri" panose="020F0502020204030204" pitchFamily="34" charset="0"/>
+            </a:endParaRPr>
           </a:p>
           <a:p>
             <a:r>
@@ -10379,7 +11286,7 @@
                 <a:ea typeface="Calibri" panose="020F0502020204030204" pitchFamily="34" charset="0"/>
                 <a:cs typeface="Calibri" panose="020F0502020204030204" pitchFamily="34" charset="0"/>
               </a:rPr>
-              <a:t>it will                 improve the accuracy of the analysis</a:t>
+              <a:t>it will </a:t>
             </a:r>
             <a:r>
               <a:rPr lang="en-IN" sz="2400" dirty="0" smtClean="0">
@@ -10387,7 +11294,15 @@
                 <a:ea typeface="Calibri" panose="020F0502020204030204" pitchFamily="34" charset="0"/>
                 <a:cs typeface="Calibri" panose="020F0502020204030204" pitchFamily="34" charset="0"/>
               </a:rPr>
-              <a:t>.</a:t>
+              <a:t> </a:t>
+            </a:r>
+            <a:r>
+              <a:rPr lang="en-IN" sz="2400" dirty="0" smtClean="0">
+                <a:latin typeface="Calibri" panose="020F0502020204030204" pitchFamily="34" charset="0"/>
+                <a:ea typeface="Calibri" panose="020F0502020204030204" pitchFamily="34" charset="0"/>
+                <a:cs typeface="Calibri" panose="020F0502020204030204" pitchFamily="34" charset="0"/>
+              </a:rPr>
+              <a:t>improve the accuracy of the analysis.</a:t>
             </a:r>
           </a:p>
           <a:p>
@@ -10444,11 +11359,6 @@
               </a:rPr>
               <a:t>valued</a:t>
             </a:r>
-            <a:endParaRPr lang="en-US" sz="2600" b="1" dirty="0" smtClean="0">
-              <a:latin typeface="Calibri" panose="020F0502020204030204" pitchFamily="34" charset="0"/>
-              <a:ea typeface="Calibri" panose="020F0502020204030204" pitchFamily="34" charset="0"/>
-              <a:cs typeface="Calibri" panose="020F0502020204030204" pitchFamily="34" charset="0"/>
-            </a:endParaRPr>
           </a:p>
           <a:p>
             <a:pPr marL="0" indent="0">
@@ -10460,23 +11370,7 @@
                 <a:ea typeface="Calibri" panose="020F0502020204030204" pitchFamily="34" charset="0"/>
                 <a:cs typeface="Calibri" panose="020F0502020204030204" pitchFamily="34" charset="0"/>
               </a:rPr>
-              <a:t>In </a:t>
-            </a:r>
-            <a:r>
-              <a:rPr lang="en-US" sz="2400" dirty="0">
-                <a:latin typeface="Calibri" panose="020F0502020204030204" pitchFamily="34" charset="0"/>
-                <a:ea typeface="Calibri" panose="020F0502020204030204" pitchFamily="34" charset="0"/>
-                <a:cs typeface="Calibri" panose="020F0502020204030204" pitchFamily="34" charset="0"/>
-              </a:rPr>
-              <a:t>this data set some columns have single value and these columns will not contribute in EDA process. So, we would need to remove those columns from the data set</a:t>
-            </a:r>
-            <a:r>
-              <a:rPr lang="en-US" sz="2400" dirty="0">
-                <a:latin typeface="Calibri" panose="020F0502020204030204" pitchFamily="34" charset="0"/>
-                <a:ea typeface="Calibri" panose="020F0502020204030204" pitchFamily="34" charset="0"/>
-                <a:cs typeface="Calibri" panose="020F0502020204030204" pitchFamily="34" charset="0"/>
-              </a:rPr>
-              <a:t>.</a:t>
+              <a:t>In this data set some columns have single value and these columns will not contribute in EDA process. So, we would need to remove those columns from the data set.</a:t>
             </a:r>
           </a:p>
           <a:p>
@@ -10587,6 +11481,30 @@
           </a:p>
         </p:txBody>
       </p:sp>
+      <p:pic>
+        <p:nvPicPr>
+          <p:cNvPr id="4" name="Picture 3"/>
+          <p:cNvPicPr>
+            <a:picLocks noChangeAspect="1"/>
+          </p:cNvPicPr>
+          <p:nvPr/>
+        </p:nvPicPr>
+        <p:blipFill>
+          <a:blip r:embed="rId2"/>
+          <a:stretch>
+            <a:fillRect/>
+          </a:stretch>
+        </p:blipFill>
+        <p:spPr>
+          <a:xfrm>
+            <a:off x="3263701" y="1619046"/>
+            <a:ext cx="4495636" cy="1261718"/>
+          </a:xfrm>
+          <a:prstGeom prst="rect">
+            <a:avLst/>
+          </a:prstGeom>
+        </p:spPr>
+      </p:pic>
     </p:spTree>
     <p:extLst>
       <p:ext uri="{BB962C8B-B14F-4D97-AF65-F5344CB8AC3E}">
@@ -10908,6 +11826,154 @@
     <p:extLst>
       <p:ext uri="{BB962C8B-B14F-4D97-AF65-F5344CB8AC3E}">
         <p14:creationId xmlns:p14="http://schemas.microsoft.com/office/powerpoint/2010/main" val="117976333"/>
+      </p:ext>
+    </p:extLst>
+  </p:cSld>
+  <p:clrMapOvr>
+    <a:masterClrMapping/>
+  </p:clrMapOvr>
+</p:sld>
+</file>
+
+<file path=ppt/slides/slide9.xml><?xml version="1.0" encoding="utf-8"?>
+<p:sld xmlns:a="http://schemas.openxmlformats.org/drawingml/2006/main" xmlns:r="http://schemas.openxmlformats.org/officeDocument/2006/relationships" xmlns:p="http://schemas.openxmlformats.org/presentationml/2006/main">
+  <p:cSld>
+    <p:spTree>
+      <p:nvGrpSpPr>
+        <p:cNvPr id="1" name=""/>
+        <p:cNvGrpSpPr/>
+        <p:nvPr/>
+      </p:nvGrpSpPr>
+      <p:grpSpPr>
+        <a:xfrm>
+          <a:off x="0" y="0"/>
+          <a:ext cx="0" cy="0"/>
+          <a:chOff x="0" y="0"/>
+          <a:chExt cx="0" cy="0"/>
+        </a:xfrm>
+      </p:grpSpPr>
+      <p:pic>
+        <p:nvPicPr>
+          <p:cNvPr id="5" name="Picture 4"/>
+          <p:cNvPicPr>
+            <a:picLocks noChangeAspect="1"/>
+          </p:cNvPicPr>
+          <p:nvPr/>
+        </p:nvPicPr>
+        <p:blipFill>
+          <a:blip r:embed="rId2"/>
+          <a:stretch>
+            <a:fillRect/>
+          </a:stretch>
+        </p:blipFill>
+        <p:spPr>
+          <a:xfrm>
+            <a:off x="2743200" y="466492"/>
+            <a:ext cx="7316221" cy="1667108"/>
+          </a:xfrm>
+          <a:prstGeom prst="rect">
+            <a:avLst/>
+          </a:prstGeom>
+        </p:spPr>
+      </p:pic>
+      <p:sp>
+        <p:nvSpPr>
+          <p:cNvPr id="3" name="Content Placeholder 2"/>
+          <p:cNvSpPr>
+            <a:spLocks noGrp="1"/>
+          </p:cNvSpPr>
+          <p:nvPr>
+            <p:ph idx="1"/>
+          </p:nvPr>
+        </p:nvSpPr>
+        <p:spPr>
+          <a:xfrm>
+            <a:off x="1786856" y="2512422"/>
+            <a:ext cx="8915400" cy="4619897"/>
+          </a:xfrm>
+        </p:spPr>
+        <p:txBody>
+          <a:bodyPr/>
+          <a:lstStyle/>
+          <a:p>
+            <a:r>
+              <a:rPr lang="en-IN" b="1" dirty="0"/>
+              <a:t>Imputing Missing Values</a:t>
+            </a:r>
+          </a:p>
+          <a:p>
+            <a:r>
+              <a:rPr lang="en-US" dirty="0"/>
+              <a:t>For numerical variables use mean and median</a:t>
+            </a:r>
+          </a:p>
+          <a:p>
+            <a:r>
+              <a:rPr lang="en-US" dirty="0"/>
+              <a:t>For categorical variables use </a:t>
+            </a:r>
+            <a:r>
+              <a:rPr lang="en-US" dirty="0" smtClean="0"/>
+              <a:t>mode</a:t>
+            </a:r>
+          </a:p>
+          <a:p>
+            <a:endParaRPr lang="en-US" dirty="0"/>
+          </a:p>
+          <a:p>
+            <a:endParaRPr lang="en-US" dirty="0" smtClean="0"/>
+          </a:p>
+          <a:p>
+            <a:endParaRPr lang="en-US" dirty="0"/>
+          </a:p>
+          <a:p>
+            <a:endParaRPr lang="en-US" dirty="0" smtClean="0"/>
+          </a:p>
+          <a:p>
+            <a:endParaRPr lang="en-US" dirty="0"/>
+          </a:p>
+          <a:p>
+            <a:endParaRPr lang="en-US" dirty="0" smtClean="0"/>
+          </a:p>
+          <a:p>
+            <a:endParaRPr lang="en-US" dirty="0"/>
+          </a:p>
+          <a:p>
+            <a:endParaRPr lang="en-US" dirty="0"/>
+          </a:p>
+          <a:p>
+            <a:endParaRPr lang="en-IN" dirty="0"/>
+          </a:p>
+        </p:txBody>
+      </p:sp>
+      <p:pic>
+        <p:nvPicPr>
+          <p:cNvPr id="6" name="Picture 5"/>
+          <p:cNvPicPr>
+            <a:picLocks noChangeAspect="1"/>
+          </p:cNvPicPr>
+          <p:nvPr/>
+        </p:nvPicPr>
+        <p:blipFill>
+          <a:blip r:embed="rId3"/>
+          <a:stretch>
+            <a:fillRect/>
+          </a:stretch>
+        </p:blipFill>
+        <p:spPr>
+          <a:xfrm>
+            <a:off x="2002242" y="3851304"/>
+            <a:ext cx="6841311" cy="2480067"/>
+          </a:xfrm>
+          <a:prstGeom prst="rect">
+            <a:avLst/>
+          </a:prstGeom>
+        </p:spPr>
+      </p:pic>
+    </p:spTree>
+    <p:extLst>
+      <p:ext uri="{BB962C8B-B14F-4D97-AF65-F5344CB8AC3E}">
+        <p14:creationId xmlns:p14="http://schemas.microsoft.com/office/powerpoint/2010/main" val="3520910837"/>
       </p:ext>
     </p:extLst>
   </p:cSld>

--- a/Case_Study.pptx
+++ b/Case_Study.pptx
@@ -5,10 +5,10 @@
     <p:sldMasterId id="2147484005" r:id="rId1"/>
   </p:sldMasterIdLst>
   <p:notesMasterIdLst>
-    <p:notesMasterId r:id="rId15"/>
+    <p:notesMasterId r:id="rId45"/>
   </p:notesMasterIdLst>
   <p:handoutMasterIdLst>
-    <p:handoutMasterId r:id="rId16"/>
+    <p:handoutMasterId r:id="rId46"/>
   </p:handoutMasterIdLst>
   <p:sldIdLst>
     <p:sldId id="256" r:id="rId2"/>
@@ -24,6 +24,36 @@
     <p:sldId id="269" r:id="rId12"/>
     <p:sldId id="268" r:id="rId13"/>
     <p:sldId id="271" r:id="rId14"/>
+    <p:sldId id="273" r:id="rId15"/>
+    <p:sldId id="272" r:id="rId16"/>
+    <p:sldId id="274" r:id="rId17"/>
+    <p:sldId id="275" r:id="rId18"/>
+    <p:sldId id="276" r:id="rId19"/>
+    <p:sldId id="277" r:id="rId20"/>
+    <p:sldId id="278" r:id="rId21"/>
+    <p:sldId id="279" r:id="rId22"/>
+    <p:sldId id="280" r:id="rId23"/>
+    <p:sldId id="281" r:id="rId24"/>
+    <p:sldId id="282" r:id="rId25"/>
+    <p:sldId id="283" r:id="rId26"/>
+    <p:sldId id="284" r:id="rId27"/>
+    <p:sldId id="286" r:id="rId28"/>
+    <p:sldId id="285" r:id="rId29"/>
+    <p:sldId id="287" r:id="rId30"/>
+    <p:sldId id="288" r:id="rId31"/>
+    <p:sldId id="289" r:id="rId32"/>
+    <p:sldId id="290" r:id="rId33"/>
+    <p:sldId id="291" r:id="rId34"/>
+    <p:sldId id="292" r:id="rId35"/>
+    <p:sldId id="293" r:id="rId36"/>
+    <p:sldId id="294" r:id="rId37"/>
+    <p:sldId id="295" r:id="rId38"/>
+    <p:sldId id="296" r:id="rId39"/>
+    <p:sldId id="297" r:id="rId40"/>
+    <p:sldId id="298" r:id="rId41"/>
+    <p:sldId id="299" r:id="rId42"/>
+    <p:sldId id="300" r:id="rId43"/>
+    <p:sldId id="301" r:id="rId44"/>
   </p:sldIdLst>
   <p:sldSz cx="12192000" cy="6858000"/>
   <p:notesSz cx="6858000" cy="9144000"/>
@@ -216,7 +246,7 @@
           <a:p>
             <a:fld id="{6FA32CC1-E8B3-4DED-B074-A41C792B660B}" type="datetimeFigureOut">
               <a:rPr lang="en-IN" smtClean="0"/>
-              <a:t>23-06-2024</a:t>
+              <a:t>24-06-2024</a:t>
             </a:fld>
             <a:endParaRPr lang="en-IN"/>
           </a:p>
@@ -386,7 +416,7 @@
           <a:p>
             <a:fld id="{905A5EB9-0E45-4815-95F1-9791973078E5}" type="datetimeFigureOut">
               <a:rPr lang="en-IN" smtClean="0"/>
-              <a:t>23-06-2024</a:t>
+              <a:t>24-06-2024</a:t>
             </a:fld>
             <a:endParaRPr lang="en-IN"/>
           </a:p>
@@ -927,7 +957,7 @@
           <a:p>
             <a:fld id="{B581ECCD-1DBA-4FA8-8008-872E03CC1071}" type="datetime1">
               <a:rPr lang="en-IN" smtClean="0"/>
-              <a:t>23-06-2024</a:t>
+              <a:t>24-06-2024</a:t>
             </a:fld>
             <a:endParaRPr lang="en-IN"/>
           </a:p>
@@ -1269,7 +1299,7 @@
           <a:p>
             <a:fld id="{64BE5BC3-1C32-437E-AA92-81B8DF77B898}" type="datetime1">
               <a:rPr lang="en-IN" smtClean="0"/>
-              <a:t>23-06-2024</a:t>
+              <a:t>24-06-2024</a:t>
             </a:fld>
             <a:endParaRPr lang="en-IN"/>
           </a:p>
@@ -1674,7 +1704,7 @@
           <a:p>
             <a:fld id="{B4A210D9-C5A1-4ECA-9D84-CAA66970854C}" type="datetime1">
               <a:rPr lang="en-IN" smtClean="0"/>
-              <a:t>23-06-2024</a:t>
+              <a:t>24-06-2024</a:t>
             </a:fld>
             <a:endParaRPr lang="en-IN"/>
           </a:p>
@@ -2014,7 +2044,7 @@
           <a:p>
             <a:fld id="{2A7EE63A-491F-45AF-9313-417D74FC888A}" type="datetime1">
               <a:rPr lang="en-IN" smtClean="0"/>
-              <a:t>23-06-2024</a:t>
+              <a:t>24-06-2024</a:t>
             </a:fld>
             <a:endParaRPr lang="en-IN"/>
           </a:p>
@@ -2338,7 +2368,7 @@
           <a:p>
             <a:fld id="{6C8124D7-E14C-4643-A265-C4D9929425C3}" type="datetime1">
               <a:rPr lang="en-IN" smtClean="0"/>
-              <a:t>23-06-2024</a:t>
+              <a:t>24-06-2024</a:t>
             </a:fld>
             <a:endParaRPr lang="en-IN"/>
           </a:p>
@@ -2738,7 +2768,7 @@
           <a:p>
             <a:fld id="{386B9300-46A1-4238-9F8F-276C6BB53E8B}" type="datetime1">
               <a:rPr lang="en-IN" smtClean="0"/>
-              <a:t>23-06-2024</a:t>
+              <a:t>24-06-2024</a:t>
             </a:fld>
             <a:endParaRPr lang="en-IN"/>
           </a:p>
@@ -2999,7 +3029,7 @@
           <a:p>
             <a:fld id="{436C8432-9C58-4C6B-BB9E-AF94620824F2}" type="datetime1">
               <a:rPr lang="en-IN" smtClean="0"/>
-              <a:t>23-06-2024</a:t>
+              <a:t>24-06-2024</a:t>
             </a:fld>
             <a:endParaRPr lang="en-IN"/>
           </a:p>
@@ -3265,7 +3295,7 @@
           <a:p>
             <a:fld id="{14D63B55-4B27-487B-987D-004B190E4780}" type="datetime1">
               <a:rPr lang="en-IN" smtClean="0"/>
-              <a:t>23-06-2024</a:t>
+              <a:t>24-06-2024</a:t>
             </a:fld>
             <a:endParaRPr lang="en-IN"/>
           </a:p>
@@ -3531,7 +3561,7 @@
           <a:p>
             <a:fld id="{B29DDFA0-E5CD-4E4F-9C2B-433CF5DCC74C}" type="datetime1">
               <a:rPr lang="en-IN" smtClean="0"/>
-              <a:t>23-06-2024</a:t>
+              <a:t>24-06-2024</a:t>
             </a:fld>
             <a:endParaRPr lang="en-IN"/>
           </a:p>
@@ -3864,7 +3894,7 @@
           <a:p>
             <a:fld id="{17F2D74B-4F34-421D-9164-180D6195DABE}" type="datetime1">
               <a:rPr lang="en-IN" smtClean="0"/>
-              <a:t>23-06-2024</a:t>
+              <a:t>24-06-2024</a:t>
             </a:fld>
             <a:endParaRPr lang="en-IN"/>
           </a:p>
@@ -4191,7 +4221,7 @@
           <a:p>
             <a:fld id="{6E85A673-A361-46EB-924F-3B99F00D8D38}" type="datetime1">
               <a:rPr lang="en-IN" smtClean="0"/>
-              <a:t>23-06-2024</a:t>
+              <a:t>24-06-2024</a:t>
             </a:fld>
             <a:endParaRPr lang="en-IN"/>
           </a:p>
@@ -4652,7 +4682,7 @@
           <a:p>
             <a:fld id="{B52EA0E0-E39A-4199-9EB0-BFBA8490F4E7}" type="datetime1">
               <a:rPr lang="en-IN" smtClean="0"/>
-              <a:t>23-06-2024</a:t>
+              <a:t>24-06-2024</a:t>
             </a:fld>
             <a:endParaRPr lang="en-IN"/>
           </a:p>
@@ -4861,7 +4891,7 @@
           <a:p>
             <a:fld id="{AD46A0E5-4B42-4846-9AF6-B31527508845}" type="datetime1">
               <a:rPr lang="en-IN" smtClean="0"/>
-              <a:t>23-06-2024</a:t>
+              <a:t>24-06-2024</a:t>
             </a:fld>
             <a:endParaRPr lang="en-IN"/>
           </a:p>
@@ -5042,7 +5072,7 @@
           <a:p>
             <a:fld id="{C7DDCC20-452B-42ED-81A3-876F0C3C68CC}" type="datetime1">
               <a:rPr lang="en-IN" smtClean="0"/>
-              <a:t>23-06-2024</a:t>
+              <a:t>24-06-2024</a:t>
             </a:fld>
             <a:endParaRPr lang="en-IN"/>
           </a:p>
@@ -5379,7 +5409,7 @@
           <a:p>
             <a:fld id="{6BEB936E-42C2-4FCD-AF48-EF140FE983AB}" type="datetime1">
               <a:rPr lang="en-IN" smtClean="0"/>
-              <a:t>23-06-2024</a:t>
+              <a:t>24-06-2024</a:t>
             </a:fld>
             <a:endParaRPr lang="en-IN"/>
           </a:p>
@@ -5728,7 +5758,7 @@
           <a:p>
             <a:fld id="{BE634BC1-706E-4828-8A18-C4E2095CC168}" type="datetime1">
               <a:rPr lang="en-IN" smtClean="0"/>
-              <a:t>23-06-2024</a:t>
+              <a:t>24-06-2024</a:t>
             </a:fld>
             <a:endParaRPr lang="en-IN"/>
           </a:p>
@@ -7849,7 +7879,7 @@
           <a:p>
             <a:fld id="{E8F43470-AA3D-486C-A93C-4177C760AF45}" type="datetime1">
               <a:rPr lang="en-IN" smtClean="0"/>
-              <a:t>23-06-2024</a:t>
+              <a:t>24-06-2024</a:t>
             </a:fld>
             <a:endParaRPr lang="en-IN"/>
           </a:p>
@@ -8473,19 +8503,29 @@
         </p:nvSpPr>
         <p:spPr>
           <a:xfrm>
-            <a:off x="2279416" y="428167"/>
-            <a:ext cx="8911687" cy="1280890"/>
-          </a:xfrm>
-        </p:spPr>
-        <p:txBody>
-          <a:bodyPr/>
+            <a:off x="4523853" y="178785"/>
+            <a:ext cx="4994220" cy="640445"/>
+          </a:xfrm>
+        </p:spPr>
+        <p:txBody>
+          <a:bodyPr>
+            <a:normAutofit/>
+          </a:bodyPr>
           <a:lstStyle/>
           <a:p>
             <a:r>
-              <a:rPr lang="en-US" b="1" dirty="0" smtClean="0"/>
+              <a:rPr lang="en-US" b="1" dirty="0" smtClean="0">
+                <a:latin typeface="Calibri" panose="020F0502020204030204" pitchFamily="34" charset="0"/>
+                <a:ea typeface="Calibri" panose="020F0502020204030204" pitchFamily="34" charset="0"/>
+                <a:cs typeface="Calibri" panose="020F0502020204030204" pitchFamily="34" charset="0"/>
+              </a:rPr>
               <a:t>Standard Values</a:t>
             </a:r>
-            <a:endParaRPr lang="en-IN" b="1" dirty="0"/>
+            <a:endParaRPr lang="en-IN" b="1" dirty="0">
+              <a:latin typeface="Calibri" panose="020F0502020204030204" pitchFamily="34" charset="0"/>
+              <a:ea typeface="Calibri" panose="020F0502020204030204" pitchFamily="34" charset="0"/>
+              <a:cs typeface="Calibri" panose="020F0502020204030204" pitchFamily="34" charset="0"/>
+            </a:endParaRPr>
           </a:p>
         </p:txBody>
       </p:sp>
@@ -8501,20 +8541,32 @@
         </p:nvSpPr>
         <p:spPr>
           <a:xfrm>
-            <a:off x="2393269" y="1068612"/>
-            <a:ext cx="8915400" cy="3777622"/>
-          </a:xfrm>
-        </p:spPr>
-        <p:txBody>
-          <a:bodyPr/>
+            <a:off x="2393269" y="1068611"/>
+            <a:ext cx="8915400" cy="3835897"/>
+          </a:xfrm>
+        </p:spPr>
+        <p:txBody>
+          <a:bodyPr>
+            <a:normAutofit fontScale="92500"/>
+          </a:bodyPr>
           <a:lstStyle/>
           <a:p>
             <a:r>
-              <a:rPr lang="en-US" dirty="0" smtClean="0"/>
-              <a:t>After Removing all null values we will get standard values for Analysis</a:t>
-            </a:r>
-          </a:p>
-          <a:p>
+              <a:rPr lang="en-US" sz="2400" dirty="0" smtClean="0">
+                <a:latin typeface="Calibri" panose="020F0502020204030204" pitchFamily="34" charset="0"/>
+                <a:ea typeface="Calibri" panose="020F0502020204030204" pitchFamily="34" charset="0"/>
+                <a:cs typeface="Calibri" panose="020F0502020204030204" pitchFamily="34" charset="0"/>
+              </a:rPr>
+              <a:t>After Removing all null values we will get standard values for </a:t>
+            </a:r>
+            <a:r>
+              <a:rPr lang="en-US" sz="2400" dirty="0" smtClean="0">
+                <a:latin typeface="Calibri" panose="020F0502020204030204" pitchFamily="34" charset="0"/>
+                <a:ea typeface="Calibri" panose="020F0502020204030204" pitchFamily="34" charset="0"/>
+                <a:cs typeface="Calibri" panose="020F0502020204030204" pitchFamily="34" charset="0"/>
+              </a:rPr>
+              <a:t>Analysis</a:t>
+            </a:r>
             <a:endParaRPr lang="en-US" dirty="0" smtClean="0"/>
           </a:p>
           <a:p>
@@ -8526,75 +8578,147 @@
               <a:t> </a:t>
             </a:r>
             <a:r>
-              <a:rPr lang="en-IN" sz="2400" b="1" dirty="0" smtClean="0"/>
+              <a:rPr lang="en-IN" sz="2400" b="1" dirty="0" smtClean="0">
+                <a:latin typeface="Calibri" panose="020F0502020204030204" pitchFamily="34" charset="0"/>
+                <a:ea typeface="Calibri" panose="020F0502020204030204" pitchFamily="34" charset="0"/>
+                <a:cs typeface="Calibri" panose="020F0502020204030204" pitchFamily="34" charset="0"/>
+              </a:rPr>
               <a:t>Outliers </a:t>
             </a:r>
             <a:r>
-              <a:rPr lang="en-IN" sz="2400" b="1" dirty="0"/>
+              <a:rPr lang="en-IN" sz="2400" b="1" dirty="0">
+                <a:latin typeface="Calibri" panose="020F0502020204030204" pitchFamily="34" charset="0"/>
+                <a:ea typeface="Calibri" panose="020F0502020204030204" pitchFamily="34" charset="0"/>
+                <a:cs typeface="Calibri" panose="020F0502020204030204" pitchFamily="34" charset="0"/>
+              </a:rPr>
               <a:t>Analysis Using Boxplot</a:t>
             </a:r>
           </a:p>
           <a:p>
             <a:r>
-              <a:rPr lang="en-US" dirty="0"/>
+              <a:rPr lang="en-US" sz="2400" dirty="0">
+                <a:latin typeface="Calibri" panose="020F0502020204030204" pitchFamily="34" charset="0"/>
+                <a:ea typeface="Calibri" panose="020F0502020204030204" pitchFamily="34" charset="0"/>
+                <a:cs typeface="Calibri" panose="020F0502020204030204" pitchFamily="34" charset="0"/>
+              </a:rPr>
               <a:t>Now we need to start identifying and removing extreme values or </a:t>
             </a:r>
             <a:r>
-              <a:rPr lang="en-US" b="1" dirty="0"/>
+              <a:rPr lang="en-US" sz="2400" b="1" dirty="0">
+                <a:latin typeface="Calibri" panose="020F0502020204030204" pitchFamily="34" charset="0"/>
+                <a:ea typeface="Calibri" panose="020F0502020204030204" pitchFamily="34" charset="0"/>
+                <a:cs typeface="Calibri" panose="020F0502020204030204" pitchFamily="34" charset="0"/>
+              </a:rPr>
               <a:t>outliers</a:t>
             </a:r>
             <a:r>
-              <a:rPr lang="en-US" dirty="0"/>
+              <a:rPr lang="en-US" sz="2400" dirty="0">
+                <a:latin typeface="Calibri" panose="020F0502020204030204" pitchFamily="34" charset="0"/>
+                <a:ea typeface="Calibri" panose="020F0502020204030204" pitchFamily="34" charset="0"/>
+                <a:cs typeface="Calibri" panose="020F0502020204030204" pitchFamily="34" charset="0"/>
+              </a:rPr>
               <a:t> from our dataset. </a:t>
             </a:r>
-            <a:endParaRPr lang="en-US" dirty="0" smtClean="0"/>
-          </a:p>
-          <a:p>
-            <a:r>
-              <a:rPr lang="en-US" dirty="0" smtClean="0"/>
+            <a:endParaRPr lang="en-US" sz="2400" dirty="0" smtClean="0">
+              <a:latin typeface="Calibri" panose="020F0502020204030204" pitchFamily="34" charset="0"/>
+              <a:ea typeface="Calibri" panose="020F0502020204030204" pitchFamily="34" charset="0"/>
+              <a:cs typeface="Calibri" panose="020F0502020204030204" pitchFamily="34" charset="0"/>
+            </a:endParaRPr>
+          </a:p>
+          <a:p>
+            <a:r>
+              <a:rPr lang="en-US" sz="2400" dirty="0" smtClean="0">
+                <a:latin typeface="Calibri" panose="020F0502020204030204" pitchFamily="34" charset="0"/>
+                <a:ea typeface="Calibri" panose="020F0502020204030204" pitchFamily="34" charset="0"/>
+                <a:cs typeface="Calibri" panose="020F0502020204030204" pitchFamily="34" charset="0"/>
+              </a:rPr>
               <a:t>These </a:t>
             </a:r>
             <a:r>
-              <a:rPr lang="en-US" dirty="0"/>
+              <a:rPr lang="en-US" sz="2400" dirty="0">
+                <a:latin typeface="Calibri" panose="020F0502020204030204" pitchFamily="34" charset="0"/>
+                <a:ea typeface="Calibri" panose="020F0502020204030204" pitchFamily="34" charset="0"/>
+                <a:cs typeface="Calibri" panose="020F0502020204030204" pitchFamily="34" charset="0"/>
+              </a:rPr>
               <a:t>values can tilt our analysis and often provide us with a biased perspective of the data available. </a:t>
             </a:r>
-            <a:endParaRPr lang="en-US" dirty="0" smtClean="0"/>
-          </a:p>
-          <a:p>
-            <a:r>
-              <a:rPr lang="en-US" dirty="0" smtClean="0"/>
+            <a:endParaRPr lang="en-US" sz="2400" dirty="0" smtClean="0">
+              <a:latin typeface="Calibri" panose="020F0502020204030204" pitchFamily="34" charset="0"/>
+              <a:ea typeface="Calibri" panose="020F0502020204030204" pitchFamily="34" charset="0"/>
+              <a:cs typeface="Calibri" panose="020F0502020204030204" pitchFamily="34" charset="0"/>
+            </a:endParaRPr>
+          </a:p>
+          <a:p>
+            <a:r>
+              <a:rPr lang="en-US" sz="2400" dirty="0" smtClean="0">
+                <a:latin typeface="Calibri" panose="020F0502020204030204" pitchFamily="34" charset="0"/>
+                <a:ea typeface="Calibri" panose="020F0502020204030204" pitchFamily="34" charset="0"/>
+                <a:cs typeface="Calibri" panose="020F0502020204030204" pitchFamily="34" charset="0"/>
+              </a:rPr>
               <a:t>This </a:t>
             </a:r>
             <a:r>
-              <a:rPr lang="en-US" dirty="0"/>
+              <a:rPr lang="en-US" sz="2400" dirty="0">
+                <a:latin typeface="Calibri" panose="020F0502020204030204" pitchFamily="34" charset="0"/>
+                <a:ea typeface="Calibri" panose="020F0502020204030204" pitchFamily="34" charset="0"/>
+                <a:cs typeface="Calibri" panose="020F0502020204030204" pitchFamily="34" charset="0"/>
+              </a:rPr>
               <a:t>is where we’ll start </a:t>
             </a:r>
             <a:r>
-              <a:rPr lang="en-US" dirty="0" smtClean="0"/>
+              <a:rPr lang="en-US" sz="2400" dirty="0" smtClean="0">
+                <a:latin typeface="Calibri" panose="020F0502020204030204" pitchFamily="34" charset="0"/>
+                <a:ea typeface="Calibri" panose="020F0502020204030204" pitchFamily="34" charset="0"/>
+                <a:cs typeface="Calibri" panose="020F0502020204030204" pitchFamily="34" charset="0"/>
+              </a:rPr>
               <a:t>utilizing visualization </a:t>
             </a:r>
             <a:r>
-              <a:rPr lang="en-US" dirty="0"/>
+              <a:rPr lang="en-US" sz="2400" dirty="0">
+                <a:latin typeface="Calibri" panose="020F0502020204030204" pitchFamily="34" charset="0"/>
+                <a:ea typeface="Calibri" panose="020F0502020204030204" pitchFamily="34" charset="0"/>
+                <a:cs typeface="Calibri" panose="020F0502020204030204" pitchFamily="34" charset="0"/>
+              </a:rPr>
               <a:t>to achieve our tasks. And the best </a:t>
             </a:r>
             <a:r>
-              <a:rPr lang="en-US" dirty="0" smtClean="0"/>
+              <a:rPr lang="en-US" sz="2400" dirty="0" smtClean="0">
+                <a:latin typeface="Calibri" panose="020F0502020204030204" pitchFamily="34" charset="0"/>
+                <a:ea typeface="Calibri" panose="020F0502020204030204" pitchFamily="34" charset="0"/>
+                <a:cs typeface="Calibri" panose="020F0502020204030204" pitchFamily="34" charset="0"/>
+              </a:rPr>
               <a:t>visualization </a:t>
             </a:r>
             <a:r>
-              <a:rPr lang="en-US" dirty="0"/>
+              <a:rPr lang="en-US" sz="2400" dirty="0">
+                <a:latin typeface="Calibri" panose="020F0502020204030204" pitchFamily="34" charset="0"/>
+                <a:ea typeface="Calibri" panose="020F0502020204030204" pitchFamily="34" charset="0"/>
+                <a:cs typeface="Calibri" panose="020F0502020204030204" pitchFamily="34" charset="0"/>
+              </a:rPr>
               <a:t>to use here would be the box plot. Boxplots are one of the best ways of </a:t>
             </a:r>
             <a:r>
-              <a:rPr lang="en-US" dirty="0" smtClean="0"/>
+              <a:rPr lang="en-US" sz="2400" dirty="0" smtClean="0">
+                <a:latin typeface="Calibri" panose="020F0502020204030204" pitchFamily="34" charset="0"/>
+                <a:ea typeface="Calibri" panose="020F0502020204030204" pitchFamily="34" charset="0"/>
+                <a:cs typeface="Calibri" panose="020F0502020204030204" pitchFamily="34" charset="0"/>
+              </a:rPr>
               <a:t>analyzing </a:t>
             </a:r>
             <a:r>
-              <a:rPr lang="en-US" dirty="0"/>
+              <a:rPr lang="en-US" sz="2400" dirty="0">
+                <a:latin typeface="Calibri" panose="020F0502020204030204" pitchFamily="34" charset="0"/>
+                <a:ea typeface="Calibri" panose="020F0502020204030204" pitchFamily="34" charset="0"/>
+                <a:cs typeface="Calibri" panose="020F0502020204030204" pitchFamily="34" charset="0"/>
+              </a:rPr>
               <a:t>the spread of a numeric variable</a:t>
             </a:r>
             <a:r>
-              <a:rPr lang="en-US" dirty="0" smtClean="0"/>
+              <a:rPr lang="en-US" sz="2400" dirty="0" smtClean="0">
+                <a:latin typeface="Calibri" panose="020F0502020204030204" pitchFamily="34" charset="0"/>
+                <a:ea typeface="Calibri" panose="020F0502020204030204" pitchFamily="34" charset="0"/>
+                <a:cs typeface="Calibri" panose="020F0502020204030204" pitchFamily="34" charset="0"/>
+              </a:rPr>
               <a:t>.</a:t>
             </a:r>
           </a:p>
@@ -8625,8 +8749,8 @@
         </p:blipFill>
         <p:spPr>
           <a:xfrm>
-            <a:off x="2743176" y="4742709"/>
-            <a:ext cx="5397133" cy="1736469"/>
+            <a:off x="2743175" y="4770418"/>
+            <a:ext cx="5888206" cy="2087582"/>
           </a:xfrm>
           <a:prstGeom prst="rect">
             <a:avLst/>
@@ -8675,28 +8799,44 @@
         </p:nvSpPr>
         <p:spPr>
           <a:xfrm>
-            <a:off x="4862622" y="325441"/>
-            <a:ext cx="3206983" cy="629924"/>
+            <a:off x="4142186" y="254734"/>
+            <a:ext cx="4184396" cy="629924"/>
           </a:xfrm>
         </p:spPr>
         <p:txBody>
           <a:bodyPr>
-            <a:normAutofit fontScale="90000"/>
+            <a:noAutofit/>
           </a:bodyPr>
           <a:lstStyle/>
           <a:p>
             <a:r>
-              <a:rPr lang="en-US" sz="2400" b="1" dirty="0"/>
+              <a:rPr lang="en-US" b="1" dirty="0">
+                <a:latin typeface="Calibri" panose="020F0502020204030204" pitchFamily="34" charset="0"/>
+                <a:ea typeface="Calibri" panose="020F0502020204030204" pitchFamily="34" charset="0"/>
+                <a:cs typeface="Calibri" panose="020F0502020204030204" pitchFamily="34" charset="0"/>
+              </a:rPr>
               <a:t>Removal of Outliner </a:t>
             </a:r>
             <a:r>
-              <a:rPr lang="en-US" dirty="0"/>
+              <a:rPr lang="en-US" dirty="0">
+                <a:latin typeface="Calibri" panose="020F0502020204030204" pitchFamily="34" charset="0"/>
+                <a:ea typeface="Calibri" panose="020F0502020204030204" pitchFamily="34" charset="0"/>
+                <a:cs typeface="Calibri" panose="020F0502020204030204" pitchFamily="34" charset="0"/>
+              </a:rPr>
               <a:t/>
             </a:r>
             <a:br>
-              <a:rPr lang="en-US" dirty="0"/>
+              <a:rPr lang="en-US" dirty="0">
+                <a:latin typeface="Calibri" panose="020F0502020204030204" pitchFamily="34" charset="0"/>
+                <a:ea typeface="Calibri" panose="020F0502020204030204" pitchFamily="34" charset="0"/>
+                <a:cs typeface="Calibri" panose="020F0502020204030204" pitchFamily="34" charset="0"/>
+              </a:rPr>
             </a:br>
-            <a:endParaRPr lang="en-IN" dirty="0"/>
+            <a:endParaRPr lang="en-IN" dirty="0">
+              <a:latin typeface="Calibri" panose="020F0502020204030204" pitchFamily="34" charset="0"/>
+              <a:ea typeface="Calibri" panose="020F0502020204030204" pitchFamily="34" charset="0"/>
+              <a:cs typeface="Calibri" panose="020F0502020204030204" pitchFamily="34" charset="0"/>
+            </a:endParaRPr>
           </a:p>
         </p:txBody>
       </p:sp>
@@ -8738,8 +8878,8 @@
         </p:blipFill>
         <p:spPr>
           <a:xfrm>
-            <a:off x="1920240" y="1348110"/>
-            <a:ext cx="9091749" cy="5026564"/>
+            <a:off x="1920240" y="1191491"/>
+            <a:ext cx="9091749" cy="5375564"/>
           </a:xfrm>
           <a:prstGeom prst="rect">
             <a:avLst/>
@@ -8803,9 +8943,21 @@
             </a:pPr>
             <a:r>
               <a:rPr lang="en-US" sz="2400" b="1" dirty="0" smtClean="0"/>
-              <a:t>                                                  Boxplots</a:t>
-            </a:r>
-            <a:endParaRPr lang="en-IN" sz="2400" b="1" dirty="0"/>
+              <a:t>                                                  </a:t>
+            </a:r>
+            <a:r>
+              <a:rPr lang="en-US" sz="2800" b="1" dirty="0" smtClean="0">
+                <a:latin typeface="Calibri" panose="020F0502020204030204" pitchFamily="34" charset="0"/>
+                <a:ea typeface="Calibri" panose="020F0502020204030204" pitchFamily="34" charset="0"/>
+                <a:cs typeface="Calibri" panose="020F0502020204030204" pitchFamily="34" charset="0"/>
+              </a:rPr>
+              <a:t>Boxplots</a:t>
+            </a:r>
+            <a:endParaRPr lang="en-IN" sz="2800" b="1" dirty="0">
+              <a:latin typeface="Calibri" panose="020F0502020204030204" pitchFamily="34" charset="0"/>
+              <a:ea typeface="Calibri" panose="020F0502020204030204" pitchFamily="34" charset="0"/>
+              <a:cs typeface="Calibri" panose="020F0502020204030204" pitchFamily="34" charset="0"/>
+            </a:endParaRPr>
           </a:p>
         </p:txBody>
       </p:sp>
@@ -8946,7 +9098,7 @@
         <p:spPr>
           <a:xfrm>
             <a:off x="2599509" y="1371600"/>
-            <a:ext cx="3670662" cy="646331"/>
+            <a:ext cx="3670662" cy="830997"/>
           </a:xfrm>
           <a:prstGeom prst="rect">
             <a:avLst/>
@@ -8960,10 +9112,18 @@
           <a:lstStyle/>
           <a:p>
             <a:r>
-              <a:rPr lang="en-US" dirty="0" smtClean="0"/>
+              <a:rPr lang="en-US" sz="2400" dirty="0" smtClean="0">
+                <a:latin typeface="Calibri" panose="020F0502020204030204" pitchFamily="34" charset="0"/>
+                <a:ea typeface="Calibri" panose="020F0502020204030204" pitchFamily="34" charset="0"/>
+                <a:cs typeface="Calibri" panose="020F0502020204030204" pitchFamily="34" charset="0"/>
+              </a:rPr>
               <a:t>Boxplot of Loan-Amount with outliners</a:t>
             </a:r>
-            <a:endParaRPr lang="en-IN" dirty="0"/>
+            <a:endParaRPr lang="en-IN" sz="2400" dirty="0">
+              <a:latin typeface="Calibri" panose="020F0502020204030204" pitchFamily="34" charset="0"/>
+              <a:ea typeface="Calibri" panose="020F0502020204030204" pitchFamily="34" charset="0"/>
+              <a:cs typeface="Calibri" panose="020F0502020204030204" pitchFamily="34" charset="0"/>
+            </a:endParaRPr>
           </a:p>
         </p:txBody>
       </p:sp>
@@ -8976,7 +9136,7 @@
         <p:spPr>
           <a:xfrm>
             <a:off x="7362450" y="1371600"/>
-            <a:ext cx="3850484" cy="646331"/>
+            <a:ext cx="3850484" cy="830997"/>
           </a:xfrm>
           <a:prstGeom prst="rect">
             <a:avLst/>
@@ -8990,10 +9150,18 @@
           <a:lstStyle/>
           <a:p>
             <a:r>
-              <a:rPr lang="en-US" dirty="0" smtClean="0"/>
+              <a:rPr lang="en-US" sz="2400" dirty="0" smtClean="0">
+                <a:latin typeface="Calibri" panose="020F0502020204030204" pitchFamily="34" charset="0"/>
+                <a:ea typeface="Calibri" panose="020F0502020204030204" pitchFamily="34" charset="0"/>
+                <a:cs typeface="Calibri" panose="020F0502020204030204" pitchFamily="34" charset="0"/>
+              </a:rPr>
               <a:t>Boxplot  of Loan-Amount after Removing Outliners</a:t>
             </a:r>
-            <a:endParaRPr lang="en-IN" dirty="0"/>
+            <a:endParaRPr lang="en-IN" sz="2400" dirty="0">
+              <a:latin typeface="Calibri" panose="020F0502020204030204" pitchFamily="34" charset="0"/>
+              <a:ea typeface="Calibri" panose="020F0502020204030204" pitchFamily="34" charset="0"/>
+              <a:cs typeface="Calibri" panose="020F0502020204030204" pitchFamily="34" charset="0"/>
+            </a:endParaRPr>
           </a:p>
         </p:txBody>
       </p:sp>
@@ -9042,7 +9210,7 @@
         </p:blipFill>
         <p:spPr>
           <a:xfrm>
-            <a:off x="1687817" y="404950"/>
+            <a:off x="1945107" y="696782"/>
             <a:ext cx="4788240" cy="1619794"/>
           </a:xfrm>
           <a:prstGeom prst="rect">
@@ -9058,7 +9226,7 @@
         </p:nvSpPr>
         <p:spPr>
           <a:xfrm>
-            <a:off x="2183599" y="3597137"/>
+            <a:off x="1945107" y="3838141"/>
             <a:ext cx="4232366" cy="3069771"/>
           </a:xfrm>
           <a:prstGeom prst="roundRect">
@@ -9098,7 +9266,7 @@
         </p:nvSpPr>
         <p:spPr>
           <a:xfrm>
-            <a:off x="7158240" y="3580930"/>
+            <a:off x="7077817" y="3838141"/>
             <a:ext cx="4232366" cy="3069771"/>
           </a:xfrm>
           <a:prstGeom prst="roundRect">
@@ -9138,7 +9306,7 @@
         </p:nvSpPr>
         <p:spPr>
           <a:xfrm>
-            <a:off x="2962956" y="2623949"/>
+            <a:off x="2944415" y="2933576"/>
             <a:ext cx="2233750" cy="1355630"/>
           </a:xfrm>
           <a:prstGeom prst="ellipse">
@@ -9190,7 +9358,7 @@
         </p:blipFill>
         <p:spPr>
           <a:xfrm>
-            <a:off x="2337133" y="4063487"/>
+            <a:off x="2183221" y="4289206"/>
             <a:ext cx="3841393" cy="2267123"/>
           </a:xfrm>
           <a:prstGeom prst="rect">
@@ -9206,7 +9374,7 @@
         </p:nvSpPr>
         <p:spPr>
           <a:xfrm>
-            <a:off x="8077125" y="2482511"/>
+            <a:off x="8283879" y="2933576"/>
             <a:ext cx="2233750" cy="1355630"/>
           </a:xfrm>
           <a:prstGeom prst="ellipse">
@@ -9262,7 +9430,7 @@
         </p:blipFill>
         <p:spPr>
           <a:xfrm>
-            <a:off x="7286250" y="4016796"/>
+            <a:off x="7276004" y="4289206"/>
             <a:ext cx="3908267" cy="2450514"/>
           </a:xfrm>
           <a:prstGeom prst="rect">
@@ -9285,8 +9453,8 @@
         </p:blipFill>
         <p:spPr>
           <a:xfrm>
-            <a:off x="7297927" y="404949"/>
-            <a:ext cx="4230191" cy="1463040"/>
+            <a:off x="7240845" y="696782"/>
+            <a:ext cx="4230191" cy="1617542"/>
           </a:xfrm>
           <a:prstGeom prst="rect">
             <a:avLst/>
@@ -9301,8 +9469,8 @@
         </p:nvSpPr>
         <p:spPr>
           <a:xfrm>
-            <a:off x="3853337" y="2011680"/>
-            <a:ext cx="457200" cy="612270"/>
+            <a:off x="3832690" y="2318941"/>
+            <a:ext cx="586910" cy="612270"/>
           </a:xfrm>
           <a:prstGeom prst="downArrow">
             <a:avLst/>
@@ -9341,8 +9509,8 @@
         </p:nvSpPr>
         <p:spPr>
           <a:xfrm>
-            <a:off x="8987246" y="1867989"/>
-            <a:ext cx="413508" cy="614522"/>
+            <a:off x="9193999" y="2316689"/>
+            <a:ext cx="545745" cy="614522"/>
           </a:xfrm>
           <a:prstGeom prst="downArrow">
             <a:avLst/>
@@ -9373,6 +9541,58 @@
           </a:p>
         </p:txBody>
       </p:sp>
+      <p:sp>
+        <p:nvSpPr>
+          <p:cNvPr id="2" name="Rectangle 1"/>
+          <p:cNvSpPr/>
+          <p:nvPr/>
+        </p:nvSpPr>
+        <p:spPr>
+          <a:xfrm>
+            <a:off x="4876569" y="-29256"/>
+            <a:ext cx="3713556" cy="1200329"/>
+          </a:xfrm>
+          <a:prstGeom prst="rect">
+            <a:avLst/>
+          </a:prstGeom>
+        </p:spPr>
+        <p:txBody>
+          <a:bodyPr wrap="square">
+            <a:spAutoFit/>
+          </a:bodyPr>
+          <a:lstStyle/>
+          <a:p>
+            <a:r>
+              <a:rPr lang="en-US" sz="3600" b="1" dirty="0" smtClean="0">
+                <a:latin typeface="Calibri" panose="020F0502020204030204" pitchFamily="34" charset="0"/>
+                <a:ea typeface="Calibri" panose="020F0502020204030204" pitchFamily="34" charset="0"/>
+                <a:cs typeface="Calibri" panose="020F0502020204030204" pitchFamily="34" charset="0"/>
+              </a:rPr>
+              <a:t>Interest Rate </a:t>
+            </a:r>
+            <a:r>
+              <a:rPr lang="en-US" sz="3600" dirty="0">
+                <a:latin typeface="Calibri" panose="020F0502020204030204" pitchFamily="34" charset="0"/>
+                <a:ea typeface="Calibri" panose="020F0502020204030204" pitchFamily="34" charset="0"/>
+                <a:cs typeface="Calibri" panose="020F0502020204030204" pitchFamily="34" charset="0"/>
+              </a:rPr>
+              <a:t/>
+            </a:r>
+            <a:br>
+              <a:rPr lang="en-US" sz="3600" dirty="0">
+                <a:latin typeface="Calibri" panose="020F0502020204030204" pitchFamily="34" charset="0"/>
+                <a:ea typeface="Calibri" panose="020F0502020204030204" pitchFamily="34" charset="0"/>
+                <a:cs typeface="Calibri" panose="020F0502020204030204" pitchFamily="34" charset="0"/>
+              </a:rPr>
+            </a:br>
+            <a:endParaRPr lang="en-IN" sz="3600" dirty="0">
+              <a:latin typeface="Calibri" panose="020F0502020204030204" pitchFamily="34" charset="0"/>
+              <a:ea typeface="Calibri" panose="020F0502020204030204" pitchFamily="34" charset="0"/>
+              <a:cs typeface="Calibri" panose="020F0502020204030204" pitchFamily="34" charset="0"/>
+            </a:endParaRPr>
+          </a:p>
+        </p:txBody>
+      </p:sp>
     </p:spTree>
     <p:extLst>
       <p:ext uri="{BB962C8B-B14F-4D97-AF65-F5344CB8AC3E}">
@@ -9383,6 +9603,1196 @@
   <p:clrMapOvr>
     <a:masterClrMapping/>
   </p:clrMapOvr>
+</p:sld>
+</file>
+
+<file path=ppt/slides/slide14.xml><?xml version="1.0" encoding="utf-8"?>
+<p:sld xmlns:a="http://schemas.openxmlformats.org/drawingml/2006/main" xmlns:r="http://schemas.openxmlformats.org/officeDocument/2006/relationships" xmlns:p="http://schemas.openxmlformats.org/presentationml/2006/main">
+  <p:cSld>
+    <p:spTree>
+      <p:nvGrpSpPr>
+        <p:cNvPr id="1" name=""/>
+        <p:cNvGrpSpPr/>
+        <p:nvPr/>
+      </p:nvGrpSpPr>
+      <p:grpSpPr>
+        <a:xfrm>
+          <a:off x="0" y="0"/>
+          <a:ext cx="0" cy="0"/>
+          <a:chOff x="0" y="0"/>
+          <a:chExt cx="0" cy="0"/>
+        </a:xfrm>
+      </p:grpSpPr>
+      <p:sp>
+        <p:nvSpPr>
+          <p:cNvPr id="2" name="Title 1"/>
+          <p:cNvSpPr>
+            <a:spLocks noGrp="1"/>
+          </p:cNvSpPr>
+          <p:nvPr>
+            <p:ph type="title"/>
+          </p:nvPr>
+        </p:nvSpPr>
+        <p:spPr>
+          <a:xfrm>
+            <a:off x="3229581" y="350978"/>
+            <a:ext cx="6773401" cy="669113"/>
+          </a:xfrm>
+        </p:spPr>
+        <p:txBody>
+          <a:bodyPr>
+            <a:noAutofit/>
+          </a:bodyPr>
+          <a:lstStyle/>
+          <a:p>
+            <a:r>
+              <a:rPr lang="en-US" b="1" dirty="0">
+                <a:latin typeface="Calibri" panose="020F0502020204030204" pitchFamily="34" charset="0"/>
+                <a:ea typeface="Calibri" panose="020F0502020204030204" pitchFamily="34" charset="0"/>
+                <a:cs typeface="Calibri" panose="020F0502020204030204" pitchFamily="34" charset="0"/>
+              </a:rPr>
+              <a:t>Distribution of Annual income</a:t>
+            </a:r>
+            <a:endParaRPr lang="en-IN" b="1" dirty="0">
+              <a:latin typeface="Calibri" panose="020F0502020204030204" pitchFamily="34" charset="0"/>
+              <a:ea typeface="Calibri" panose="020F0502020204030204" pitchFamily="34" charset="0"/>
+              <a:cs typeface="Calibri" panose="020F0502020204030204" pitchFamily="34" charset="0"/>
+            </a:endParaRPr>
+          </a:p>
+        </p:txBody>
+      </p:sp>
+      <p:pic>
+        <p:nvPicPr>
+          <p:cNvPr id="4" name="Content Placeholder 3"/>
+          <p:cNvPicPr>
+            <a:picLocks noGrp="1" noChangeAspect="1"/>
+          </p:cNvPicPr>
+          <p:nvPr>
+            <p:ph idx="1"/>
+          </p:nvPr>
+        </p:nvPicPr>
+        <p:blipFill rotWithShape="1">
+          <a:blip r:embed="rId2"/>
+          <a:srcRect t="4021" r="35324"/>
+          <a:stretch/>
+        </p:blipFill>
+        <p:spPr>
+          <a:xfrm>
+            <a:off x="6184683" y="2573384"/>
+            <a:ext cx="5291618" cy="3231671"/>
+          </a:xfrm>
+          <a:prstGeom prst="rect">
+            <a:avLst/>
+          </a:prstGeom>
+        </p:spPr>
+      </p:pic>
+      <p:pic>
+        <p:nvPicPr>
+          <p:cNvPr id="5" name="Picture 4"/>
+          <p:cNvPicPr>
+            <a:picLocks noChangeAspect="1"/>
+          </p:cNvPicPr>
+          <p:nvPr/>
+        </p:nvPicPr>
+        <p:blipFill rotWithShape="1">
+          <a:blip r:embed="rId3"/>
+          <a:srcRect t="15719" r="27610"/>
+          <a:stretch/>
+        </p:blipFill>
+        <p:spPr>
+          <a:xfrm>
+            <a:off x="1254087" y="2573384"/>
+            <a:ext cx="4930596" cy="3231671"/>
+          </a:xfrm>
+          <a:prstGeom prst="rect">
+            <a:avLst/>
+          </a:prstGeom>
+        </p:spPr>
+      </p:pic>
+      <p:sp>
+        <p:nvSpPr>
+          <p:cNvPr id="6" name="TextBox 5"/>
+          <p:cNvSpPr txBox="1"/>
+          <p:nvPr/>
+        </p:nvSpPr>
+        <p:spPr>
+          <a:xfrm>
+            <a:off x="1254088" y="1927053"/>
+            <a:ext cx="4366496" cy="830997"/>
+          </a:xfrm>
+          <a:prstGeom prst="rect">
+            <a:avLst/>
+          </a:prstGeom>
+          <a:noFill/>
+        </p:spPr>
+        <p:txBody>
+          <a:bodyPr wrap="square" rtlCol="0">
+            <a:spAutoFit/>
+          </a:bodyPr>
+          <a:lstStyle/>
+          <a:p>
+            <a:r>
+              <a:rPr lang="en-US" sz="2400" b="1" dirty="0">
+                <a:latin typeface="Calibri" panose="020F0502020204030204" pitchFamily="34" charset="0"/>
+                <a:ea typeface="Calibri" panose="020F0502020204030204" pitchFamily="34" charset="0"/>
+                <a:cs typeface="Calibri" panose="020F0502020204030204" pitchFamily="34" charset="0"/>
+              </a:rPr>
+              <a:t>Distribution of Annual Income</a:t>
+            </a:r>
+            <a:endParaRPr lang="en-IN" sz="2400" b="1" dirty="0">
+              <a:latin typeface="Calibri" panose="020F0502020204030204" pitchFamily="34" charset="0"/>
+              <a:ea typeface="Calibri" panose="020F0502020204030204" pitchFamily="34" charset="0"/>
+              <a:cs typeface="Calibri" panose="020F0502020204030204" pitchFamily="34" charset="0"/>
+            </a:endParaRPr>
+          </a:p>
+          <a:p>
+            <a:endParaRPr lang="en-IN" sz="2400" dirty="0">
+              <a:latin typeface="Calibri" panose="020F0502020204030204" pitchFamily="34" charset="0"/>
+              <a:ea typeface="Calibri" panose="020F0502020204030204" pitchFamily="34" charset="0"/>
+              <a:cs typeface="Calibri" panose="020F0502020204030204" pitchFamily="34" charset="0"/>
+            </a:endParaRPr>
+          </a:p>
+        </p:txBody>
+      </p:sp>
+      <p:sp>
+        <p:nvSpPr>
+          <p:cNvPr id="7" name="TextBox 6"/>
+          <p:cNvSpPr txBox="1"/>
+          <p:nvPr/>
+        </p:nvSpPr>
+        <p:spPr>
+          <a:xfrm>
+            <a:off x="6816439" y="1927052"/>
+            <a:ext cx="5070763" cy="830997"/>
+          </a:xfrm>
+          <a:prstGeom prst="rect">
+            <a:avLst/>
+          </a:prstGeom>
+          <a:noFill/>
+        </p:spPr>
+        <p:txBody>
+          <a:bodyPr wrap="square" rtlCol="0">
+            <a:spAutoFit/>
+          </a:bodyPr>
+          <a:lstStyle/>
+          <a:p>
+            <a:r>
+              <a:rPr lang="en-US" sz="2400" b="1" dirty="0">
+                <a:latin typeface="Calibri" panose="020F0502020204030204" pitchFamily="34" charset="0"/>
+                <a:ea typeface="Calibri" panose="020F0502020204030204" pitchFamily="34" charset="0"/>
+                <a:cs typeface="Calibri" panose="020F0502020204030204" pitchFamily="34" charset="0"/>
+              </a:rPr>
+              <a:t>Distribution of Debt to Income Ratio</a:t>
+            </a:r>
+            <a:endParaRPr lang="en-IN" sz="2400" b="1" dirty="0">
+              <a:latin typeface="Calibri" panose="020F0502020204030204" pitchFamily="34" charset="0"/>
+              <a:ea typeface="Calibri" panose="020F0502020204030204" pitchFamily="34" charset="0"/>
+              <a:cs typeface="Calibri" panose="020F0502020204030204" pitchFamily="34" charset="0"/>
+            </a:endParaRPr>
+          </a:p>
+          <a:p>
+            <a:endParaRPr lang="en-IN" sz="2400" dirty="0">
+              <a:latin typeface="Calibri" panose="020F0502020204030204" pitchFamily="34" charset="0"/>
+              <a:ea typeface="Calibri" panose="020F0502020204030204" pitchFamily="34" charset="0"/>
+              <a:cs typeface="Calibri" panose="020F0502020204030204" pitchFamily="34" charset="0"/>
+            </a:endParaRPr>
+          </a:p>
+        </p:txBody>
+      </p:sp>
+    </p:spTree>
+    <p:extLst>
+      <p:ext uri="{BB962C8B-B14F-4D97-AF65-F5344CB8AC3E}">
+        <p14:creationId xmlns:p14="http://schemas.microsoft.com/office/powerpoint/2010/main" val="1456045047"/>
+      </p:ext>
+    </p:extLst>
+  </p:cSld>
+  <p:clrMapOvr>
+    <a:masterClrMapping/>
+  </p:clrMapOvr>
+</p:sld>
+</file>
+
+<file path=ppt/slides/slide15.xml><?xml version="1.0" encoding="utf-8"?>
+<p:sld xmlns:a="http://schemas.openxmlformats.org/drawingml/2006/main" xmlns:r="http://schemas.openxmlformats.org/officeDocument/2006/relationships" xmlns:p="http://schemas.openxmlformats.org/presentationml/2006/main">
+  <p:cSld>
+    <p:spTree>
+      <p:nvGrpSpPr>
+        <p:cNvPr id="1" name=""/>
+        <p:cNvGrpSpPr/>
+        <p:nvPr/>
+      </p:nvGrpSpPr>
+      <p:grpSpPr>
+        <a:xfrm>
+          <a:off x="0" y="0"/>
+          <a:ext cx="0" cy="0"/>
+          <a:chOff x="0" y="0"/>
+          <a:chExt cx="0" cy="0"/>
+        </a:xfrm>
+      </p:grpSpPr>
+      <p:sp>
+        <p:nvSpPr>
+          <p:cNvPr id="2" name="Title 1"/>
+          <p:cNvSpPr>
+            <a:spLocks noGrp="1"/>
+          </p:cNvSpPr>
+          <p:nvPr>
+            <p:ph type="title"/>
+          </p:nvPr>
+        </p:nvSpPr>
+        <p:spPr>
+          <a:xfrm>
+            <a:off x="3483196" y="129898"/>
+            <a:ext cx="6225097" cy="498839"/>
+          </a:xfrm>
+        </p:spPr>
+        <p:txBody>
+          <a:bodyPr>
+            <a:noAutofit/>
+          </a:bodyPr>
+          <a:lstStyle/>
+          <a:p>
+            <a:r>
+              <a:rPr lang="en-US" b="1" dirty="0" smtClean="0">
+                <a:latin typeface="Calibri" panose="020F0502020204030204" pitchFamily="34" charset="0"/>
+                <a:ea typeface="Calibri" panose="020F0502020204030204" pitchFamily="34" charset="0"/>
+                <a:cs typeface="Calibri" panose="020F0502020204030204" pitchFamily="34" charset="0"/>
+              </a:rPr>
+              <a:t>Distribution of Annual income</a:t>
+            </a:r>
+            <a:endParaRPr lang="en-IN" b="1" dirty="0">
+              <a:latin typeface="Calibri" panose="020F0502020204030204" pitchFamily="34" charset="0"/>
+              <a:ea typeface="Calibri" panose="020F0502020204030204" pitchFamily="34" charset="0"/>
+              <a:cs typeface="Calibri" panose="020F0502020204030204" pitchFamily="34" charset="0"/>
+            </a:endParaRPr>
+          </a:p>
+        </p:txBody>
+      </p:sp>
+      <p:sp>
+        <p:nvSpPr>
+          <p:cNvPr id="4" name="Rounded Rectangle 3"/>
+          <p:cNvSpPr/>
+          <p:nvPr/>
+        </p:nvSpPr>
+        <p:spPr>
+          <a:xfrm>
+            <a:off x="1582374" y="1854925"/>
+            <a:ext cx="4702628" cy="4781006"/>
+          </a:xfrm>
+          <a:prstGeom prst="roundRect">
+            <a:avLst/>
+          </a:prstGeom>
+        </p:spPr>
+        <p:style>
+          <a:lnRef idx="2">
+            <a:schemeClr val="accent1">
+              <a:shade val="50000"/>
+            </a:schemeClr>
+          </a:lnRef>
+          <a:fillRef idx="1">
+            <a:schemeClr val="accent1"/>
+          </a:fillRef>
+          <a:effectRef idx="0">
+            <a:schemeClr val="accent1"/>
+          </a:effectRef>
+          <a:fontRef idx="minor">
+            <a:schemeClr val="lt1"/>
+          </a:fontRef>
+        </p:style>
+        <p:txBody>
+          <a:bodyPr rtlCol="0" anchor="ctr"/>
+          <a:lstStyle/>
+          <a:p>
+            <a:pPr algn="ctr"/>
+            <a:endParaRPr lang="en-IN"/>
+          </a:p>
+        </p:txBody>
+      </p:sp>
+      <p:sp>
+        <p:nvSpPr>
+          <p:cNvPr id="5" name="Rounded Rectangle 4"/>
+          <p:cNvSpPr/>
+          <p:nvPr/>
+        </p:nvSpPr>
+        <p:spPr>
+          <a:xfrm>
+            <a:off x="6595745" y="1854925"/>
+            <a:ext cx="4702628" cy="4781006"/>
+          </a:xfrm>
+          <a:prstGeom prst="roundRect">
+            <a:avLst/>
+          </a:prstGeom>
+        </p:spPr>
+        <p:style>
+          <a:lnRef idx="2">
+            <a:schemeClr val="accent1">
+              <a:shade val="50000"/>
+            </a:schemeClr>
+          </a:lnRef>
+          <a:fillRef idx="1">
+            <a:schemeClr val="accent1"/>
+          </a:fillRef>
+          <a:effectRef idx="0">
+            <a:schemeClr val="accent1"/>
+          </a:effectRef>
+          <a:fontRef idx="minor">
+            <a:schemeClr val="lt1"/>
+          </a:fontRef>
+        </p:style>
+        <p:txBody>
+          <a:bodyPr rtlCol="0" anchor="ctr"/>
+          <a:lstStyle/>
+          <a:p>
+            <a:pPr algn="ctr"/>
+            <a:endParaRPr lang="en-IN"/>
+          </a:p>
+        </p:txBody>
+      </p:sp>
+      <p:pic>
+        <p:nvPicPr>
+          <p:cNvPr id="6" name="Picture 5"/>
+          <p:cNvPicPr>
+            <a:picLocks noChangeAspect="1"/>
+          </p:cNvPicPr>
+          <p:nvPr/>
+        </p:nvPicPr>
+        <p:blipFill>
+          <a:blip r:embed="rId2"/>
+          <a:stretch>
+            <a:fillRect/>
+          </a:stretch>
+        </p:blipFill>
+        <p:spPr>
+          <a:xfrm>
+            <a:off x="1731542" y="2836360"/>
+            <a:ext cx="4404292" cy="3277057"/>
+          </a:xfrm>
+          <a:prstGeom prst="rect">
+            <a:avLst/>
+          </a:prstGeom>
+        </p:spPr>
+      </p:pic>
+      <p:pic>
+        <p:nvPicPr>
+          <p:cNvPr id="7" name="Picture 6"/>
+          <p:cNvPicPr>
+            <a:picLocks noChangeAspect="1"/>
+          </p:cNvPicPr>
+          <p:nvPr/>
+        </p:nvPicPr>
+        <p:blipFill>
+          <a:blip r:embed="rId3"/>
+          <a:stretch>
+            <a:fillRect/>
+          </a:stretch>
+        </p:blipFill>
+        <p:spPr>
+          <a:xfrm>
+            <a:off x="6794108" y="2825017"/>
+            <a:ext cx="4305901" cy="3277057"/>
+          </a:xfrm>
+          <a:prstGeom prst="rect">
+            <a:avLst/>
+          </a:prstGeom>
+        </p:spPr>
+      </p:pic>
+      <p:sp>
+        <p:nvSpPr>
+          <p:cNvPr id="8" name="Oval 7"/>
+          <p:cNvSpPr/>
+          <p:nvPr/>
+        </p:nvSpPr>
+        <p:spPr>
+          <a:xfrm>
+            <a:off x="2129246" y="943967"/>
+            <a:ext cx="3644537" cy="1733920"/>
+          </a:xfrm>
+          <a:prstGeom prst="ellipse">
+            <a:avLst/>
+          </a:prstGeom>
+        </p:spPr>
+        <p:style>
+          <a:lnRef idx="2">
+            <a:schemeClr val="accent1">
+              <a:shade val="50000"/>
+            </a:schemeClr>
+          </a:lnRef>
+          <a:fillRef idx="1">
+            <a:schemeClr val="accent1"/>
+          </a:fillRef>
+          <a:effectRef idx="0">
+            <a:schemeClr val="accent1"/>
+          </a:effectRef>
+          <a:fontRef idx="minor">
+            <a:schemeClr val="lt1"/>
+          </a:fontRef>
+        </p:style>
+        <p:txBody>
+          <a:bodyPr rtlCol="0" anchor="ctr"/>
+          <a:lstStyle/>
+          <a:p>
+            <a:pPr algn="ctr"/>
+            <a:r>
+              <a:rPr lang="en-US" sz="2400" dirty="0" smtClean="0">
+                <a:latin typeface="Calibri" panose="020F0502020204030204" pitchFamily="34" charset="0"/>
+                <a:ea typeface="Calibri" panose="020F0502020204030204" pitchFamily="34" charset="0"/>
+                <a:cs typeface="Calibri" panose="020F0502020204030204" pitchFamily="34" charset="0"/>
+              </a:rPr>
+              <a:t>Distribution of Annual Income</a:t>
+            </a:r>
+            <a:endParaRPr lang="en-IN" sz="2400" dirty="0">
+              <a:latin typeface="Calibri" panose="020F0502020204030204" pitchFamily="34" charset="0"/>
+              <a:ea typeface="Calibri" panose="020F0502020204030204" pitchFamily="34" charset="0"/>
+              <a:cs typeface="Calibri" panose="020F0502020204030204" pitchFamily="34" charset="0"/>
+            </a:endParaRPr>
+          </a:p>
+        </p:txBody>
+      </p:sp>
+      <p:sp>
+        <p:nvSpPr>
+          <p:cNvPr id="10" name="Oval 9"/>
+          <p:cNvSpPr/>
+          <p:nvPr/>
+        </p:nvSpPr>
+        <p:spPr>
+          <a:xfrm>
+            <a:off x="7048768" y="943966"/>
+            <a:ext cx="3644537" cy="1593669"/>
+          </a:xfrm>
+          <a:prstGeom prst="ellipse">
+            <a:avLst/>
+          </a:prstGeom>
+        </p:spPr>
+        <p:style>
+          <a:lnRef idx="2">
+            <a:schemeClr val="accent1">
+              <a:shade val="50000"/>
+            </a:schemeClr>
+          </a:lnRef>
+          <a:fillRef idx="1">
+            <a:schemeClr val="accent1"/>
+          </a:fillRef>
+          <a:effectRef idx="0">
+            <a:schemeClr val="accent1"/>
+          </a:effectRef>
+          <a:fontRef idx="minor">
+            <a:schemeClr val="lt1"/>
+          </a:fontRef>
+        </p:style>
+        <p:txBody>
+          <a:bodyPr rtlCol="0" anchor="ctr"/>
+          <a:lstStyle/>
+          <a:p>
+            <a:pPr algn="ctr"/>
+            <a:r>
+              <a:rPr lang="en-US" sz="2400" dirty="0">
+                <a:latin typeface="Calibri" panose="020F0502020204030204" pitchFamily="34" charset="0"/>
+                <a:ea typeface="Calibri" panose="020F0502020204030204" pitchFamily="34" charset="0"/>
+                <a:cs typeface="Calibri" panose="020F0502020204030204" pitchFamily="34" charset="0"/>
+              </a:rPr>
+              <a:t>Distribution of </a:t>
+            </a:r>
+            <a:r>
+              <a:rPr lang="en-US" sz="2400" dirty="0" smtClean="0">
+                <a:latin typeface="Calibri" panose="020F0502020204030204" pitchFamily="34" charset="0"/>
+                <a:ea typeface="Calibri" panose="020F0502020204030204" pitchFamily="34" charset="0"/>
+                <a:cs typeface="Calibri" panose="020F0502020204030204" pitchFamily="34" charset="0"/>
+              </a:rPr>
+              <a:t>Debt to Income Ratio</a:t>
+            </a:r>
+            <a:endParaRPr lang="en-IN" sz="2400" dirty="0">
+              <a:latin typeface="Calibri" panose="020F0502020204030204" pitchFamily="34" charset="0"/>
+              <a:ea typeface="Calibri" panose="020F0502020204030204" pitchFamily="34" charset="0"/>
+              <a:cs typeface="Calibri" panose="020F0502020204030204" pitchFamily="34" charset="0"/>
+            </a:endParaRPr>
+          </a:p>
+        </p:txBody>
+      </p:sp>
+    </p:spTree>
+    <p:extLst>
+      <p:ext uri="{BB962C8B-B14F-4D97-AF65-F5344CB8AC3E}">
+        <p14:creationId xmlns:p14="http://schemas.microsoft.com/office/powerpoint/2010/main" val="3508965953"/>
+      </p:ext>
+    </p:extLst>
+  </p:cSld>
+  <p:clrMapOvr>
+    <a:masterClrMapping/>
+  </p:clrMapOvr>
+  <p:timing>
+    <p:tnLst>
+      <p:par>
+        <p:cTn id="1" dur="indefinite" restart="never" nodeType="tmRoot"/>
+      </p:par>
+    </p:tnLst>
+  </p:timing>
+</p:sld>
+</file>
+
+<file path=ppt/slides/slide16.xml><?xml version="1.0" encoding="utf-8"?>
+<p:sld xmlns:a="http://schemas.openxmlformats.org/drawingml/2006/main" xmlns:r="http://schemas.openxmlformats.org/officeDocument/2006/relationships" xmlns:p="http://schemas.openxmlformats.org/presentationml/2006/main">
+  <p:cSld>
+    <p:spTree>
+      <p:nvGrpSpPr>
+        <p:cNvPr id="1" name=""/>
+        <p:cNvGrpSpPr/>
+        <p:nvPr/>
+      </p:nvGrpSpPr>
+      <p:grpSpPr>
+        <a:xfrm>
+          <a:off x="0" y="0"/>
+          <a:ext cx="0" cy="0"/>
+          <a:chOff x="0" y="0"/>
+          <a:chExt cx="0" cy="0"/>
+        </a:xfrm>
+      </p:grpSpPr>
+      <p:sp>
+        <p:nvSpPr>
+          <p:cNvPr id="2" name="Title 1"/>
+          <p:cNvSpPr>
+            <a:spLocks noGrp="1"/>
+          </p:cNvSpPr>
+          <p:nvPr>
+            <p:ph type="title"/>
+          </p:nvPr>
+        </p:nvSpPr>
+        <p:spPr>
+          <a:xfrm>
+            <a:off x="4069027" y="256895"/>
+            <a:ext cx="4591645" cy="656050"/>
+          </a:xfrm>
+        </p:spPr>
+        <p:txBody>
+          <a:bodyPr>
+            <a:noAutofit/>
+          </a:bodyPr>
+          <a:lstStyle/>
+          <a:p>
+            <a:r>
+              <a:rPr lang="en-IN" b="1" dirty="0" smtClean="0">
+                <a:latin typeface="Calibri" panose="020F0502020204030204" pitchFamily="34" charset="0"/>
+                <a:ea typeface="Calibri" panose="020F0502020204030204" pitchFamily="34" charset="0"/>
+                <a:cs typeface="Calibri" panose="020F0502020204030204" pitchFamily="34" charset="0"/>
+              </a:rPr>
+              <a:t>Univariate </a:t>
+            </a:r>
+            <a:r>
+              <a:rPr lang="en-IN" b="1" dirty="0">
+                <a:latin typeface="Calibri" panose="020F0502020204030204" pitchFamily="34" charset="0"/>
+                <a:ea typeface="Calibri" panose="020F0502020204030204" pitchFamily="34" charset="0"/>
+                <a:cs typeface="Calibri" panose="020F0502020204030204" pitchFamily="34" charset="0"/>
+              </a:rPr>
+              <a:t>Analysis</a:t>
+            </a:r>
+            <a:br>
+              <a:rPr lang="en-IN" b="1" dirty="0">
+                <a:latin typeface="Calibri" panose="020F0502020204030204" pitchFamily="34" charset="0"/>
+                <a:ea typeface="Calibri" panose="020F0502020204030204" pitchFamily="34" charset="0"/>
+                <a:cs typeface="Calibri" panose="020F0502020204030204" pitchFamily="34" charset="0"/>
+              </a:rPr>
+            </a:br>
+            <a:endParaRPr lang="en-IN" dirty="0">
+              <a:latin typeface="Calibri" panose="020F0502020204030204" pitchFamily="34" charset="0"/>
+              <a:ea typeface="Calibri" panose="020F0502020204030204" pitchFamily="34" charset="0"/>
+              <a:cs typeface="Calibri" panose="020F0502020204030204" pitchFamily="34" charset="0"/>
+            </a:endParaRPr>
+          </a:p>
+        </p:txBody>
+      </p:sp>
+      <p:pic>
+        <p:nvPicPr>
+          <p:cNvPr id="4" name="Content Placeholder 3"/>
+          <p:cNvPicPr>
+            <a:picLocks noGrp="1" noChangeAspect="1"/>
+          </p:cNvPicPr>
+          <p:nvPr>
+            <p:ph idx="1"/>
+          </p:nvPr>
+        </p:nvPicPr>
+        <p:blipFill>
+          <a:blip r:embed="rId2"/>
+          <a:stretch>
+            <a:fillRect/>
+          </a:stretch>
+        </p:blipFill>
+        <p:spPr>
+          <a:xfrm>
+            <a:off x="2200553" y="2851937"/>
+            <a:ext cx="9060255" cy="3146564"/>
+          </a:xfrm>
+          <a:prstGeom prst="rect">
+            <a:avLst/>
+          </a:prstGeom>
+        </p:spPr>
+      </p:pic>
+      <p:sp>
+        <p:nvSpPr>
+          <p:cNvPr id="6" name="TextBox 5"/>
+          <p:cNvSpPr txBox="1"/>
+          <p:nvPr/>
+        </p:nvSpPr>
+        <p:spPr>
+          <a:xfrm>
+            <a:off x="2200553" y="912945"/>
+            <a:ext cx="8023484" cy="1938992"/>
+          </a:xfrm>
+          <a:prstGeom prst="rect">
+            <a:avLst/>
+          </a:prstGeom>
+          <a:noFill/>
+        </p:spPr>
+        <p:txBody>
+          <a:bodyPr wrap="square" rtlCol="0">
+            <a:spAutoFit/>
+          </a:bodyPr>
+          <a:lstStyle/>
+          <a:p>
+            <a:r>
+              <a:rPr lang="en-US" sz="2400" dirty="0" smtClean="0">
+                <a:latin typeface="Calibri" panose="020F0502020204030204" pitchFamily="34" charset="0"/>
+                <a:ea typeface="Calibri" panose="020F0502020204030204" pitchFamily="34" charset="0"/>
+                <a:cs typeface="Calibri" panose="020F0502020204030204" pitchFamily="34" charset="0"/>
+              </a:rPr>
+              <a:t>Analysis of Loan Status shows:</a:t>
+            </a:r>
+          </a:p>
+          <a:p>
+            <a:endParaRPr lang="en-US" sz="2400" dirty="0" smtClean="0">
+              <a:latin typeface="Calibri" panose="020F0502020204030204" pitchFamily="34" charset="0"/>
+              <a:ea typeface="Calibri" panose="020F0502020204030204" pitchFamily="34" charset="0"/>
+              <a:cs typeface="Calibri" panose="020F0502020204030204" pitchFamily="34" charset="0"/>
+            </a:endParaRPr>
+          </a:p>
+          <a:p>
+            <a:pPr latinLnBrk="1"/>
+            <a:r>
+              <a:rPr lang="en-IN" sz="2400" dirty="0">
+                <a:latin typeface="Calibri" panose="020F0502020204030204" pitchFamily="34" charset="0"/>
+                <a:ea typeface="Calibri" panose="020F0502020204030204" pitchFamily="34" charset="0"/>
+                <a:cs typeface="Calibri" panose="020F0502020204030204" pitchFamily="34" charset="0"/>
+              </a:rPr>
+              <a:t>Fully Paid Loans: 85.90085432878054</a:t>
+            </a:r>
+          </a:p>
+          <a:p>
+            <a:pPr latinLnBrk="1"/>
+            <a:r>
+              <a:rPr lang="en-IN" sz="2400" dirty="0">
+                <a:latin typeface="Calibri" panose="020F0502020204030204" pitchFamily="34" charset="0"/>
+                <a:ea typeface="Calibri" panose="020F0502020204030204" pitchFamily="34" charset="0"/>
+                <a:cs typeface="Calibri" panose="020F0502020204030204" pitchFamily="34" charset="0"/>
+              </a:rPr>
+              <a:t>Charged Off Loans: 14.09914567121946</a:t>
+            </a:r>
+          </a:p>
+          <a:p>
+            <a:endParaRPr lang="en-IN" sz="2400" dirty="0">
+              <a:latin typeface="Calibri" panose="020F0502020204030204" pitchFamily="34" charset="0"/>
+              <a:ea typeface="Calibri" panose="020F0502020204030204" pitchFamily="34" charset="0"/>
+              <a:cs typeface="Calibri" panose="020F0502020204030204" pitchFamily="34" charset="0"/>
+            </a:endParaRPr>
+          </a:p>
+        </p:txBody>
+      </p:sp>
+    </p:spTree>
+    <p:extLst>
+      <p:ext uri="{BB962C8B-B14F-4D97-AF65-F5344CB8AC3E}">
+        <p14:creationId xmlns:p14="http://schemas.microsoft.com/office/powerpoint/2010/main" val="2467595477"/>
+      </p:ext>
+    </p:extLst>
+  </p:cSld>
+  <p:clrMapOvr>
+    <a:masterClrMapping/>
+  </p:clrMapOvr>
+  <p:timing>
+    <p:tnLst>
+      <p:par>
+        <p:cTn id="1" dur="indefinite" restart="never" nodeType="tmRoot"/>
+      </p:par>
+    </p:tnLst>
+  </p:timing>
+</p:sld>
+</file>
+
+<file path=ppt/slides/slide17.xml><?xml version="1.0" encoding="utf-8"?>
+<p:sld xmlns:a="http://schemas.openxmlformats.org/drawingml/2006/main" xmlns:r="http://schemas.openxmlformats.org/officeDocument/2006/relationships" xmlns:p="http://schemas.openxmlformats.org/presentationml/2006/main">
+  <p:cSld>
+    <p:spTree>
+      <p:nvGrpSpPr>
+        <p:cNvPr id="1" name=""/>
+        <p:cNvGrpSpPr/>
+        <p:nvPr/>
+      </p:nvGrpSpPr>
+      <p:grpSpPr>
+        <a:xfrm>
+          <a:off x="0" y="0"/>
+          <a:ext cx="0" cy="0"/>
+          <a:chOff x="0" y="0"/>
+          <a:chExt cx="0" cy="0"/>
+        </a:xfrm>
+      </p:grpSpPr>
+      <p:sp>
+        <p:nvSpPr>
+          <p:cNvPr id="2" name="Title 1"/>
+          <p:cNvSpPr>
+            <a:spLocks noGrp="1"/>
+          </p:cNvSpPr>
+          <p:nvPr>
+            <p:ph type="title"/>
+          </p:nvPr>
+        </p:nvSpPr>
+        <p:spPr>
+          <a:xfrm>
+            <a:off x="3234649" y="147464"/>
+            <a:ext cx="5562988" cy="590736"/>
+          </a:xfrm>
+        </p:spPr>
+        <p:txBody>
+          <a:bodyPr>
+            <a:noAutofit/>
+          </a:bodyPr>
+          <a:lstStyle/>
+          <a:p>
+            <a:r>
+              <a:rPr lang="en-US" b="1" dirty="0" smtClean="0">
+                <a:latin typeface="Calibri" panose="020F0502020204030204" pitchFamily="34" charset="0"/>
+                <a:ea typeface="Calibri" panose="020F0502020204030204" pitchFamily="34" charset="0"/>
+                <a:cs typeface="Calibri" panose="020F0502020204030204" pitchFamily="34" charset="0"/>
+              </a:rPr>
+              <a:t>Univariate of Loan Status</a:t>
+            </a:r>
+            <a:endParaRPr lang="en-IN" b="1" dirty="0">
+              <a:latin typeface="Calibri" panose="020F0502020204030204" pitchFamily="34" charset="0"/>
+              <a:ea typeface="Calibri" panose="020F0502020204030204" pitchFamily="34" charset="0"/>
+              <a:cs typeface="Calibri" panose="020F0502020204030204" pitchFamily="34" charset="0"/>
+            </a:endParaRPr>
+          </a:p>
+        </p:txBody>
+      </p:sp>
+      <p:pic>
+        <p:nvPicPr>
+          <p:cNvPr id="4" name="Content Placeholder 3"/>
+          <p:cNvPicPr>
+            <a:picLocks noGrp="1" noChangeAspect="1"/>
+          </p:cNvPicPr>
+          <p:nvPr>
+            <p:ph idx="1"/>
+          </p:nvPr>
+        </p:nvPicPr>
+        <p:blipFill>
+          <a:blip r:embed="rId2"/>
+          <a:stretch>
+            <a:fillRect/>
+          </a:stretch>
+        </p:blipFill>
+        <p:spPr>
+          <a:xfrm>
+            <a:off x="2931494" y="1293398"/>
+            <a:ext cx="6780542" cy="4119151"/>
+          </a:xfrm>
+          <a:prstGeom prst="rect">
+            <a:avLst/>
+          </a:prstGeom>
+        </p:spPr>
+      </p:pic>
+      <p:sp>
+        <p:nvSpPr>
+          <p:cNvPr id="5" name="TextBox 4"/>
+          <p:cNvSpPr txBox="1"/>
+          <p:nvPr/>
+        </p:nvSpPr>
+        <p:spPr>
+          <a:xfrm>
+            <a:off x="1449977" y="5773783"/>
+            <a:ext cx="10110652" cy="830997"/>
+          </a:xfrm>
+          <a:prstGeom prst="rect">
+            <a:avLst/>
+          </a:prstGeom>
+          <a:noFill/>
+        </p:spPr>
+        <p:txBody>
+          <a:bodyPr wrap="square" rtlCol="0">
+            <a:spAutoFit/>
+          </a:bodyPr>
+          <a:lstStyle/>
+          <a:p>
+            <a:r>
+              <a:rPr lang="en-IN" sz="2400" b="1" dirty="0">
+                <a:latin typeface="Calibri" panose="020F0502020204030204" pitchFamily="34" charset="0"/>
+                <a:ea typeface="Calibri" panose="020F0502020204030204" pitchFamily="34" charset="0"/>
+                <a:cs typeface="Calibri" panose="020F0502020204030204" pitchFamily="34" charset="0"/>
+              </a:rPr>
+              <a:t>Analysis shows that 85.90 % loans are fully paid and 14.09 % loans are charged off. It means defaulted loans are lower than fully paid </a:t>
+            </a:r>
+            <a:r>
+              <a:rPr lang="en-IN" sz="2400" b="1" dirty="0" smtClean="0">
+                <a:latin typeface="Calibri" panose="020F0502020204030204" pitchFamily="34" charset="0"/>
+                <a:ea typeface="Calibri" panose="020F0502020204030204" pitchFamily="34" charset="0"/>
+                <a:cs typeface="Calibri" panose="020F0502020204030204" pitchFamily="34" charset="0"/>
+              </a:rPr>
+              <a:t>loans</a:t>
+            </a:r>
+            <a:endParaRPr lang="en-IN" sz="2400" dirty="0">
+              <a:latin typeface="Calibri" panose="020F0502020204030204" pitchFamily="34" charset="0"/>
+              <a:ea typeface="Calibri" panose="020F0502020204030204" pitchFamily="34" charset="0"/>
+              <a:cs typeface="Calibri" panose="020F0502020204030204" pitchFamily="34" charset="0"/>
+            </a:endParaRPr>
+          </a:p>
+        </p:txBody>
+      </p:sp>
+    </p:spTree>
+    <p:extLst>
+      <p:ext uri="{BB962C8B-B14F-4D97-AF65-F5344CB8AC3E}">
+        <p14:creationId xmlns:p14="http://schemas.microsoft.com/office/powerpoint/2010/main" val="3342895693"/>
+      </p:ext>
+    </p:extLst>
+  </p:cSld>
+  <p:clrMapOvr>
+    <a:masterClrMapping/>
+  </p:clrMapOvr>
+  <p:timing>
+    <p:tnLst>
+      <p:par>
+        <p:cTn id="1" dur="indefinite" restart="never" nodeType="tmRoot"/>
+      </p:par>
+    </p:tnLst>
+  </p:timing>
+</p:sld>
+</file>
+
+<file path=ppt/slides/slide18.xml><?xml version="1.0" encoding="utf-8"?>
+<p:sld xmlns:a="http://schemas.openxmlformats.org/drawingml/2006/main" xmlns:r="http://schemas.openxmlformats.org/officeDocument/2006/relationships" xmlns:p="http://schemas.openxmlformats.org/presentationml/2006/main">
+  <p:cSld>
+    <p:spTree>
+      <p:nvGrpSpPr>
+        <p:cNvPr id="1" name=""/>
+        <p:cNvGrpSpPr/>
+        <p:nvPr/>
+      </p:nvGrpSpPr>
+      <p:grpSpPr>
+        <a:xfrm>
+          <a:off x="0" y="0"/>
+          <a:ext cx="0" cy="0"/>
+          <a:chOff x="0" y="0"/>
+          <a:chExt cx="0" cy="0"/>
+        </a:xfrm>
+      </p:grpSpPr>
+      <p:sp>
+        <p:nvSpPr>
+          <p:cNvPr id="2" name="Title 1"/>
+          <p:cNvSpPr>
+            <a:spLocks noGrp="1"/>
+          </p:cNvSpPr>
+          <p:nvPr>
+            <p:ph type="title"/>
+          </p:nvPr>
+        </p:nvSpPr>
+        <p:spPr>
+          <a:xfrm>
+            <a:off x="3629891" y="250037"/>
+            <a:ext cx="4682837" cy="642987"/>
+          </a:xfrm>
+        </p:spPr>
+        <p:txBody>
+          <a:bodyPr>
+            <a:noAutofit/>
+          </a:bodyPr>
+          <a:lstStyle/>
+          <a:p>
+            <a:r>
+              <a:rPr lang="en-US" b="1" dirty="0" smtClean="0">
+                <a:latin typeface="Calibri" panose="020F0502020204030204" pitchFamily="34" charset="0"/>
+                <a:ea typeface="Calibri" panose="020F0502020204030204" pitchFamily="34" charset="0"/>
+                <a:cs typeface="Calibri" panose="020F0502020204030204" pitchFamily="34" charset="0"/>
+              </a:rPr>
+              <a:t>Analysis Of Loan Terms</a:t>
+            </a:r>
+            <a:endParaRPr lang="en-IN" b="1" dirty="0">
+              <a:latin typeface="Calibri" panose="020F0502020204030204" pitchFamily="34" charset="0"/>
+              <a:ea typeface="Calibri" panose="020F0502020204030204" pitchFamily="34" charset="0"/>
+              <a:cs typeface="Calibri" panose="020F0502020204030204" pitchFamily="34" charset="0"/>
+            </a:endParaRPr>
+          </a:p>
+        </p:txBody>
+      </p:sp>
+      <p:sp>
+        <p:nvSpPr>
+          <p:cNvPr id="5" name="TextBox 4"/>
+          <p:cNvSpPr txBox="1"/>
+          <p:nvPr/>
+        </p:nvSpPr>
+        <p:spPr>
+          <a:xfrm>
+            <a:off x="2366835" y="1055720"/>
+            <a:ext cx="6403091" cy="1569660"/>
+          </a:xfrm>
+          <a:prstGeom prst="rect">
+            <a:avLst/>
+          </a:prstGeom>
+          <a:noFill/>
+        </p:spPr>
+        <p:txBody>
+          <a:bodyPr wrap="square" rtlCol="0">
+            <a:spAutoFit/>
+          </a:bodyPr>
+          <a:lstStyle/>
+          <a:p>
+            <a:r>
+              <a:rPr lang="en-US" sz="2400" dirty="0" smtClean="0">
+                <a:latin typeface="Calibri" panose="020F0502020204030204" pitchFamily="34" charset="0"/>
+                <a:ea typeface="Calibri" panose="020F0502020204030204" pitchFamily="34" charset="0"/>
+                <a:cs typeface="Calibri" panose="020F0502020204030204" pitchFamily="34" charset="0"/>
+              </a:rPr>
+              <a:t>Loan Tenure</a:t>
+            </a:r>
+          </a:p>
+          <a:p>
+            <a:r>
+              <a:rPr lang="en-US" sz="2400" dirty="0" smtClean="0">
+                <a:latin typeface="Calibri" panose="020F0502020204030204" pitchFamily="34" charset="0"/>
+                <a:ea typeface="Calibri" panose="020F0502020204030204" pitchFamily="34" charset="0"/>
+                <a:cs typeface="Calibri" panose="020F0502020204030204" pitchFamily="34" charset="0"/>
+              </a:rPr>
+              <a:t>36 month : </a:t>
+            </a:r>
+            <a:r>
+              <a:rPr lang="en-IN" sz="2400" dirty="0">
+                <a:latin typeface="Calibri" panose="020F0502020204030204" pitchFamily="34" charset="0"/>
+                <a:ea typeface="Calibri" panose="020F0502020204030204" pitchFamily="34" charset="0"/>
+                <a:cs typeface="Calibri" panose="020F0502020204030204" pitchFamily="34" charset="0"/>
+              </a:rPr>
+              <a:t>76.8726314940737</a:t>
+            </a:r>
+            <a:endParaRPr lang="en-US" sz="2400" dirty="0" smtClean="0">
+              <a:latin typeface="Calibri" panose="020F0502020204030204" pitchFamily="34" charset="0"/>
+              <a:ea typeface="Calibri" panose="020F0502020204030204" pitchFamily="34" charset="0"/>
+              <a:cs typeface="Calibri" panose="020F0502020204030204" pitchFamily="34" charset="0"/>
+            </a:endParaRPr>
+          </a:p>
+          <a:p>
+            <a:r>
+              <a:rPr lang="en-US" sz="2400" dirty="0" smtClean="0">
+                <a:latin typeface="Calibri" panose="020F0502020204030204" pitchFamily="34" charset="0"/>
+                <a:ea typeface="Calibri" panose="020F0502020204030204" pitchFamily="34" charset="0"/>
+                <a:cs typeface="Calibri" panose="020F0502020204030204" pitchFamily="34" charset="0"/>
+              </a:rPr>
+              <a:t>60 months</a:t>
+            </a:r>
+            <a:r>
+              <a:rPr lang="en-US" sz="2400" dirty="0">
+                <a:latin typeface="Calibri" panose="020F0502020204030204" pitchFamily="34" charset="0"/>
+                <a:ea typeface="Calibri" panose="020F0502020204030204" pitchFamily="34" charset="0"/>
+                <a:cs typeface="Calibri" panose="020F0502020204030204" pitchFamily="34" charset="0"/>
+              </a:rPr>
+              <a:t> </a:t>
+            </a:r>
+            <a:r>
+              <a:rPr lang="en-US" sz="2400" dirty="0" smtClean="0">
+                <a:latin typeface="Calibri" panose="020F0502020204030204" pitchFamily="34" charset="0"/>
+                <a:ea typeface="Calibri" panose="020F0502020204030204" pitchFamily="34" charset="0"/>
+                <a:cs typeface="Calibri" panose="020F0502020204030204" pitchFamily="34" charset="0"/>
+              </a:rPr>
+              <a:t>: </a:t>
+            </a:r>
+            <a:r>
+              <a:rPr lang="en-IN" sz="2400" dirty="0">
+                <a:latin typeface="Calibri" panose="020F0502020204030204" pitchFamily="34" charset="0"/>
+                <a:ea typeface="Calibri" panose="020F0502020204030204" pitchFamily="34" charset="0"/>
+                <a:cs typeface="Calibri" panose="020F0502020204030204" pitchFamily="34" charset="0"/>
+              </a:rPr>
+              <a:t>23.127368505926306</a:t>
+            </a:r>
+          </a:p>
+          <a:p>
+            <a:endParaRPr lang="en-IN" sz="2400" dirty="0">
+              <a:latin typeface="Calibri" panose="020F0502020204030204" pitchFamily="34" charset="0"/>
+              <a:ea typeface="Calibri" panose="020F0502020204030204" pitchFamily="34" charset="0"/>
+              <a:cs typeface="Calibri" panose="020F0502020204030204" pitchFamily="34" charset="0"/>
+            </a:endParaRPr>
+          </a:p>
+        </p:txBody>
+      </p:sp>
+      <p:pic>
+        <p:nvPicPr>
+          <p:cNvPr id="14" name="Picture 13"/>
+          <p:cNvPicPr>
+            <a:picLocks noChangeAspect="1"/>
+          </p:cNvPicPr>
+          <p:nvPr/>
+        </p:nvPicPr>
+        <p:blipFill>
+          <a:blip r:embed="rId2"/>
+          <a:stretch>
+            <a:fillRect/>
+          </a:stretch>
+        </p:blipFill>
+        <p:spPr>
+          <a:xfrm>
+            <a:off x="2366835" y="2625380"/>
+            <a:ext cx="8825345" cy="3557305"/>
+          </a:xfrm>
+          <a:prstGeom prst="rect">
+            <a:avLst/>
+          </a:prstGeom>
+        </p:spPr>
+      </p:pic>
+    </p:spTree>
+    <p:extLst>
+      <p:ext uri="{BB962C8B-B14F-4D97-AF65-F5344CB8AC3E}">
+        <p14:creationId xmlns:p14="http://schemas.microsoft.com/office/powerpoint/2010/main" val="2194892147"/>
+      </p:ext>
+    </p:extLst>
+  </p:cSld>
+  <p:clrMapOvr>
+    <a:masterClrMapping/>
+  </p:clrMapOvr>
+  <p:timing>
+    <p:tnLst>
+      <p:par>
+        <p:cTn id="1" dur="indefinite" restart="never" nodeType="tmRoot"/>
+      </p:par>
+    </p:tnLst>
+  </p:timing>
+</p:sld>
+</file>
+
+<file path=ppt/slides/slide19.xml><?xml version="1.0" encoding="utf-8"?>
+<p:sld xmlns:a="http://schemas.openxmlformats.org/drawingml/2006/main" xmlns:r="http://schemas.openxmlformats.org/officeDocument/2006/relationships" xmlns:p="http://schemas.openxmlformats.org/presentationml/2006/main">
+  <p:cSld>
+    <p:spTree>
+      <p:nvGrpSpPr>
+        <p:cNvPr id="1" name=""/>
+        <p:cNvGrpSpPr/>
+        <p:nvPr/>
+      </p:nvGrpSpPr>
+      <p:grpSpPr>
+        <a:xfrm>
+          <a:off x="0" y="0"/>
+          <a:ext cx="0" cy="0"/>
+          <a:chOff x="0" y="0"/>
+          <a:chExt cx="0" cy="0"/>
+        </a:xfrm>
+      </p:grpSpPr>
+      <p:sp>
+        <p:nvSpPr>
+          <p:cNvPr id="2" name="Title 1"/>
+          <p:cNvSpPr>
+            <a:spLocks noGrp="1"/>
+          </p:cNvSpPr>
+          <p:nvPr>
+            <p:ph type="title"/>
+          </p:nvPr>
+        </p:nvSpPr>
+        <p:spPr>
+          <a:xfrm>
+            <a:off x="3480334" y="245287"/>
+            <a:ext cx="4818538" cy="551547"/>
+          </a:xfrm>
+        </p:spPr>
+        <p:txBody>
+          <a:bodyPr>
+            <a:noAutofit/>
+          </a:bodyPr>
+          <a:lstStyle/>
+          <a:p>
+            <a:r>
+              <a:rPr lang="en-US" b="1" dirty="0">
+                <a:latin typeface="Calibri" panose="020F0502020204030204" pitchFamily="34" charset="0"/>
+                <a:ea typeface="Calibri" panose="020F0502020204030204" pitchFamily="34" charset="0"/>
+                <a:cs typeface="Calibri" panose="020F0502020204030204" pitchFamily="34" charset="0"/>
+              </a:rPr>
+              <a:t>Analysis Of Loan Terms</a:t>
+            </a:r>
+            <a:endParaRPr lang="en-IN" dirty="0">
+              <a:latin typeface="Calibri" panose="020F0502020204030204" pitchFamily="34" charset="0"/>
+              <a:ea typeface="Calibri" panose="020F0502020204030204" pitchFamily="34" charset="0"/>
+              <a:cs typeface="Calibri" panose="020F0502020204030204" pitchFamily="34" charset="0"/>
+            </a:endParaRPr>
+          </a:p>
+        </p:txBody>
+      </p:sp>
+      <p:pic>
+        <p:nvPicPr>
+          <p:cNvPr id="4" name="Content Placeholder 3"/>
+          <p:cNvPicPr>
+            <a:picLocks noGrp="1" noChangeAspect="1"/>
+          </p:cNvPicPr>
+          <p:nvPr>
+            <p:ph idx="1"/>
+          </p:nvPr>
+        </p:nvPicPr>
+        <p:blipFill>
+          <a:blip r:embed="rId2"/>
+          <a:stretch>
+            <a:fillRect/>
+          </a:stretch>
+        </p:blipFill>
+        <p:spPr>
+          <a:xfrm>
+            <a:off x="2960516" y="1116501"/>
+            <a:ext cx="6391301" cy="4446738"/>
+          </a:xfrm>
+          <a:prstGeom prst="rect">
+            <a:avLst/>
+          </a:prstGeom>
+        </p:spPr>
+      </p:pic>
+      <p:sp>
+        <p:nvSpPr>
+          <p:cNvPr id="5" name="TextBox 4"/>
+          <p:cNvSpPr txBox="1"/>
+          <p:nvPr/>
+        </p:nvSpPr>
+        <p:spPr>
+          <a:xfrm>
+            <a:off x="1123407" y="5827488"/>
+            <a:ext cx="10332719" cy="1200329"/>
+          </a:xfrm>
+          <a:prstGeom prst="rect">
+            <a:avLst/>
+          </a:prstGeom>
+          <a:noFill/>
+        </p:spPr>
+        <p:txBody>
+          <a:bodyPr wrap="square" rtlCol="0">
+            <a:spAutoFit/>
+          </a:bodyPr>
+          <a:lstStyle/>
+          <a:p>
+            <a:r>
+              <a:rPr lang="en-IN" sz="2400" b="1" dirty="0">
+                <a:latin typeface="Calibri" panose="020F0502020204030204" pitchFamily="34" charset="0"/>
+                <a:ea typeface="Calibri" panose="020F0502020204030204" pitchFamily="34" charset="0"/>
+                <a:cs typeface="Calibri" panose="020F0502020204030204" pitchFamily="34" charset="0"/>
+              </a:rPr>
+              <a:t>Analysis shows that 77.45 % loan terms are 36 months and 22.54 % loan terms are 60 months. It means people taking shorter loans than long duration loans.</a:t>
+            </a:r>
+          </a:p>
+          <a:p>
+            <a:endParaRPr lang="en-IN" sz="2400" b="1" dirty="0">
+              <a:latin typeface="Calibri" panose="020F0502020204030204" pitchFamily="34" charset="0"/>
+              <a:ea typeface="Calibri" panose="020F0502020204030204" pitchFamily="34" charset="0"/>
+              <a:cs typeface="Calibri" panose="020F0502020204030204" pitchFamily="34" charset="0"/>
+            </a:endParaRPr>
+          </a:p>
+        </p:txBody>
+      </p:sp>
+    </p:spTree>
+    <p:extLst>
+      <p:ext uri="{BB962C8B-B14F-4D97-AF65-F5344CB8AC3E}">
+        <p14:creationId xmlns:p14="http://schemas.microsoft.com/office/powerpoint/2010/main" val="1984516938"/>
+      </p:ext>
+    </p:extLst>
+  </p:cSld>
+  <p:clrMapOvr>
+    <a:masterClrMapping/>
+  </p:clrMapOvr>
+  <p:timing>
+    <p:tnLst>
+      <p:par>
+        <p:cTn id="1" dur="indefinite" restart="never" nodeType="tmRoot"/>
+      </p:par>
+    </p:tnLst>
+  </p:timing>
 </p:sld>
 </file>
 
@@ -9694,6 +11104,1793 @@
     <p:extLst>
       <p:ext uri="{BB962C8B-B14F-4D97-AF65-F5344CB8AC3E}">
         <p14:creationId xmlns:p14="http://schemas.microsoft.com/office/powerpoint/2010/main" val="3641555425"/>
+      </p:ext>
+    </p:extLst>
+  </p:cSld>
+  <p:clrMapOvr>
+    <a:masterClrMapping/>
+  </p:clrMapOvr>
+</p:sld>
+</file>
+
+<file path=ppt/slides/slide20.xml><?xml version="1.0" encoding="utf-8"?>
+<p:sld xmlns:a="http://schemas.openxmlformats.org/drawingml/2006/main" xmlns:r="http://schemas.openxmlformats.org/officeDocument/2006/relationships" xmlns:p="http://schemas.openxmlformats.org/presentationml/2006/main">
+  <p:cSld>
+    <p:spTree>
+      <p:nvGrpSpPr>
+        <p:cNvPr id="1" name=""/>
+        <p:cNvGrpSpPr/>
+        <p:nvPr/>
+      </p:nvGrpSpPr>
+      <p:grpSpPr>
+        <a:xfrm>
+          <a:off x="0" y="0"/>
+          <a:ext cx="0" cy="0"/>
+          <a:chOff x="0" y="0"/>
+          <a:chExt cx="0" cy="0"/>
+        </a:xfrm>
+      </p:grpSpPr>
+      <p:sp>
+        <p:nvSpPr>
+          <p:cNvPr id="2" name="Title 1"/>
+          <p:cNvSpPr>
+            <a:spLocks noGrp="1"/>
+          </p:cNvSpPr>
+          <p:nvPr>
+            <p:ph type="title"/>
+          </p:nvPr>
+        </p:nvSpPr>
+        <p:spPr>
+          <a:xfrm>
+            <a:off x="3647777" y="326436"/>
+            <a:ext cx="5323165" cy="927599"/>
+          </a:xfrm>
+        </p:spPr>
+        <p:txBody>
+          <a:bodyPr>
+            <a:noAutofit/>
+          </a:bodyPr>
+          <a:lstStyle/>
+          <a:p>
+            <a:r>
+              <a:rPr lang="en-IN" b="1" dirty="0">
+                <a:latin typeface="Calibri" panose="020F0502020204030204" pitchFamily="34" charset="0"/>
+                <a:ea typeface="Calibri" panose="020F0502020204030204" pitchFamily="34" charset="0"/>
+                <a:cs typeface="Calibri" panose="020F0502020204030204" pitchFamily="34" charset="0"/>
+              </a:rPr>
+              <a:t>Analysis of Loan Grade</a:t>
+            </a:r>
+            <a:br>
+              <a:rPr lang="en-IN" b="1" dirty="0">
+                <a:latin typeface="Calibri" panose="020F0502020204030204" pitchFamily="34" charset="0"/>
+                <a:ea typeface="Calibri" panose="020F0502020204030204" pitchFamily="34" charset="0"/>
+                <a:cs typeface="Calibri" panose="020F0502020204030204" pitchFamily="34" charset="0"/>
+              </a:rPr>
+            </a:br>
+            <a:endParaRPr lang="en-IN" dirty="0">
+              <a:latin typeface="Calibri" panose="020F0502020204030204" pitchFamily="34" charset="0"/>
+              <a:ea typeface="Calibri" panose="020F0502020204030204" pitchFamily="34" charset="0"/>
+              <a:cs typeface="Calibri" panose="020F0502020204030204" pitchFamily="34" charset="0"/>
+            </a:endParaRPr>
+          </a:p>
+        </p:txBody>
+      </p:sp>
+      <p:pic>
+        <p:nvPicPr>
+          <p:cNvPr id="4" name="Content Placeholder 3"/>
+          <p:cNvPicPr>
+            <a:picLocks noGrp="1" noChangeAspect="1"/>
+          </p:cNvPicPr>
+          <p:nvPr>
+            <p:ph idx="1"/>
+          </p:nvPr>
+        </p:nvPicPr>
+        <p:blipFill>
+          <a:blip r:embed="rId2"/>
+          <a:stretch>
+            <a:fillRect/>
+          </a:stretch>
+        </p:blipFill>
+        <p:spPr>
+          <a:xfrm>
+            <a:off x="6727371" y="1881052"/>
+            <a:ext cx="4899425" cy="4129438"/>
+          </a:xfrm>
+          <a:prstGeom prst="rect">
+            <a:avLst/>
+          </a:prstGeom>
+        </p:spPr>
+      </p:pic>
+      <p:pic>
+        <p:nvPicPr>
+          <p:cNvPr id="5" name="Picture 4"/>
+          <p:cNvPicPr>
+            <a:picLocks noChangeAspect="1"/>
+          </p:cNvPicPr>
+          <p:nvPr/>
+        </p:nvPicPr>
+        <p:blipFill>
+          <a:blip r:embed="rId3"/>
+          <a:stretch>
+            <a:fillRect/>
+          </a:stretch>
+        </p:blipFill>
+        <p:spPr>
+          <a:xfrm>
+            <a:off x="673085" y="2643841"/>
+            <a:ext cx="5218264" cy="2415840"/>
+          </a:xfrm>
+          <a:prstGeom prst="rect">
+            <a:avLst/>
+          </a:prstGeom>
+        </p:spPr>
+      </p:pic>
+      <p:sp>
+        <p:nvSpPr>
+          <p:cNvPr id="6" name="Right Arrow 5"/>
+          <p:cNvSpPr/>
+          <p:nvPr/>
+        </p:nvSpPr>
+        <p:spPr>
+          <a:xfrm>
+            <a:off x="5896890" y="3560618"/>
+            <a:ext cx="836022" cy="582286"/>
+          </a:xfrm>
+          <a:prstGeom prst="rightArrow">
+            <a:avLst/>
+          </a:prstGeom>
+        </p:spPr>
+        <p:style>
+          <a:lnRef idx="2">
+            <a:schemeClr val="accent1">
+              <a:shade val="50000"/>
+            </a:schemeClr>
+          </a:lnRef>
+          <a:fillRef idx="1">
+            <a:schemeClr val="accent1"/>
+          </a:fillRef>
+          <a:effectRef idx="0">
+            <a:schemeClr val="accent1"/>
+          </a:effectRef>
+          <a:fontRef idx="minor">
+            <a:schemeClr val="lt1"/>
+          </a:fontRef>
+        </p:style>
+        <p:txBody>
+          <a:bodyPr rtlCol="0" anchor="ctr"/>
+          <a:lstStyle/>
+          <a:p>
+            <a:pPr algn="ctr"/>
+            <a:endParaRPr lang="en-IN"/>
+          </a:p>
+        </p:txBody>
+      </p:sp>
+    </p:spTree>
+    <p:extLst>
+      <p:ext uri="{BB962C8B-B14F-4D97-AF65-F5344CB8AC3E}">
+        <p14:creationId xmlns:p14="http://schemas.microsoft.com/office/powerpoint/2010/main" val="2668615337"/>
+      </p:ext>
+    </p:extLst>
+  </p:cSld>
+  <p:clrMapOvr>
+    <a:masterClrMapping/>
+  </p:clrMapOvr>
+  <p:timing>
+    <p:tnLst>
+      <p:par>
+        <p:cTn id="1" dur="indefinite" restart="never" nodeType="tmRoot"/>
+      </p:par>
+    </p:tnLst>
+  </p:timing>
+</p:sld>
+</file>
+
+<file path=ppt/slides/slide21.xml><?xml version="1.0" encoding="utf-8"?>
+<p:sld xmlns:a="http://schemas.openxmlformats.org/drawingml/2006/main" xmlns:r="http://schemas.openxmlformats.org/officeDocument/2006/relationships" xmlns:p="http://schemas.openxmlformats.org/presentationml/2006/main">
+  <p:cSld>
+    <p:spTree>
+      <p:nvGrpSpPr>
+        <p:cNvPr id="1" name=""/>
+        <p:cNvGrpSpPr/>
+        <p:nvPr/>
+      </p:nvGrpSpPr>
+      <p:grpSpPr>
+        <a:xfrm>
+          <a:off x="0" y="0"/>
+          <a:ext cx="0" cy="0"/>
+          <a:chOff x="0" y="0"/>
+          <a:chExt cx="0" cy="0"/>
+        </a:xfrm>
+      </p:grpSpPr>
+      <p:sp>
+        <p:nvSpPr>
+          <p:cNvPr id="2" name="Title 1"/>
+          <p:cNvSpPr>
+            <a:spLocks noGrp="1"/>
+          </p:cNvSpPr>
+          <p:nvPr>
+            <p:ph type="title"/>
+          </p:nvPr>
+        </p:nvSpPr>
+        <p:spPr>
+          <a:xfrm>
+            <a:off x="3796146" y="293541"/>
+            <a:ext cx="3976214" cy="473170"/>
+          </a:xfrm>
+        </p:spPr>
+        <p:txBody>
+          <a:bodyPr>
+            <a:noAutofit/>
+          </a:bodyPr>
+          <a:lstStyle/>
+          <a:p>
+            <a:r>
+              <a:rPr lang="en-US" b="1" dirty="0" smtClean="0">
+                <a:latin typeface="Calibri" panose="020F0502020204030204" pitchFamily="34" charset="0"/>
+                <a:ea typeface="Calibri" panose="020F0502020204030204" pitchFamily="34" charset="0"/>
+                <a:cs typeface="Calibri" panose="020F0502020204030204" pitchFamily="34" charset="0"/>
+              </a:rPr>
+              <a:t>Loan Sub-Grade</a:t>
+            </a:r>
+            <a:endParaRPr lang="en-IN" b="1" dirty="0">
+              <a:latin typeface="Calibri" panose="020F0502020204030204" pitchFamily="34" charset="0"/>
+              <a:ea typeface="Calibri" panose="020F0502020204030204" pitchFamily="34" charset="0"/>
+              <a:cs typeface="Calibri" panose="020F0502020204030204" pitchFamily="34" charset="0"/>
+            </a:endParaRPr>
+          </a:p>
+        </p:txBody>
+      </p:sp>
+      <p:pic>
+        <p:nvPicPr>
+          <p:cNvPr id="4" name="Content Placeholder 3"/>
+          <p:cNvPicPr>
+            <a:picLocks noGrp="1" noChangeAspect="1"/>
+          </p:cNvPicPr>
+          <p:nvPr>
+            <p:ph idx="1"/>
+          </p:nvPr>
+        </p:nvPicPr>
+        <p:blipFill>
+          <a:blip r:embed="rId2"/>
+          <a:stretch>
+            <a:fillRect/>
+          </a:stretch>
+        </p:blipFill>
+        <p:spPr>
+          <a:xfrm>
+            <a:off x="5431683" y="1510570"/>
+            <a:ext cx="6573167" cy="4006282"/>
+          </a:xfrm>
+          <a:prstGeom prst="rect">
+            <a:avLst/>
+          </a:prstGeom>
+        </p:spPr>
+      </p:pic>
+      <p:pic>
+        <p:nvPicPr>
+          <p:cNvPr id="5" name="Picture 4"/>
+          <p:cNvPicPr>
+            <a:picLocks noChangeAspect="1"/>
+          </p:cNvPicPr>
+          <p:nvPr/>
+        </p:nvPicPr>
+        <p:blipFill rotWithShape="1">
+          <a:blip r:embed="rId3"/>
+          <a:srcRect t="7548" b="6604"/>
+          <a:stretch/>
+        </p:blipFill>
+        <p:spPr>
+          <a:xfrm>
+            <a:off x="397426" y="2133600"/>
+            <a:ext cx="3910238" cy="2521527"/>
+          </a:xfrm>
+          <a:prstGeom prst="rect">
+            <a:avLst/>
+          </a:prstGeom>
+        </p:spPr>
+      </p:pic>
+      <p:sp>
+        <p:nvSpPr>
+          <p:cNvPr id="6" name="Right Arrow 5"/>
+          <p:cNvSpPr/>
+          <p:nvPr/>
+        </p:nvSpPr>
+        <p:spPr>
+          <a:xfrm>
+            <a:off x="4307664" y="3148149"/>
+            <a:ext cx="1192391" cy="731124"/>
+          </a:xfrm>
+          <a:prstGeom prst="rightArrow">
+            <a:avLst/>
+          </a:prstGeom>
+        </p:spPr>
+        <p:style>
+          <a:lnRef idx="2">
+            <a:schemeClr val="accent1">
+              <a:shade val="50000"/>
+            </a:schemeClr>
+          </a:lnRef>
+          <a:fillRef idx="1">
+            <a:schemeClr val="accent1"/>
+          </a:fillRef>
+          <a:effectRef idx="0">
+            <a:schemeClr val="accent1"/>
+          </a:effectRef>
+          <a:fontRef idx="minor">
+            <a:schemeClr val="lt1"/>
+          </a:fontRef>
+        </p:style>
+        <p:txBody>
+          <a:bodyPr rtlCol="0" anchor="ctr"/>
+          <a:lstStyle/>
+          <a:p>
+            <a:pPr algn="ctr"/>
+            <a:endParaRPr lang="en-IN"/>
+          </a:p>
+        </p:txBody>
+      </p:sp>
+    </p:spTree>
+    <p:extLst>
+      <p:ext uri="{BB962C8B-B14F-4D97-AF65-F5344CB8AC3E}">
+        <p14:creationId xmlns:p14="http://schemas.microsoft.com/office/powerpoint/2010/main" val="2925160875"/>
+      </p:ext>
+    </p:extLst>
+  </p:cSld>
+  <p:clrMapOvr>
+    <a:masterClrMapping/>
+  </p:clrMapOvr>
+  <p:timing>
+    <p:tnLst>
+      <p:par>
+        <p:cTn id="1" dur="indefinite" restart="never" nodeType="tmRoot"/>
+      </p:par>
+    </p:tnLst>
+  </p:timing>
+</p:sld>
+</file>
+
+<file path=ppt/slides/slide22.xml><?xml version="1.0" encoding="utf-8"?>
+<p:sld xmlns:a="http://schemas.openxmlformats.org/drawingml/2006/main" xmlns:r="http://schemas.openxmlformats.org/officeDocument/2006/relationships" xmlns:p="http://schemas.openxmlformats.org/presentationml/2006/main">
+  <p:cSld>
+    <p:spTree>
+      <p:nvGrpSpPr>
+        <p:cNvPr id="1" name=""/>
+        <p:cNvGrpSpPr/>
+        <p:nvPr/>
+      </p:nvGrpSpPr>
+      <p:grpSpPr>
+        <a:xfrm>
+          <a:off x="0" y="0"/>
+          <a:ext cx="0" cy="0"/>
+          <a:chOff x="0" y="0"/>
+          <a:chExt cx="0" cy="0"/>
+        </a:xfrm>
+      </p:grpSpPr>
+      <p:sp>
+        <p:nvSpPr>
+          <p:cNvPr id="2" name="Title 1"/>
+          <p:cNvSpPr>
+            <a:spLocks noGrp="1"/>
+          </p:cNvSpPr>
+          <p:nvPr>
+            <p:ph type="title"/>
+          </p:nvPr>
+        </p:nvSpPr>
+        <p:spPr>
+          <a:xfrm>
+            <a:off x="2889784" y="271517"/>
+            <a:ext cx="5857555" cy="538484"/>
+          </a:xfrm>
+        </p:spPr>
+        <p:txBody>
+          <a:bodyPr>
+            <a:noAutofit/>
+          </a:bodyPr>
+          <a:lstStyle/>
+          <a:p>
+            <a:r>
+              <a:rPr lang="en-US" b="1" dirty="0">
+                <a:latin typeface="Calibri" panose="020F0502020204030204" pitchFamily="34" charset="0"/>
+                <a:ea typeface="Calibri" panose="020F0502020204030204" pitchFamily="34" charset="0"/>
+                <a:cs typeface="Calibri" panose="020F0502020204030204" pitchFamily="34" charset="0"/>
+              </a:rPr>
+              <a:t>Analysis of Loan Interest Rate</a:t>
+            </a:r>
+            <a:br>
+              <a:rPr lang="en-US" b="1" dirty="0">
+                <a:latin typeface="Calibri" panose="020F0502020204030204" pitchFamily="34" charset="0"/>
+                <a:ea typeface="Calibri" panose="020F0502020204030204" pitchFamily="34" charset="0"/>
+                <a:cs typeface="Calibri" panose="020F0502020204030204" pitchFamily="34" charset="0"/>
+              </a:rPr>
+            </a:br>
+            <a:endParaRPr lang="en-IN" dirty="0">
+              <a:latin typeface="Calibri" panose="020F0502020204030204" pitchFamily="34" charset="0"/>
+              <a:ea typeface="Calibri" panose="020F0502020204030204" pitchFamily="34" charset="0"/>
+              <a:cs typeface="Calibri" panose="020F0502020204030204" pitchFamily="34" charset="0"/>
+            </a:endParaRPr>
+          </a:p>
+        </p:txBody>
+      </p:sp>
+      <p:pic>
+        <p:nvPicPr>
+          <p:cNvPr id="4" name="Content Placeholder 3"/>
+          <p:cNvPicPr>
+            <a:picLocks noGrp="1" noChangeAspect="1"/>
+          </p:cNvPicPr>
+          <p:nvPr>
+            <p:ph idx="1"/>
+          </p:nvPr>
+        </p:nvPicPr>
+        <p:blipFill>
+          <a:blip r:embed="rId2"/>
+          <a:stretch>
+            <a:fillRect/>
+          </a:stretch>
+        </p:blipFill>
+        <p:spPr>
+          <a:xfrm>
+            <a:off x="5818561" y="1853231"/>
+            <a:ext cx="5957073" cy="3419952"/>
+          </a:xfrm>
+          <a:prstGeom prst="rect">
+            <a:avLst/>
+          </a:prstGeom>
+        </p:spPr>
+      </p:pic>
+      <p:sp>
+        <p:nvSpPr>
+          <p:cNvPr id="6" name="Right Arrow 5"/>
+          <p:cNvSpPr/>
+          <p:nvPr/>
+        </p:nvSpPr>
+        <p:spPr>
+          <a:xfrm>
+            <a:off x="4696344" y="3075932"/>
+            <a:ext cx="1122217" cy="761778"/>
+          </a:xfrm>
+          <a:prstGeom prst="rightArrow">
+            <a:avLst/>
+          </a:prstGeom>
+        </p:spPr>
+        <p:style>
+          <a:lnRef idx="2">
+            <a:schemeClr val="accent1">
+              <a:shade val="50000"/>
+            </a:schemeClr>
+          </a:lnRef>
+          <a:fillRef idx="1">
+            <a:schemeClr val="accent1"/>
+          </a:fillRef>
+          <a:effectRef idx="0">
+            <a:schemeClr val="accent1"/>
+          </a:effectRef>
+          <a:fontRef idx="minor">
+            <a:schemeClr val="lt1"/>
+          </a:fontRef>
+        </p:style>
+        <p:txBody>
+          <a:bodyPr rtlCol="0" anchor="ctr"/>
+          <a:lstStyle/>
+          <a:p>
+            <a:pPr algn="ctr"/>
+            <a:endParaRPr lang="en-IN"/>
+          </a:p>
+        </p:txBody>
+      </p:sp>
+      <p:pic>
+        <p:nvPicPr>
+          <p:cNvPr id="7" name="Picture 6"/>
+          <p:cNvPicPr>
+            <a:picLocks noChangeAspect="1"/>
+          </p:cNvPicPr>
+          <p:nvPr/>
+        </p:nvPicPr>
+        <p:blipFill>
+          <a:blip r:embed="rId3"/>
+          <a:stretch>
+            <a:fillRect/>
+          </a:stretch>
+        </p:blipFill>
+        <p:spPr>
+          <a:xfrm>
+            <a:off x="582322" y="2180945"/>
+            <a:ext cx="4114022" cy="2764523"/>
+          </a:xfrm>
+          <a:prstGeom prst="rect">
+            <a:avLst/>
+          </a:prstGeom>
+        </p:spPr>
+      </p:pic>
+    </p:spTree>
+    <p:extLst>
+      <p:ext uri="{BB962C8B-B14F-4D97-AF65-F5344CB8AC3E}">
+        <p14:creationId xmlns:p14="http://schemas.microsoft.com/office/powerpoint/2010/main" val="2633222893"/>
+      </p:ext>
+    </p:extLst>
+  </p:cSld>
+  <p:clrMapOvr>
+    <a:masterClrMapping/>
+  </p:clrMapOvr>
+  <p:timing>
+    <p:tnLst>
+      <p:par>
+        <p:cTn id="1" dur="indefinite" restart="never" nodeType="tmRoot"/>
+      </p:par>
+    </p:tnLst>
+  </p:timing>
+</p:sld>
+</file>
+
+<file path=ppt/slides/slide23.xml><?xml version="1.0" encoding="utf-8"?>
+<p:sld xmlns:a="http://schemas.openxmlformats.org/drawingml/2006/main" xmlns:r="http://schemas.openxmlformats.org/officeDocument/2006/relationships" xmlns:p="http://schemas.openxmlformats.org/presentationml/2006/main">
+  <p:cSld>
+    <p:spTree>
+      <p:nvGrpSpPr>
+        <p:cNvPr id="1" name=""/>
+        <p:cNvGrpSpPr/>
+        <p:nvPr/>
+      </p:nvGrpSpPr>
+      <p:grpSpPr>
+        <a:xfrm>
+          <a:off x="0" y="0"/>
+          <a:ext cx="0" cy="0"/>
+          <a:chOff x="0" y="0"/>
+          <a:chExt cx="0" cy="0"/>
+        </a:xfrm>
+      </p:grpSpPr>
+      <p:sp>
+        <p:nvSpPr>
+          <p:cNvPr id="2" name="Title 1"/>
+          <p:cNvSpPr>
+            <a:spLocks noGrp="1"/>
+          </p:cNvSpPr>
+          <p:nvPr>
+            <p:ph type="title"/>
+          </p:nvPr>
+        </p:nvSpPr>
+        <p:spPr>
+          <a:xfrm>
+            <a:off x="2923569" y="195493"/>
+            <a:ext cx="6355132" cy="616861"/>
+          </a:xfrm>
+        </p:spPr>
+        <p:txBody>
+          <a:bodyPr>
+            <a:noAutofit/>
+          </a:bodyPr>
+          <a:lstStyle/>
+          <a:p>
+            <a:r>
+              <a:rPr lang="en-IN" b="1" dirty="0">
+                <a:latin typeface="Calibri" panose="020F0502020204030204" pitchFamily="34" charset="0"/>
+                <a:ea typeface="Calibri" panose="020F0502020204030204" pitchFamily="34" charset="0"/>
+                <a:cs typeface="Calibri" panose="020F0502020204030204" pitchFamily="34" charset="0"/>
+              </a:rPr>
+              <a:t>Analysis of Employment </a:t>
+            </a:r>
+            <a:r>
+              <a:rPr lang="en-IN" b="1" dirty="0" smtClean="0">
+                <a:latin typeface="Calibri" panose="020F0502020204030204" pitchFamily="34" charset="0"/>
+                <a:ea typeface="Calibri" panose="020F0502020204030204" pitchFamily="34" charset="0"/>
+                <a:cs typeface="Calibri" panose="020F0502020204030204" pitchFamily="34" charset="0"/>
+              </a:rPr>
+              <a:t>Length</a:t>
+            </a:r>
+            <a:r>
+              <a:rPr lang="en-IN" b="1" dirty="0">
+                <a:latin typeface="Calibri" panose="020F0502020204030204" pitchFamily="34" charset="0"/>
+                <a:ea typeface="Calibri" panose="020F0502020204030204" pitchFamily="34" charset="0"/>
+                <a:cs typeface="Calibri" panose="020F0502020204030204" pitchFamily="34" charset="0"/>
+              </a:rPr>
+              <a:t/>
+            </a:r>
+            <a:br>
+              <a:rPr lang="en-IN" b="1" dirty="0">
+                <a:latin typeface="Calibri" panose="020F0502020204030204" pitchFamily="34" charset="0"/>
+                <a:ea typeface="Calibri" panose="020F0502020204030204" pitchFamily="34" charset="0"/>
+                <a:cs typeface="Calibri" panose="020F0502020204030204" pitchFamily="34" charset="0"/>
+              </a:rPr>
+            </a:br>
+            <a:endParaRPr lang="en-IN" dirty="0">
+              <a:latin typeface="Calibri" panose="020F0502020204030204" pitchFamily="34" charset="0"/>
+              <a:ea typeface="Calibri" panose="020F0502020204030204" pitchFamily="34" charset="0"/>
+              <a:cs typeface="Calibri" panose="020F0502020204030204" pitchFamily="34" charset="0"/>
+            </a:endParaRPr>
+          </a:p>
+        </p:txBody>
+      </p:sp>
+      <p:sp>
+        <p:nvSpPr>
+          <p:cNvPr id="6" name="Right Arrow 5"/>
+          <p:cNvSpPr/>
+          <p:nvPr/>
+        </p:nvSpPr>
+        <p:spPr>
+          <a:xfrm>
+            <a:off x="4724400" y="3101834"/>
+            <a:ext cx="900545" cy="638893"/>
+          </a:xfrm>
+          <a:prstGeom prst="rightArrow">
+            <a:avLst/>
+          </a:prstGeom>
+        </p:spPr>
+        <p:style>
+          <a:lnRef idx="2">
+            <a:schemeClr val="accent1">
+              <a:shade val="50000"/>
+            </a:schemeClr>
+          </a:lnRef>
+          <a:fillRef idx="1">
+            <a:schemeClr val="accent1"/>
+          </a:fillRef>
+          <a:effectRef idx="0">
+            <a:schemeClr val="accent1"/>
+          </a:effectRef>
+          <a:fontRef idx="minor">
+            <a:schemeClr val="lt1"/>
+          </a:fontRef>
+        </p:style>
+        <p:txBody>
+          <a:bodyPr rtlCol="0" anchor="ctr"/>
+          <a:lstStyle/>
+          <a:p>
+            <a:pPr algn="ctr"/>
+            <a:endParaRPr lang="en-IN"/>
+          </a:p>
+        </p:txBody>
+      </p:sp>
+      <p:sp>
+        <p:nvSpPr>
+          <p:cNvPr id="7" name="TextBox 6"/>
+          <p:cNvSpPr txBox="1"/>
+          <p:nvPr/>
+        </p:nvSpPr>
+        <p:spPr>
+          <a:xfrm>
+            <a:off x="1435074" y="5430042"/>
+            <a:ext cx="9945445" cy="1200329"/>
+          </a:xfrm>
+          <a:prstGeom prst="rect">
+            <a:avLst/>
+          </a:prstGeom>
+          <a:noFill/>
+        </p:spPr>
+        <p:txBody>
+          <a:bodyPr wrap="square" rtlCol="0">
+            <a:spAutoFit/>
+          </a:bodyPr>
+          <a:lstStyle/>
+          <a:p>
+            <a:r>
+              <a:rPr lang="en-IN" sz="2400" b="1" dirty="0">
+                <a:latin typeface="Calibri" panose="020F0502020204030204" pitchFamily="34" charset="0"/>
+                <a:ea typeface="Calibri" panose="020F0502020204030204" pitchFamily="34" charset="0"/>
+                <a:cs typeface="Calibri" panose="020F0502020204030204" pitchFamily="34" charset="0"/>
+              </a:rPr>
+              <a:t>Analysis of Employment </a:t>
+            </a:r>
+            <a:r>
+              <a:rPr lang="en-IN" sz="2400" b="1" dirty="0" smtClean="0">
+                <a:latin typeface="Calibri" panose="020F0502020204030204" pitchFamily="34" charset="0"/>
+                <a:ea typeface="Calibri" panose="020F0502020204030204" pitchFamily="34" charset="0"/>
+                <a:cs typeface="Calibri" panose="020F0502020204030204" pitchFamily="34" charset="0"/>
+              </a:rPr>
+              <a:t>Length </a:t>
+            </a:r>
+            <a:r>
+              <a:rPr lang="en-IN" sz="2400" b="1" dirty="0">
+                <a:latin typeface="Calibri" panose="020F0502020204030204" pitchFamily="34" charset="0"/>
+                <a:ea typeface="Calibri" panose="020F0502020204030204" pitchFamily="34" charset="0"/>
+                <a:cs typeface="Calibri" panose="020F0502020204030204" pitchFamily="34" charset="0"/>
+              </a:rPr>
+              <a:t>shows that People are mostly belongs to 10 years of employment. It shows that these people are most capable to take loans.</a:t>
+            </a:r>
+          </a:p>
+        </p:txBody>
+      </p:sp>
+      <p:pic>
+        <p:nvPicPr>
+          <p:cNvPr id="8" name="Picture 7"/>
+          <p:cNvPicPr>
+            <a:picLocks noChangeAspect="1"/>
+          </p:cNvPicPr>
+          <p:nvPr/>
+        </p:nvPicPr>
+        <p:blipFill>
+          <a:blip r:embed="rId2"/>
+          <a:stretch>
+            <a:fillRect/>
+          </a:stretch>
+        </p:blipFill>
+        <p:spPr>
+          <a:xfrm>
+            <a:off x="970214" y="1956254"/>
+            <a:ext cx="3754186" cy="2707812"/>
+          </a:xfrm>
+          <a:prstGeom prst="rect">
+            <a:avLst/>
+          </a:prstGeom>
+        </p:spPr>
+      </p:pic>
+      <p:pic>
+        <p:nvPicPr>
+          <p:cNvPr id="10" name="Content Placeholder 3"/>
+          <p:cNvPicPr>
+            <a:picLocks noChangeAspect="1"/>
+          </p:cNvPicPr>
+          <p:nvPr/>
+        </p:nvPicPr>
+        <p:blipFill>
+          <a:blip r:embed="rId3"/>
+          <a:stretch>
+            <a:fillRect/>
+          </a:stretch>
+        </p:blipFill>
+        <p:spPr>
+          <a:xfrm>
+            <a:off x="5624945" y="1514447"/>
+            <a:ext cx="6318420" cy="3591426"/>
+          </a:xfrm>
+          <a:prstGeom prst="rect">
+            <a:avLst/>
+          </a:prstGeom>
+        </p:spPr>
+      </p:pic>
+    </p:spTree>
+    <p:extLst>
+      <p:ext uri="{BB962C8B-B14F-4D97-AF65-F5344CB8AC3E}">
+        <p14:creationId xmlns:p14="http://schemas.microsoft.com/office/powerpoint/2010/main" val="2686479074"/>
+      </p:ext>
+    </p:extLst>
+  </p:cSld>
+  <p:clrMapOvr>
+    <a:masterClrMapping/>
+  </p:clrMapOvr>
+  <p:timing>
+    <p:tnLst>
+      <p:par>
+        <p:cTn id="1" dur="indefinite" restart="never" nodeType="tmRoot"/>
+      </p:par>
+    </p:tnLst>
+  </p:timing>
+</p:sld>
+</file>
+
+<file path=ppt/slides/slide24.xml><?xml version="1.0" encoding="utf-8"?>
+<p:sld xmlns:a="http://schemas.openxmlformats.org/drawingml/2006/main" xmlns:r="http://schemas.openxmlformats.org/officeDocument/2006/relationships" xmlns:p="http://schemas.openxmlformats.org/presentationml/2006/main">
+  <p:cSld>
+    <p:spTree>
+      <p:nvGrpSpPr>
+        <p:cNvPr id="1" name=""/>
+        <p:cNvGrpSpPr/>
+        <p:nvPr/>
+      </p:nvGrpSpPr>
+      <p:grpSpPr>
+        <a:xfrm>
+          <a:off x="0" y="0"/>
+          <a:ext cx="0" cy="0"/>
+          <a:chOff x="0" y="0"/>
+          <a:chExt cx="0" cy="0"/>
+        </a:xfrm>
+      </p:grpSpPr>
+      <p:sp>
+        <p:nvSpPr>
+          <p:cNvPr id="2" name="Title 1"/>
+          <p:cNvSpPr>
+            <a:spLocks noGrp="1"/>
+          </p:cNvSpPr>
+          <p:nvPr>
+            <p:ph type="title"/>
+          </p:nvPr>
+        </p:nvSpPr>
+        <p:spPr>
+          <a:xfrm>
+            <a:off x="2757055" y="400106"/>
+            <a:ext cx="5874327" cy="607178"/>
+          </a:xfrm>
+        </p:spPr>
+        <p:txBody>
+          <a:bodyPr>
+            <a:noAutofit/>
+          </a:bodyPr>
+          <a:lstStyle/>
+          <a:p>
+            <a:r>
+              <a:rPr lang="en-IN" b="1" dirty="0">
+                <a:latin typeface="Calibri" panose="020F0502020204030204" pitchFamily="34" charset="0"/>
+                <a:ea typeface="Calibri" panose="020F0502020204030204" pitchFamily="34" charset="0"/>
+                <a:cs typeface="Calibri" panose="020F0502020204030204" pitchFamily="34" charset="0"/>
+              </a:rPr>
+              <a:t>Analysis of Annual Income</a:t>
+            </a:r>
+            <a:br>
+              <a:rPr lang="en-IN" b="1" dirty="0">
+                <a:latin typeface="Calibri" panose="020F0502020204030204" pitchFamily="34" charset="0"/>
+                <a:ea typeface="Calibri" panose="020F0502020204030204" pitchFamily="34" charset="0"/>
+                <a:cs typeface="Calibri" panose="020F0502020204030204" pitchFamily="34" charset="0"/>
+              </a:rPr>
+            </a:br>
+            <a:endParaRPr lang="en-IN" dirty="0">
+              <a:latin typeface="Calibri" panose="020F0502020204030204" pitchFamily="34" charset="0"/>
+              <a:ea typeface="Calibri" panose="020F0502020204030204" pitchFamily="34" charset="0"/>
+              <a:cs typeface="Calibri" panose="020F0502020204030204" pitchFamily="34" charset="0"/>
+            </a:endParaRPr>
+          </a:p>
+        </p:txBody>
+      </p:sp>
+      <p:pic>
+        <p:nvPicPr>
+          <p:cNvPr id="6" name="Picture 5"/>
+          <p:cNvPicPr>
+            <a:picLocks noChangeAspect="1"/>
+          </p:cNvPicPr>
+          <p:nvPr/>
+        </p:nvPicPr>
+        <p:blipFill>
+          <a:blip r:embed="rId2"/>
+          <a:stretch>
+            <a:fillRect/>
+          </a:stretch>
+        </p:blipFill>
+        <p:spPr>
+          <a:xfrm>
+            <a:off x="5959247" y="1573407"/>
+            <a:ext cx="6016219" cy="3439005"/>
+          </a:xfrm>
+          <a:prstGeom prst="rect">
+            <a:avLst/>
+          </a:prstGeom>
+        </p:spPr>
+      </p:pic>
+      <p:sp>
+        <p:nvSpPr>
+          <p:cNvPr id="7" name="Right Arrow 6"/>
+          <p:cNvSpPr/>
+          <p:nvPr/>
+        </p:nvSpPr>
+        <p:spPr>
+          <a:xfrm>
+            <a:off x="5100267" y="2966156"/>
+            <a:ext cx="858980" cy="653509"/>
+          </a:xfrm>
+          <a:prstGeom prst="rightArrow">
+            <a:avLst/>
+          </a:prstGeom>
+        </p:spPr>
+        <p:style>
+          <a:lnRef idx="2">
+            <a:schemeClr val="accent1">
+              <a:shade val="50000"/>
+            </a:schemeClr>
+          </a:lnRef>
+          <a:fillRef idx="1">
+            <a:schemeClr val="accent1"/>
+          </a:fillRef>
+          <a:effectRef idx="0">
+            <a:schemeClr val="accent1"/>
+          </a:effectRef>
+          <a:fontRef idx="minor">
+            <a:schemeClr val="lt1"/>
+          </a:fontRef>
+        </p:style>
+        <p:txBody>
+          <a:bodyPr rtlCol="0" anchor="ctr"/>
+          <a:lstStyle/>
+          <a:p>
+            <a:pPr algn="ctr"/>
+            <a:endParaRPr lang="en-IN"/>
+          </a:p>
+        </p:txBody>
+      </p:sp>
+      <p:sp>
+        <p:nvSpPr>
+          <p:cNvPr id="8" name="TextBox 7"/>
+          <p:cNvSpPr txBox="1"/>
+          <p:nvPr/>
+        </p:nvSpPr>
+        <p:spPr>
+          <a:xfrm>
+            <a:off x="1311828" y="5508810"/>
+            <a:ext cx="10084525" cy="830997"/>
+          </a:xfrm>
+          <a:prstGeom prst="rect">
+            <a:avLst/>
+          </a:prstGeom>
+          <a:noFill/>
+        </p:spPr>
+        <p:txBody>
+          <a:bodyPr wrap="square" rtlCol="0">
+            <a:spAutoFit/>
+          </a:bodyPr>
+          <a:lstStyle/>
+          <a:p>
+            <a:r>
+              <a:rPr lang="en-US" sz="2400" b="1" dirty="0">
+                <a:latin typeface="Calibri" panose="020F0502020204030204" pitchFamily="34" charset="0"/>
+                <a:ea typeface="Calibri" panose="020F0502020204030204" pitchFamily="34" charset="0"/>
+                <a:cs typeface="Calibri" panose="020F0502020204030204" pitchFamily="34" charset="0"/>
+              </a:rPr>
+              <a:t>Analysis of Annual Income shows that loans are taken by mostly lower income group people. It is showing left skew distribution in the graph.</a:t>
+            </a:r>
+          </a:p>
+        </p:txBody>
+      </p:sp>
+      <p:pic>
+        <p:nvPicPr>
+          <p:cNvPr id="10" name="Picture 9"/>
+          <p:cNvPicPr>
+            <a:picLocks noChangeAspect="1"/>
+          </p:cNvPicPr>
+          <p:nvPr/>
+        </p:nvPicPr>
+        <p:blipFill>
+          <a:blip r:embed="rId3"/>
+          <a:stretch>
+            <a:fillRect/>
+          </a:stretch>
+        </p:blipFill>
+        <p:spPr>
+          <a:xfrm>
+            <a:off x="1051163" y="2054259"/>
+            <a:ext cx="4049104" cy="2477302"/>
+          </a:xfrm>
+          <a:prstGeom prst="rect">
+            <a:avLst/>
+          </a:prstGeom>
+        </p:spPr>
+      </p:pic>
+    </p:spTree>
+    <p:extLst>
+      <p:ext uri="{BB962C8B-B14F-4D97-AF65-F5344CB8AC3E}">
+        <p14:creationId xmlns:p14="http://schemas.microsoft.com/office/powerpoint/2010/main" val="4050868273"/>
+      </p:ext>
+    </p:extLst>
+  </p:cSld>
+  <p:clrMapOvr>
+    <a:masterClrMapping/>
+  </p:clrMapOvr>
+  <p:timing>
+    <p:tnLst>
+      <p:par>
+        <p:cTn id="1" dur="indefinite" restart="never" nodeType="tmRoot"/>
+      </p:par>
+    </p:tnLst>
+  </p:timing>
+</p:sld>
+</file>
+
+<file path=ppt/slides/slide25.xml><?xml version="1.0" encoding="utf-8"?>
+<p:sld xmlns:a="http://schemas.openxmlformats.org/drawingml/2006/main" xmlns:r="http://schemas.openxmlformats.org/officeDocument/2006/relationships" xmlns:p="http://schemas.openxmlformats.org/presentationml/2006/main">
+  <p:cSld>
+    <p:spTree>
+      <p:nvGrpSpPr>
+        <p:cNvPr id="1" name=""/>
+        <p:cNvGrpSpPr/>
+        <p:nvPr/>
+      </p:nvGrpSpPr>
+      <p:grpSpPr>
+        <a:xfrm>
+          <a:off x="0" y="0"/>
+          <a:ext cx="0" cy="0"/>
+          <a:chOff x="0" y="0"/>
+          <a:chExt cx="0" cy="0"/>
+        </a:xfrm>
+      </p:grpSpPr>
+      <p:sp>
+        <p:nvSpPr>
+          <p:cNvPr id="2" name="Title 1"/>
+          <p:cNvSpPr>
+            <a:spLocks noGrp="1"/>
+          </p:cNvSpPr>
+          <p:nvPr>
+            <p:ph type="title"/>
+          </p:nvPr>
+        </p:nvSpPr>
+        <p:spPr>
+          <a:xfrm>
+            <a:off x="3319299" y="380801"/>
+            <a:ext cx="6184919" cy="952447"/>
+          </a:xfrm>
+        </p:spPr>
+        <p:txBody>
+          <a:bodyPr>
+            <a:noAutofit/>
+          </a:bodyPr>
+          <a:lstStyle/>
+          <a:p>
+            <a:r>
+              <a:rPr lang="en-IN" b="1" dirty="0">
+                <a:latin typeface="Calibri" panose="020F0502020204030204" pitchFamily="34" charset="0"/>
+                <a:ea typeface="Calibri" panose="020F0502020204030204" pitchFamily="34" charset="0"/>
+                <a:cs typeface="Calibri" panose="020F0502020204030204" pitchFamily="34" charset="0"/>
+              </a:rPr>
+              <a:t>Analysis of Home Ownership</a:t>
+            </a:r>
+            <a:br>
+              <a:rPr lang="en-IN" b="1" dirty="0">
+                <a:latin typeface="Calibri" panose="020F0502020204030204" pitchFamily="34" charset="0"/>
+                <a:ea typeface="Calibri" panose="020F0502020204030204" pitchFamily="34" charset="0"/>
+                <a:cs typeface="Calibri" panose="020F0502020204030204" pitchFamily="34" charset="0"/>
+              </a:rPr>
+            </a:br>
+            <a:endParaRPr lang="en-IN" dirty="0">
+              <a:latin typeface="Calibri" panose="020F0502020204030204" pitchFamily="34" charset="0"/>
+              <a:ea typeface="Calibri" panose="020F0502020204030204" pitchFamily="34" charset="0"/>
+              <a:cs typeface="Calibri" panose="020F0502020204030204" pitchFamily="34" charset="0"/>
+            </a:endParaRPr>
+          </a:p>
+        </p:txBody>
+      </p:sp>
+      <p:pic>
+        <p:nvPicPr>
+          <p:cNvPr id="5" name="Picture 4"/>
+          <p:cNvPicPr>
+            <a:picLocks noChangeAspect="1"/>
+          </p:cNvPicPr>
+          <p:nvPr/>
+        </p:nvPicPr>
+        <p:blipFill>
+          <a:blip r:embed="rId2"/>
+          <a:stretch>
+            <a:fillRect/>
+          </a:stretch>
+        </p:blipFill>
+        <p:spPr>
+          <a:xfrm>
+            <a:off x="5818909" y="1495079"/>
+            <a:ext cx="6174597" cy="3610479"/>
+          </a:xfrm>
+          <a:prstGeom prst="rect">
+            <a:avLst/>
+          </a:prstGeom>
+        </p:spPr>
+      </p:pic>
+      <p:sp>
+        <p:nvSpPr>
+          <p:cNvPr id="6" name="Right Arrow 5"/>
+          <p:cNvSpPr/>
+          <p:nvPr/>
+        </p:nvSpPr>
+        <p:spPr>
+          <a:xfrm>
+            <a:off x="4767446" y="2921011"/>
+            <a:ext cx="1051463" cy="758613"/>
+          </a:xfrm>
+          <a:prstGeom prst="rightArrow">
+            <a:avLst/>
+          </a:prstGeom>
+        </p:spPr>
+        <p:style>
+          <a:lnRef idx="2">
+            <a:schemeClr val="accent1">
+              <a:shade val="50000"/>
+            </a:schemeClr>
+          </a:lnRef>
+          <a:fillRef idx="1">
+            <a:schemeClr val="accent1"/>
+          </a:fillRef>
+          <a:effectRef idx="0">
+            <a:schemeClr val="accent1"/>
+          </a:effectRef>
+          <a:fontRef idx="minor">
+            <a:schemeClr val="lt1"/>
+          </a:fontRef>
+        </p:style>
+        <p:txBody>
+          <a:bodyPr rtlCol="0" anchor="ctr"/>
+          <a:lstStyle/>
+          <a:p>
+            <a:pPr algn="ctr"/>
+            <a:endParaRPr lang="en-IN"/>
+          </a:p>
+        </p:txBody>
+      </p:sp>
+      <p:sp>
+        <p:nvSpPr>
+          <p:cNvPr id="7" name="TextBox 6"/>
+          <p:cNvSpPr txBox="1"/>
+          <p:nvPr/>
+        </p:nvSpPr>
+        <p:spPr>
+          <a:xfrm>
+            <a:off x="1558906" y="5492992"/>
+            <a:ext cx="9705703" cy="1200329"/>
+          </a:xfrm>
+          <a:prstGeom prst="rect">
+            <a:avLst/>
+          </a:prstGeom>
+          <a:noFill/>
+        </p:spPr>
+        <p:txBody>
+          <a:bodyPr wrap="square" rtlCol="0">
+            <a:spAutoFit/>
+          </a:bodyPr>
+          <a:lstStyle/>
+          <a:p>
+            <a:r>
+              <a:rPr lang="en-IN" sz="2400" b="1" dirty="0">
+                <a:latin typeface="Calibri" panose="020F0502020204030204" pitchFamily="34" charset="0"/>
+                <a:ea typeface="Calibri" panose="020F0502020204030204" pitchFamily="34" charset="0"/>
+                <a:cs typeface="Calibri" panose="020F0502020204030204" pitchFamily="34" charset="0"/>
+              </a:rPr>
+              <a:t>Analysis of Home Ownership: Most of the people don't own Home, They are on Mortgage or Rent.</a:t>
+            </a:r>
+          </a:p>
+          <a:p>
+            <a:endParaRPr lang="en-IN" sz="2400" b="1" dirty="0">
+              <a:latin typeface="Calibri" panose="020F0502020204030204" pitchFamily="34" charset="0"/>
+              <a:ea typeface="Calibri" panose="020F0502020204030204" pitchFamily="34" charset="0"/>
+              <a:cs typeface="Calibri" panose="020F0502020204030204" pitchFamily="34" charset="0"/>
+            </a:endParaRPr>
+          </a:p>
+        </p:txBody>
+      </p:sp>
+      <p:pic>
+        <p:nvPicPr>
+          <p:cNvPr id="9" name="Picture 8"/>
+          <p:cNvPicPr>
+            <a:picLocks noChangeAspect="1"/>
+          </p:cNvPicPr>
+          <p:nvPr/>
+        </p:nvPicPr>
+        <p:blipFill>
+          <a:blip r:embed="rId3"/>
+          <a:stretch>
+            <a:fillRect/>
+          </a:stretch>
+        </p:blipFill>
+        <p:spPr>
+          <a:xfrm>
+            <a:off x="811762" y="2149483"/>
+            <a:ext cx="3955684" cy="2165007"/>
+          </a:xfrm>
+          <a:prstGeom prst="rect">
+            <a:avLst/>
+          </a:prstGeom>
+        </p:spPr>
+      </p:pic>
+    </p:spTree>
+    <p:extLst>
+      <p:ext uri="{BB962C8B-B14F-4D97-AF65-F5344CB8AC3E}">
+        <p14:creationId xmlns:p14="http://schemas.microsoft.com/office/powerpoint/2010/main" val="1072687831"/>
+      </p:ext>
+    </p:extLst>
+  </p:cSld>
+  <p:clrMapOvr>
+    <a:masterClrMapping/>
+  </p:clrMapOvr>
+  <p:timing>
+    <p:tnLst>
+      <p:par>
+        <p:cTn id="1" dur="indefinite" restart="never" nodeType="tmRoot"/>
+      </p:par>
+    </p:tnLst>
+  </p:timing>
+</p:sld>
+</file>
+
+<file path=ppt/slides/slide26.xml><?xml version="1.0" encoding="utf-8"?>
+<p:sld xmlns:a="http://schemas.openxmlformats.org/drawingml/2006/main" xmlns:r="http://schemas.openxmlformats.org/officeDocument/2006/relationships" xmlns:p="http://schemas.openxmlformats.org/presentationml/2006/main">
+  <p:cSld>
+    <p:spTree>
+      <p:nvGrpSpPr>
+        <p:cNvPr id="1" name=""/>
+        <p:cNvGrpSpPr/>
+        <p:nvPr/>
+      </p:nvGrpSpPr>
+      <p:grpSpPr>
+        <a:xfrm>
+          <a:off x="0" y="0"/>
+          <a:ext cx="0" cy="0"/>
+          <a:chOff x="0" y="0"/>
+          <a:chExt cx="0" cy="0"/>
+        </a:xfrm>
+      </p:grpSpPr>
+      <p:sp>
+        <p:nvSpPr>
+          <p:cNvPr id="2" name="Title 1"/>
+          <p:cNvSpPr>
+            <a:spLocks noGrp="1"/>
+          </p:cNvSpPr>
+          <p:nvPr>
+            <p:ph type="title"/>
+          </p:nvPr>
+        </p:nvSpPr>
+        <p:spPr>
+          <a:xfrm>
+            <a:off x="2723795" y="326133"/>
+            <a:ext cx="6614170" cy="904244"/>
+          </a:xfrm>
+        </p:spPr>
+        <p:txBody>
+          <a:bodyPr>
+            <a:noAutofit/>
+          </a:bodyPr>
+          <a:lstStyle/>
+          <a:p>
+            <a:r>
+              <a:rPr lang="en-IN" b="1" dirty="0">
+                <a:latin typeface="Calibri" panose="020F0502020204030204" pitchFamily="34" charset="0"/>
+                <a:ea typeface="Calibri" panose="020F0502020204030204" pitchFamily="34" charset="0"/>
+                <a:cs typeface="Calibri" panose="020F0502020204030204" pitchFamily="34" charset="0"/>
+              </a:rPr>
+              <a:t>Analysis of Verification Status</a:t>
+            </a:r>
+            <a:br>
+              <a:rPr lang="en-IN" b="1" dirty="0">
+                <a:latin typeface="Calibri" panose="020F0502020204030204" pitchFamily="34" charset="0"/>
+                <a:ea typeface="Calibri" panose="020F0502020204030204" pitchFamily="34" charset="0"/>
+                <a:cs typeface="Calibri" panose="020F0502020204030204" pitchFamily="34" charset="0"/>
+              </a:rPr>
+            </a:br>
+            <a:endParaRPr lang="en-IN" dirty="0">
+              <a:latin typeface="Calibri" panose="020F0502020204030204" pitchFamily="34" charset="0"/>
+              <a:ea typeface="Calibri" panose="020F0502020204030204" pitchFamily="34" charset="0"/>
+              <a:cs typeface="Calibri" panose="020F0502020204030204" pitchFamily="34" charset="0"/>
+            </a:endParaRPr>
+          </a:p>
+        </p:txBody>
+      </p:sp>
+      <p:pic>
+        <p:nvPicPr>
+          <p:cNvPr id="7" name="Content Placeholder 6"/>
+          <p:cNvPicPr>
+            <a:picLocks noGrp="1" noChangeAspect="1"/>
+          </p:cNvPicPr>
+          <p:nvPr>
+            <p:ph idx="1"/>
+          </p:nvPr>
+        </p:nvPicPr>
+        <p:blipFill rotWithShape="1">
+          <a:blip r:embed="rId2"/>
+          <a:srcRect l="1467" r="786"/>
+          <a:stretch/>
+        </p:blipFill>
+        <p:spPr>
+          <a:xfrm>
+            <a:off x="5872743" y="1296651"/>
+            <a:ext cx="5988331" cy="3610479"/>
+          </a:xfrm>
+          <a:prstGeom prst="rect">
+            <a:avLst/>
+          </a:prstGeom>
+        </p:spPr>
+      </p:pic>
+      <p:pic>
+        <p:nvPicPr>
+          <p:cNvPr id="6" name="Picture 5"/>
+          <p:cNvPicPr>
+            <a:picLocks noChangeAspect="1"/>
+          </p:cNvPicPr>
+          <p:nvPr/>
+        </p:nvPicPr>
+        <p:blipFill rotWithShape="1">
+          <a:blip r:embed="rId3"/>
+          <a:srcRect t="8076" r="9429" b="5236"/>
+          <a:stretch/>
+        </p:blipFill>
+        <p:spPr>
+          <a:xfrm>
+            <a:off x="653519" y="1975727"/>
+            <a:ext cx="4140550" cy="2252326"/>
+          </a:xfrm>
+          <a:prstGeom prst="rect">
+            <a:avLst/>
+          </a:prstGeom>
+        </p:spPr>
+      </p:pic>
+      <p:sp>
+        <p:nvSpPr>
+          <p:cNvPr id="8" name="Right Arrow 7"/>
+          <p:cNvSpPr/>
+          <p:nvPr/>
+        </p:nvSpPr>
+        <p:spPr>
+          <a:xfrm>
+            <a:off x="4794069" y="2719810"/>
+            <a:ext cx="1078674" cy="764160"/>
+          </a:xfrm>
+          <a:prstGeom prst="rightArrow">
+            <a:avLst/>
+          </a:prstGeom>
+        </p:spPr>
+        <p:style>
+          <a:lnRef idx="2">
+            <a:schemeClr val="accent1">
+              <a:shade val="50000"/>
+            </a:schemeClr>
+          </a:lnRef>
+          <a:fillRef idx="1">
+            <a:schemeClr val="accent1"/>
+          </a:fillRef>
+          <a:effectRef idx="0">
+            <a:schemeClr val="accent1"/>
+          </a:effectRef>
+          <a:fontRef idx="minor">
+            <a:schemeClr val="lt1"/>
+          </a:fontRef>
+        </p:style>
+        <p:txBody>
+          <a:bodyPr rtlCol="0" anchor="ctr"/>
+          <a:lstStyle/>
+          <a:p>
+            <a:pPr algn="ctr"/>
+            <a:endParaRPr lang="en-IN"/>
+          </a:p>
+        </p:txBody>
+      </p:sp>
+      <p:sp>
+        <p:nvSpPr>
+          <p:cNvPr id="9" name="TextBox 8"/>
+          <p:cNvSpPr txBox="1"/>
+          <p:nvPr/>
+        </p:nvSpPr>
+        <p:spPr>
+          <a:xfrm>
+            <a:off x="1296588" y="5394320"/>
+            <a:ext cx="10633165" cy="1200329"/>
+          </a:xfrm>
+          <a:prstGeom prst="rect">
+            <a:avLst/>
+          </a:prstGeom>
+          <a:noFill/>
+        </p:spPr>
+        <p:txBody>
+          <a:bodyPr wrap="square" rtlCol="0">
+            <a:spAutoFit/>
+          </a:bodyPr>
+          <a:lstStyle/>
+          <a:p>
+            <a:r>
+              <a:rPr lang="en-US" sz="2400" b="1" dirty="0">
+                <a:latin typeface="Calibri" panose="020F0502020204030204" pitchFamily="34" charset="0"/>
+                <a:ea typeface="Calibri" panose="020F0502020204030204" pitchFamily="34" charset="0"/>
+                <a:cs typeface="Calibri" panose="020F0502020204030204" pitchFamily="34" charset="0"/>
+              </a:rPr>
+              <a:t>Analysis of Verification Status: 50 % of people are verified by lending company or source verified.</a:t>
+            </a:r>
+          </a:p>
+          <a:p>
+            <a:endParaRPr lang="en-IN" sz="2400" b="1" dirty="0">
+              <a:latin typeface="Calibri" panose="020F0502020204030204" pitchFamily="34" charset="0"/>
+              <a:ea typeface="Calibri" panose="020F0502020204030204" pitchFamily="34" charset="0"/>
+              <a:cs typeface="Calibri" panose="020F0502020204030204" pitchFamily="34" charset="0"/>
+            </a:endParaRPr>
+          </a:p>
+        </p:txBody>
+      </p:sp>
+    </p:spTree>
+    <p:extLst>
+      <p:ext uri="{BB962C8B-B14F-4D97-AF65-F5344CB8AC3E}">
+        <p14:creationId xmlns:p14="http://schemas.microsoft.com/office/powerpoint/2010/main" val="599535362"/>
+      </p:ext>
+    </p:extLst>
+  </p:cSld>
+  <p:clrMapOvr>
+    <a:masterClrMapping/>
+  </p:clrMapOvr>
+  <p:timing>
+    <p:tnLst>
+      <p:par>
+        <p:cTn id="1" dur="indefinite" restart="never" nodeType="tmRoot"/>
+      </p:par>
+    </p:tnLst>
+  </p:timing>
+</p:sld>
+</file>
+
+<file path=ppt/slides/slide27.xml><?xml version="1.0" encoding="utf-8"?>
+<p:sld xmlns:a="http://schemas.openxmlformats.org/drawingml/2006/main" xmlns:r="http://schemas.openxmlformats.org/officeDocument/2006/relationships" xmlns:p="http://schemas.openxmlformats.org/presentationml/2006/main">
+  <p:cSld>
+    <p:spTree>
+      <p:nvGrpSpPr>
+        <p:cNvPr id="1" name=""/>
+        <p:cNvGrpSpPr/>
+        <p:nvPr/>
+      </p:nvGrpSpPr>
+      <p:grpSpPr>
+        <a:xfrm>
+          <a:off x="0" y="0"/>
+          <a:ext cx="0" cy="0"/>
+          <a:chOff x="0" y="0"/>
+          <a:chExt cx="0" cy="0"/>
+        </a:xfrm>
+      </p:grpSpPr>
+      <p:sp>
+        <p:nvSpPr>
+          <p:cNvPr id="2" name="Title 1"/>
+          <p:cNvSpPr>
+            <a:spLocks noGrp="1"/>
+          </p:cNvSpPr>
+          <p:nvPr>
+            <p:ph type="title"/>
+          </p:nvPr>
+        </p:nvSpPr>
+        <p:spPr>
+          <a:xfrm>
+            <a:off x="3817990" y="291601"/>
+            <a:ext cx="5027073" cy="622799"/>
+          </a:xfrm>
+        </p:spPr>
+        <p:txBody>
+          <a:bodyPr>
+            <a:noAutofit/>
+          </a:bodyPr>
+          <a:lstStyle/>
+          <a:p>
+            <a:r>
+              <a:rPr lang="en-US" b="1" dirty="0" smtClean="0">
+                <a:latin typeface="Calibri" panose="020F0502020204030204" pitchFamily="34" charset="0"/>
+                <a:ea typeface="Calibri" panose="020F0502020204030204" pitchFamily="34" charset="0"/>
+                <a:cs typeface="Calibri" panose="020F0502020204030204" pitchFamily="34" charset="0"/>
+              </a:rPr>
+              <a:t>Analysis of Loan Purpose</a:t>
+            </a:r>
+            <a:endParaRPr lang="en-IN" b="1" dirty="0">
+              <a:latin typeface="Calibri" panose="020F0502020204030204" pitchFamily="34" charset="0"/>
+              <a:ea typeface="Calibri" panose="020F0502020204030204" pitchFamily="34" charset="0"/>
+              <a:cs typeface="Calibri" panose="020F0502020204030204" pitchFamily="34" charset="0"/>
+            </a:endParaRPr>
+          </a:p>
+        </p:txBody>
+      </p:sp>
+      <p:pic>
+        <p:nvPicPr>
+          <p:cNvPr id="4" name="Content Placeholder 3"/>
+          <p:cNvPicPr>
+            <a:picLocks noGrp="1" noChangeAspect="1"/>
+          </p:cNvPicPr>
+          <p:nvPr>
+            <p:ph idx="1"/>
+          </p:nvPr>
+        </p:nvPicPr>
+        <p:blipFill>
+          <a:blip r:embed="rId2"/>
+          <a:stretch>
+            <a:fillRect/>
+          </a:stretch>
+        </p:blipFill>
+        <p:spPr>
+          <a:xfrm>
+            <a:off x="2313708" y="1627909"/>
+            <a:ext cx="8783782" cy="4523510"/>
+          </a:xfrm>
+          <a:prstGeom prst="rect">
+            <a:avLst/>
+          </a:prstGeom>
+        </p:spPr>
+      </p:pic>
+    </p:spTree>
+    <p:extLst>
+      <p:ext uri="{BB962C8B-B14F-4D97-AF65-F5344CB8AC3E}">
+        <p14:creationId xmlns:p14="http://schemas.microsoft.com/office/powerpoint/2010/main" val="4155641713"/>
+      </p:ext>
+    </p:extLst>
+  </p:cSld>
+  <p:clrMapOvr>
+    <a:masterClrMapping/>
+  </p:clrMapOvr>
+</p:sld>
+</file>
+
+<file path=ppt/slides/slide28.xml><?xml version="1.0" encoding="utf-8"?>
+<p:sld xmlns:a="http://schemas.openxmlformats.org/drawingml/2006/main" xmlns:r="http://schemas.openxmlformats.org/officeDocument/2006/relationships" xmlns:p="http://schemas.openxmlformats.org/presentationml/2006/main">
+  <p:cSld>
+    <p:spTree>
+      <p:nvGrpSpPr>
+        <p:cNvPr id="1" name=""/>
+        <p:cNvGrpSpPr/>
+        <p:nvPr/>
+      </p:nvGrpSpPr>
+      <p:grpSpPr>
+        <a:xfrm>
+          <a:off x="0" y="0"/>
+          <a:ext cx="0" cy="0"/>
+          <a:chOff x="0" y="0"/>
+          <a:chExt cx="0" cy="0"/>
+        </a:xfrm>
+      </p:grpSpPr>
+      <p:sp>
+        <p:nvSpPr>
+          <p:cNvPr id="2" name="Title 1"/>
+          <p:cNvSpPr>
+            <a:spLocks noGrp="1"/>
+          </p:cNvSpPr>
+          <p:nvPr>
+            <p:ph type="title"/>
+          </p:nvPr>
+        </p:nvSpPr>
+        <p:spPr>
+          <a:xfrm>
+            <a:off x="3535035" y="136066"/>
+            <a:ext cx="6370965" cy="918931"/>
+          </a:xfrm>
+        </p:spPr>
+        <p:txBody>
+          <a:bodyPr>
+            <a:noAutofit/>
+          </a:bodyPr>
+          <a:lstStyle/>
+          <a:p>
+            <a:r>
+              <a:rPr lang="en-IN" b="1" dirty="0">
+                <a:latin typeface="Calibri" panose="020F0502020204030204" pitchFamily="34" charset="0"/>
+                <a:ea typeface="Calibri" panose="020F0502020204030204" pitchFamily="34" charset="0"/>
+                <a:cs typeface="Calibri" panose="020F0502020204030204" pitchFamily="34" charset="0"/>
+              </a:rPr>
+              <a:t>Analysis of Loan Purpose</a:t>
+            </a:r>
+            <a:br>
+              <a:rPr lang="en-IN" b="1" dirty="0">
+                <a:latin typeface="Calibri" panose="020F0502020204030204" pitchFamily="34" charset="0"/>
+                <a:ea typeface="Calibri" panose="020F0502020204030204" pitchFamily="34" charset="0"/>
+                <a:cs typeface="Calibri" panose="020F0502020204030204" pitchFamily="34" charset="0"/>
+              </a:rPr>
+            </a:br>
+            <a:endParaRPr lang="en-IN" dirty="0">
+              <a:latin typeface="Calibri" panose="020F0502020204030204" pitchFamily="34" charset="0"/>
+              <a:ea typeface="Calibri" panose="020F0502020204030204" pitchFamily="34" charset="0"/>
+              <a:cs typeface="Calibri" panose="020F0502020204030204" pitchFamily="34" charset="0"/>
+            </a:endParaRPr>
+          </a:p>
+        </p:txBody>
+      </p:sp>
+      <p:pic>
+        <p:nvPicPr>
+          <p:cNvPr id="5" name="Picture 4"/>
+          <p:cNvPicPr>
+            <a:picLocks noChangeAspect="1"/>
+          </p:cNvPicPr>
+          <p:nvPr/>
+        </p:nvPicPr>
+        <p:blipFill>
+          <a:blip r:embed="rId2"/>
+          <a:stretch>
+            <a:fillRect/>
+          </a:stretch>
+        </p:blipFill>
+        <p:spPr>
+          <a:xfrm>
+            <a:off x="1985996" y="1209138"/>
+            <a:ext cx="8991599" cy="4055590"/>
+          </a:xfrm>
+          <a:prstGeom prst="rect">
+            <a:avLst/>
+          </a:prstGeom>
+        </p:spPr>
+      </p:pic>
+      <p:sp>
+        <p:nvSpPr>
+          <p:cNvPr id="7" name="TextBox 6"/>
+          <p:cNvSpPr txBox="1"/>
+          <p:nvPr/>
+        </p:nvSpPr>
+        <p:spPr>
+          <a:xfrm>
+            <a:off x="1985996" y="5657671"/>
+            <a:ext cx="9939048" cy="1200329"/>
+          </a:xfrm>
+          <a:prstGeom prst="rect">
+            <a:avLst/>
+          </a:prstGeom>
+          <a:noFill/>
+        </p:spPr>
+        <p:txBody>
+          <a:bodyPr wrap="square" rtlCol="0">
+            <a:spAutoFit/>
+          </a:bodyPr>
+          <a:lstStyle/>
+          <a:p>
+            <a:r>
+              <a:rPr lang="en-US" sz="2400" b="1" dirty="0">
+                <a:latin typeface="Calibri" panose="020F0502020204030204" pitchFamily="34" charset="0"/>
+                <a:ea typeface="Calibri" panose="020F0502020204030204" pitchFamily="34" charset="0"/>
+                <a:cs typeface="Calibri" panose="020F0502020204030204" pitchFamily="34" charset="0"/>
+              </a:rPr>
+              <a:t>Analysis of Loan Purpose: Most of people are taking loan for either credit card and </a:t>
+            </a:r>
+            <a:r>
+              <a:rPr lang="en-US" sz="2400" b="1" dirty="0" smtClean="0">
+                <a:latin typeface="Calibri" panose="020F0502020204030204" pitchFamily="34" charset="0"/>
+                <a:ea typeface="Calibri" panose="020F0502020204030204" pitchFamily="34" charset="0"/>
+                <a:cs typeface="Calibri" panose="020F0502020204030204" pitchFamily="34" charset="0"/>
+              </a:rPr>
+              <a:t>debt </a:t>
+            </a:r>
+            <a:r>
+              <a:rPr lang="en-US" sz="2400" b="1" dirty="0">
+                <a:latin typeface="Calibri" panose="020F0502020204030204" pitchFamily="34" charset="0"/>
+                <a:ea typeface="Calibri" panose="020F0502020204030204" pitchFamily="34" charset="0"/>
+                <a:cs typeface="Calibri" panose="020F0502020204030204" pitchFamily="34" charset="0"/>
+              </a:rPr>
+              <a:t>consolidation.</a:t>
+            </a:r>
+          </a:p>
+          <a:p>
+            <a:endParaRPr lang="en-IN" sz="2400" b="1" dirty="0">
+              <a:latin typeface="Calibri" panose="020F0502020204030204" pitchFamily="34" charset="0"/>
+              <a:ea typeface="Calibri" panose="020F0502020204030204" pitchFamily="34" charset="0"/>
+              <a:cs typeface="Calibri" panose="020F0502020204030204" pitchFamily="34" charset="0"/>
+            </a:endParaRPr>
+          </a:p>
+        </p:txBody>
+      </p:sp>
+    </p:spTree>
+    <p:extLst>
+      <p:ext uri="{BB962C8B-B14F-4D97-AF65-F5344CB8AC3E}">
+        <p14:creationId xmlns:p14="http://schemas.microsoft.com/office/powerpoint/2010/main" val="1848175397"/>
+      </p:ext>
+    </p:extLst>
+  </p:cSld>
+  <p:clrMapOvr>
+    <a:masterClrMapping/>
+  </p:clrMapOvr>
+</p:sld>
+</file>
+
+<file path=ppt/slides/slide29.xml><?xml version="1.0" encoding="utf-8"?>
+<p:sld xmlns:a="http://schemas.openxmlformats.org/drawingml/2006/main" xmlns:r="http://schemas.openxmlformats.org/officeDocument/2006/relationships" xmlns:p="http://schemas.openxmlformats.org/presentationml/2006/main">
+  <p:cSld>
+    <p:spTree>
+      <p:nvGrpSpPr>
+        <p:cNvPr id="1" name=""/>
+        <p:cNvGrpSpPr/>
+        <p:nvPr/>
+      </p:nvGrpSpPr>
+      <p:grpSpPr>
+        <a:xfrm>
+          <a:off x="0" y="0"/>
+          <a:ext cx="0" cy="0"/>
+          <a:chOff x="0" y="0"/>
+          <a:chExt cx="0" cy="0"/>
+        </a:xfrm>
+      </p:grpSpPr>
+      <p:sp>
+        <p:nvSpPr>
+          <p:cNvPr id="2" name="Title 1"/>
+          <p:cNvSpPr>
+            <a:spLocks noGrp="1"/>
+          </p:cNvSpPr>
+          <p:nvPr>
+            <p:ph type="title"/>
+          </p:nvPr>
+        </p:nvSpPr>
+        <p:spPr>
+          <a:xfrm>
+            <a:off x="2395818" y="157076"/>
+            <a:ext cx="8338311" cy="539671"/>
+          </a:xfrm>
+        </p:spPr>
+        <p:txBody>
+          <a:bodyPr>
+            <a:noAutofit/>
+          </a:bodyPr>
+          <a:lstStyle/>
+          <a:p>
+            <a:r>
+              <a:rPr lang="en-US" b="1" dirty="0">
+                <a:latin typeface="Calibri" panose="020F0502020204030204" pitchFamily="34" charset="0"/>
+                <a:ea typeface="Calibri" panose="020F0502020204030204" pitchFamily="34" charset="0"/>
+                <a:cs typeface="Calibri" panose="020F0502020204030204" pitchFamily="34" charset="0"/>
+              </a:rPr>
+              <a:t>Analysis of Public Record for Bankruptcies</a:t>
+            </a:r>
+            <a:br>
+              <a:rPr lang="en-US" b="1" dirty="0">
+                <a:latin typeface="Calibri" panose="020F0502020204030204" pitchFamily="34" charset="0"/>
+                <a:ea typeface="Calibri" panose="020F0502020204030204" pitchFamily="34" charset="0"/>
+                <a:cs typeface="Calibri" panose="020F0502020204030204" pitchFamily="34" charset="0"/>
+              </a:rPr>
+            </a:br>
+            <a:endParaRPr lang="en-IN" dirty="0">
+              <a:latin typeface="Calibri" panose="020F0502020204030204" pitchFamily="34" charset="0"/>
+              <a:ea typeface="Calibri" panose="020F0502020204030204" pitchFamily="34" charset="0"/>
+              <a:cs typeface="Calibri" panose="020F0502020204030204" pitchFamily="34" charset="0"/>
+            </a:endParaRPr>
+          </a:p>
+        </p:txBody>
+      </p:sp>
+      <p:pic>
+        <p:nvPicPr>
+          <p:cNvPr id="4" name="Content Placeholder 3"/>
+          <p:cNvPicPr>
+            <a:picLocks noGrp="1" noChangeAspect="1"/>
+          </p:cNvPicPr>
+          <p:nvPr>
+            <p:ph idx="1"/>
+          </p:nvPr>
+        </p:nvPicPr>
+        <p:blipFill>
+          <a:blip r:embed="rId2"/>
+          <a:stretch>
+            <a:fillRect/>
+          </a:stretch>
+        </p:blipFill>
+        <p:spPr>
+          <a:xfrm>
+            <a:off x="1211177" y="1273946"/>
+            <a:ext cx="5353797" cy="2732788"/>
+          </a:xfrm>
+          <a:prstGeom prst="rect">
+            <a:avLst/>
+          </a:prstGeom>
+        </p:spPr>
+      </p:pic>
+      <p:pic>
+        <p:nvPicPr>
+          <p:cNvPr id="5" name="Picture 4"/>
+          <p:cNvPicPr>
+            <a:picLocks noChangeAspect="1"/>
+          </p:cNvPicPr>
+          <p:nvPr/>
+        </p:nvPicPr>
+        <p:blipFill>
+          <a:blip r:embed="rId3"/>
+          <a:stretch>
+            <a:fillRect/>
+          </a:stretch>
+        </p:blipFill>
+        <p:spPr>
+          <a:xfrm>
+            <a:off x="4774767" y="3166812"/>
+            <a:ext cx="6754168" cy="3572374"/>
+          </a:xfrm>
+          <a:prstGeom prst="rect">
+            <a:avLst/>
+          </a:prstGeom>
+        </p:spPr>
+      </p:pic>
+      <p:sp>
+        <p:nvSpPr>
+          <p:cNvPr id="6" name="TextBox 5"/>
+          <p:cNvSpPr txBox="1"/>
+          <p:nvPr/>
+        </p:nvSpPr>
+        <p:spPr>
+          <a:xfrm>
+            <a:off x="6927272" y="1328692"/>
+            <a:ext cx="4724400" cy="1569660"/>
+          </a:xfrm>
+          <a:prstGeom prst="rect">
+            <a:avLst/>
+          </a:prstGeom>
+          <a:noFill/>
+        </p:spPr>
+        <p:txBody>
+          <a:bodyPr wrap="square" rtlCol="0">
+            <a:spAutoFit/>
+          </a:bodyPr>
+          <a:lstStyle/>
+          <a:p>
+            <a:pPr algn="just"/>
+            <a:r>
+              <a:rPr lang="en-US" sz="2400" dirty="0">
+                <a:latin typeface="Calibri" panose="020F0502020204030204" pitchFamily="34" charset="0"/>
+                <a:ea typeface="Calibri" panose="020F0502020204030204" pitchFamily="34" charset="0"/>
+                <a:cs typeface="Calibri" panose="020F0502020204030204" pitchFamily="34" charset="0"/>
+              </a:rPr>
+              <a:t>Analysis of Public Record for Bankruptcies: Majority of the people don't have any public record for Bankruptcy</a:t>
+            </a:r>
+            <a:r>
+              <a:rPr lang="en-US" sz="2400" dirty="0" smtClean="0">
+                <a:latin typeface="Calibri" panose="020F0502020204030204" pitchFamily="34" charset="0"/>
+                <a:ea typeface="Calibri" panose="020F0502020204030204" pitchFamily="34" charset="0"/>
+                <a:cs typeface="Calibri" panose="020F0502020204030204" pitchFamily="34" charset="0"/>
+              </a:rPr>
+              <a:t>.</a:t>
+            </a:r>
+            <a:endParaRPr lang="en-US" sz="2400" dirty="0">
+              <a:latin typeface="Calibri" panose="020F0502020204030204" pitchFamily="34" charset="0"/>
+              <a:ea typeface="Calibri" panose="020F0502020204030204" pitchFamily="34" charset="0"/>
+              <a:cs typeface="Calibri" panose="020F0502020204030204" pitchFamily="34" charset="0"/>
+            </a:endParaRPr>
+          </a:p>
+        </p:txBody>
+      </p:sp>
+    </p:spTree>
+    <p:extLst>
+      <p:ext uri="{BB962C8B-B14F-4D97-AF65-F5344CB8AC3E}">
+        <p14:creationId xmlns:p14="http://schemas.microsoft.com/office/powerpoint/2010/main" val="3835245815"/>
       </p:ext>
     </p:extLst>
   </p:cSld>
@@ -10135,6 +13332,1727 @@
 </p:sld>
 </file>
 
+<file path=ppt/slides/slide30.xml><?xml version="1.0" encoding="utf-8"?>
+<p:sld xmlns:a="http://schemas.openxmlformats.org/drawingml/2006/main" xmlns:r="http://schemas.openxmlformats.org/officeDocument/2006/relationships" xmlns:p="http://schemas.openxmlformats.org/presentationml/2006/main">
+  <p:cSld>
+    <p:spTree>
+      <p:nvGrpSpPr>
+        <p:cNvPr id="1" name=""/>
+        <p:cNvGrpSpPr/>
+        <p:nvPr/>
+      </p:nvGrpSpPr>
+      <p:grpSpPr>
+        <a:xfrm>
+          <a:off x="0" y="0"/>
+          <a:ext cx="0" cy="0"/>
+          <a:chOff x="0" y="0"/>
+          <a:chExt cx="0" cy="0"/>
+        </a:xfrm>
+      </p:grpSpPr>
+      <p:sp>
+        <p:nvSpPr>
+          <p:cNvPr id="2" name="Title 1"/>
+          <p:cNvSpPr>
+            <a:spLocks noGrp="1"/>
+          </p:cNvSpPr>
+          <p:nvPr>
+            <p:ph type="title"/>
+          </p:nvPr>
+        </p:nvSpPr>
+        <p:spPr>
+          <a:xfrm>
+            <a:off x="3727935" y="269015"/>
+            <a:ext cx="3796145" cy="484253"/>
+          </a:xfrm>
+        </p:spPr>
+        <p:txBody>
+          <a:bodyPr>
+            <a:noAutofit/>
+          </a:bodyPr>
+          <a:lstStyle/>
+          <a:p>
+            <a:r>
+              <a:rPr lang="en-IN" b="1" dirty="0">
+                <a:latin typeface="Calibri" panose="020F0502020204030204" pitchFamily="34" charset="0"/>
+                <a:ea typeface="Calibri" panose="020F0502020204030204" pitchFamily="34" charset="0"/>
+                <a:cs typeface="Calibri" panose="020F0502020204030204" pitchFamily="34" charset="0"/>
+              </a:rPr>
+              <a:t>Analysis of DTI</a:t>
+            </a:r>
+            <a:br>
+              <a:rPr lang="en-IN" b="1" dirty="0">
+                <a:latin typeface="Calibri" panose="020F0502020204030204" pitchFamily="34" charset="0"/>
+                <a:ea typeface="Calibri" panose="020F0502020204030204" pitchFamily="34" charset="0"/>
+                <a:cs typeface="Calibri" panose="020F0502020204030204" pitchFamily="34" charset="0"/>
+              </a:rPr>
+            </a:br>
+            <a:endParaRPr lang="en-IN" dirty="0">
+              <a:latin typeface="Calibri" panose="020F0502020204030204" pitchFamily="34" charset="0"/>
+              <a:ea typeface="Calibri" panose="020F0502020204030204" pitchFamily="34" charset="0"/>
+              <a:cs typeface="Calibri" panose="020F0502020204030204" pitchFamily="34" charset="0"/>
+            </a:endParaRPr>
+          </a:p>
+        </p:txBody>
+      </p:sp>
+      <p:pic>
+        <p:nvPicPr>
+          <p:cNvPr id="4" name="Content Placeholder 3"/>
+          <p:cNvPicPr>
+            <a:picLocks noGrp="1" noChangeAspect="1"/>
+          </p:cNvPicPr>
+          <p:nvPr>
+            <p:ph idx="1"/>
+          </p:nvPr>
+        </p:nvPicPr>
+        <p:blipFill rotWithShape="1">
+          <a:blip r:embed="rId2"/>
+          <a:srcRect t="5290" r="1976" b="3718"/>
+          <a:stretch/>
+        </p:blipFill>
+        <p:spPr>
+          <a:xfrm>
+            <a:off x="909333" y="1450843"/>
+            <a:ext cx="5014548" cy="2258291"/>
+          </a:xfrm>
+          <a:prstGeom prst="rect">
+            <a:avLst/>
+          </a:prstGeom>
+          <a:effectLst>
+            <a:outerShdw blurRad="50800" dist="38100" dir="2700000" algn="tl" rotWithShape="0">
+              <a:prstClr val="black">
+                <a:alpha val="40000"/>
+              </a:prstClr>
+            </a:outerShdw>
+          </a:effectLst>
+        </p:spPr>
+      </p:pic>
+      <p:pic>
+        <p:nvPicPr>
+          <p:cNvPr id="5" name="Picture 4"/>
+          <p:cNvPicPr>
+            <a:picLocks noChangeAspect="1"/>
+          </p:cNvPicPr>
+          <p:nvPr/>
+        </p:nvPicPr>
+        <p:blipFill>
+          <a:blip r:embed="rId3"/>
+          <a:stretch>
+            <a:fillRect/>
+          </a:stretch>
+        </p:blipFill>
+        <p:spPr>
+          <a:xfrm>
+            <a:off x="3727935" y="2845992"/>
+            <a:ext cx="6869729" cy="3831897"/>
+          </a:xfrm>
+          <a:prstGeom prst="rect">
+            <a:avLst/>
+          </a:prstGeom>
+        </p:spPr>
+      </p:pic>
+      <p:sp>
+        <p:nvSpPr>
+          <p:cNvPr id="6" name="TextBox 5"/>
+          <p:cNvSpPr txBox="1"/>
+          <p:nvPr/>
+        </p:nvSpPr>
+        <p:spPr>
+          <a:xfrm>
+            <a:off x="6109855" y="1450843"/>
+            <a:ext cx="5777345" cy="1200329"/>
+          </a:xfrm>
+          <a:prstGeom prst="rect">
+            <a:avLst/>
+          </a:prstGeom>
+          <a:noFill/>
+        </p:spPr>
+        <p:txBody>
+          <a:bodyPr wrap="square" rtlCol="0">
+            <a:spAutoFit/>
+          </a:bodyPr>
+          <a:lstStyle/>
+          <a:p>
+            <a:pPr algn="just"/>
+            <a:r>
+              <a:rPr lang="en-US" sz="2400" dirty="0">
+                <a:latin typeface="Calibri" panose="020F0502020204030204" pitchFamily="34" charset="0"/>
+                <a:ea typeface="Calibri" panose="020F0502020204030204" pitchFamily="34" charset="0"/>
+                <a:cs typeface="Calibri" panose="020F0502020204030204" pitchFamily="34" charset="0"/>
+              </a:rPr>
+              <a:t>Analysis of DTI Ratio: Majority of the people have very large </a:t>
+            </a:r>
+            <a:r>
+              <a:rPr lang="en-US" sz="2400" dirty="0" smtClean="0">
+                <a:latin typeface="Calibri" panose="020F0502020204030204" pitchFamily="34" charset="0"/>
+                <a:ea typeface="Calibri" panose="020F0502020204030204" pitchFamily="34" charset="0"/>
+                <a:cs typeface="Calibri" panose="020F0502020204030204" pitchFamily="34" charset="0"/>
+              </a:rPr>
+              <a:t>debt </a:t>
+            </a:r>
+            <a:r>
+              <a:rPr lang="en-US" sz="2400" dirty="0">
+                <a:latin typeface="Calibri" panose="020F0502020204030204" pitchFamily="34" charset="0"/>
+                <a:ea typeface="Calibri" panose="020F0502020204030204" pitchFamily="34" charset="0"/>
+                <a:cs typeface="Calibri" panose="020F0502020204030204" pitchFamily="34" charset="0"/>
+              </a:rPr>
+              <a:t>compared to their income. Mostly having 8 to 22 DTI ratio.</a:t>
+            </a:r>
+          </a:p>
+        </p:txBody>
+      </p:sp>
+    </p:spTree>
+    <p:extLst>
+      <p:ext uri="{BB962C8B-B14F-4D97-AF65-F5344CB8AC3E}">
+        <p14:creationId xmlns:p14="http://schemas.microsoft.com/office/powerpoint/2010/main" val="3272116713"/>
+      </p:ext>
+    </p:extLst>
+  </p:cSld>
+  <p:clrMapOvr>
+    <a:masterClrMapping/>
+  </p:clrMapOvr>
+</p:sld>
+</file>
+
+<file path=ppt/slides/slide31.xml><?xml version="1.0" encoding="utf-8"?>
+<p:sld xmlns:a="http://schemas.openxmlformats.org/drawingml/2006/main" xmlns:r="http://schemas.openxmlformats.org/officeDocument/2006/relationships" xmlns:p="http://schemas.openxmlformats.org/presentationml/2006/main">
+  <p:cSld>
+    <p:spTree>
+      <p:nvGrpSpPr>
+        <p:cNvPr id="1" name=""/>
+        <p:cNvGrpSpPr/>
+        <p:nvPr/>
+      </p:nvGrpSpPr>
+      <p:grpSpPr>
+        <a:xfrm>
+          <a:off x="0" y="0"/>
+          <a:ext cx="0" cy="0"/>
+          <a:chOff x="0" y="0"/>
+          <a:chExt cx="0" cy="0"/>
+        </a:xfrm>
+      </p:grpSpPr>
+      <p:sp>
+        <p:nvSpPr>
+          <p:cNvPr id="2" name="Title 1"/>
+          <p:cNvSpPr>
+            <a:spLocks noGrp="1"/>
+          </p:cNvSpPr>
+          <p:nvPr>
+            <p:ph type="title"/>
+          </p:nvPr>
+        </p:nvSpPr>
+        <p:spPr>
+          <a:xfrm>
+            <a:off x="3299508" y="202822"/>
+            <a:ext cx="5248746" cy="665018"/>
+          </a:xfrm>
+        </p:spPr>
+        <p:txBody>
+          <a:bodyPr>
+            <a:noAutofit/>
+          </a:bodyPr>
+          <a:lstStyle/>
+          <a:p>
+            <a:r>
+              <a:rPr lang="en-IN" b="1" dirty="0">
+                <a:latin typeface="Calibri" panose="020F0502020204030204" pitchFamily="34" charset="0"/>
+                <a:ea typeface="Calibri" panose="020F0502020204030204" pitchFamily="34" charset="0"/>
+                <a:cs typeface="Calibri" panose="020F0502020204030204" pitchFamily="34" charset="0"/>
+              </a:rPr>
+              <a:t>Analysis of </a:t>
+            </a:r>
+            <a:r>
+              <a:rPr lang="en-IN" b="1" dirty="0" smtClean="0">
+                <a:latin typeface="Calibri" panose="020F0502020204030204" pitchFamily="34" charset="0"/>
+                <a:ea typeface="Calibri" panose="020F0502020204030204" pitchFamily="34" charset="0"/>
+                <a:cs typeface="Calibri" panose="020F0502020204030204" pitchFamily="34" charset="0"/>
+              </a:rPr>
+              <a:t>Issuing </a:t>
+            </a:r>
+            <a:r>
+              <a:rPr lang="en-IN" b="1" dirty="0">
+                <a:latin typeface="Calibri" panose="020F0502020204030204" pitchFamily="34" charset="0"/>
+                <a:ea typeface="Calibri" panose="020F0502020204030204" pitchFamily="34" charset="0"/>
+                <a:cs typeface="Calibri" panose="020F0502020204030204" pitchFamily="34" charset="0"/>
+              </a:rPr>
+              <a:t>Month</a:t>
+            </a:r>
+            <a:br>
+              <a:rPr lang="en-IN" b="1" dirty="0">
+                <a:latin typeface="Calibri" panose="020F0502020204030204" pitchFamily="34" charset="0"/>
+                <a:ea typeface="Calibri" panose="020F0502020204030204" pitchFamily="34" charset="0"/>
+                <a:cs typeface="Calibri" panose="020F0502020204030204" pitchFamily="34" charset="0"/>
+              </a:rPr>
+            </a:br>
+            <a:endParaRPr lang="en-IN" dirty="0">
+              <a:latin typeface="Calibri" panose="020F0502020204030204" pitchFamily="34" charset="0"/>
+              <a:ea typeface="Calibri" panose="020F0502020204030204" pitchFamily="34" charset="0"/>
+              <a:cs typeface="Calibri" panose="020F0502020204030204" pitchFamily="34" charset="0"/>
+            </a:endParaRPr>
+          </a:p>
+        </p:txBody>
+      </p:sp>
+      <p:pic>
+        <p:nvPicPr>
+          <p:cNvPr id="5" name="Picture 4"/>
+          <p:cNvPicPr>
+            <a:picLocks noChangeAspect="1"/>
+          </p:cNvPicPr>
+          <p:nvPr/>
+        </p:nvPicPr>
+        <p:blipFill>
+          <a:blip r:embed="rId2"/>
+          <a:stretch>
+            <a:fillRect/>
+          </a:stretch>
+        </p:blipFill>
+        <p:spPr>
+          <a:xfrm>
+            <a:off x="1044313" y="1482807"/>
+            <a:ext cx="5115096" cy="2978726"/>
+          </a:xfrm>
+          <a:prstGeom prst="rect">
+            <a:avLst/>
+          </a:prstGeom>
+        </p:spPr>
+      </p:pic>
+      <p:pic>
+        <p:nvPicPr>
+          <p:cNvPr id="7" name="Content Placeholder 6"/>
+          <p:cNvPicPr>
+            <a:picLocks noGrp="1" noChangeAspect="1"/>
+          </p:cNvPicPr>
+          <p:nvPr>
+            <p:ph idx="1"/>
+          </p:nvPr>
+        </p:nvPicPr>
+        <p:blipFill>
+          <a:blip r:embed="rId3"/>
+          <a:stretch>
+            <a:fillRect/>
+          </a:stretch>
+        </p:blipFill>
+        <p:spPr>
+          <a:xfrm>
+            <a:off x="4773451" y="3299839"/>
+            <a:ext cx="7169167" cy="3553321"/>
+          </a:xfrm>
+          <a:prstGeom prst="rect">
+            <a:avLst/>
+          </a:prstGeom>
+        </p:spPr>
+      </p:pic>
+      <p:sp>
+        <p:nvSpPr>
+          <p:cNvPr id="8" name="TextBox 7"/>
+          <p:cNvSpPr txBox="1"/>
+          <p:nvPr/>
+        </p:nvSpPr>
+        <p:spPr>
+          <a:xfrm>
+            <a:off x="6289964" y="1537855"/>
+            <a:ext cx="5652654" cy="1569660"/>
+          </a:xfrm>
+          <a:prstGeom prst="rect">
+            <a:avLst/>
+          </a:prstGeom>
+          <a:noFill/>
+        </p:spPr>
+        <p:txBody>
+          <a:bodyPr wrap="square" rtlCol="0">
+            <a:spAutoFit/>
+          </a:bodyPr>
+          <a:lstStyle/>
+          <a:p>
+            <a:pPr algn="just"/>
+            <a:r>
+              <a:rPr lang="en-US" sz="2400" dirty="0">
+                <a:latin typeface="Calibri" panose="020F0502020204030204" pitchFamily="34" charset="0"/>
+                <a:ea typeface="Calibri" panose="020F0502020204030204" pitchFamily="34" charset="0"/>
+                <a:cs typeface="Calibri" panose="020F0502020204030204" pitchFamily="34" charset="0"/>
+              </a:rPr>
+              <a:t>Analysis of </a:t>
+            </a:r>
+            <a:r>
+              <a:rPr lang="en-US" sz="2400" dirty="0" smtClean="0">
+                <a:latin typeface="Calibri" panose="020F0502020204030204" pitchFamily="34" charset="0"/>
+                <a:ea typeface="Calibri" panose="020F0502020204030204" pitchFamily="34" charset="0"/>
+                <a:cs typeface="Calibri" panose="020F0502020204030204" pitchFamily="34" charset="0"/>
+              </a:rPr>
+              <a:t>Issuing </a:t>
+            </a:r>
+            <a:r>
+              <a:rPr lang="en-US" sz="2400" dirty="0">
+                <a:latin typeface="Calibri" panose="020F0502020204030204" pitchFamily="34" charset="0"/>
+                <a:ea typeface="Calibri" panose="020F0502020204030204" pitchFamily="34" charset="0"/>
+                <a:cs typeface="Calibri" panose="020F0502020204030204" pitchFamily="34" charset="0"/>
+              </a:rPr>
+              <a:t>Month: It is showing that loan count is increasing towards year ends. As year progress, loan counts increase in every month compare to last month.</a:t>
+            </a:r>
+          </a:p>
+        </p:txBody>
+      </p:sp>
+    </p:spTree>
+    <p:extLst>
+      <p:ext uri="{BB962C8B-B14F-4D97-AF65-F5344CB8AC3E}">
+        <p14:creationId xmlns:p14="http://schemas.microsoft.com/office/powerpoint/2010/main" val="600781170"/>
+      </p:ext>
+    </p:extLst>
+  </p:cSld>
+  <p:clrMapOvr>
+    <a:masterClrMapping/>
+  </p:clrMapOvr>
+</p:sld>
+</file>
+
+<file path=ppt/slides/slide32.xml><?xml version="1.0" encoding="utf-8"?>
+<p:sld xmlns:a="http://schemas.openxmlformats.org/drawingml/2006/main" xmlns:r="http://schemas.openxmlformats.org/officeDocument/2006/relationships" xmlns:p="http://schemas.openxmlformats.org/presentationml/2006/main">
+  <p:cSld>
+    <p:spTree>
+      <p:nvGrpSpPr>
+        <p:cNvPr id="1" name=""/>
+        <p:cNvGrpSpPr/>
+        <p:nvPr/>
+      </p:nvGrpSpPr>
+      <p:grpSpPr>
+        <a:xfrm>
+          <a:off x="0" y="0"/>
+          <a:ext cx="0" cy="0"/>
+          <a:chOff x="0" y="0"/>
+          <a:chExt cx="0" cy="0"/>
+        </a:xfrm>
+      </p:grpSpPr>
+      <p:sp>
+        <p:nvSpPr>
+          <p:cNvPr id="2" name="Title 1"/>
+          <p:cNvSpPr>
+            <a:spLocks noGrp="1"/>
+          </p:cNvSpPr>
+          <p:nvPr>
+            <p:ph type="title"/>
+          </p:nvPr>
+        </p:nvSpPr>
+        <p:spPr>
+          <a:xfrm>
+            <a:off x="3645871" y="310793"/>
+            <a:ext cx="4846965" cy="498108"/>
+          </a:xfrm>
+        </p:spPr>
+        <p:txBody>
+          <a:bodyPr>
+            <a:noAutofit/>
+          </a:bodyPr>
+          <a:lstStyle/>
+          <a:p>
+            <a:r>
+              <a:rPr lang="en-IN" b="1" dirty="0">
+                <a:latin typeface="Calibri" panose="020F0502020204030204" pitchFamily="34" charset="0"/>
+                <a:ea typeface="Calibri" panose="020F0502020204030204" pitchFamily="34" charset="0"/>
+                <a:cs typeface="Calibri" panose="020F0502020204030204" pitchFamily="34" charset="0"/>
+              </a:rPr>
+              <a:t>Analysis of </a:t>
+            </a:r>
+            <a:r>
+              <a:rPr lang="en-IN" b="1" dirty="0" smtClean="0">
+                <a:latin typeface="Calibri" panose="020F0502020204030204" pitchFamily="34" charset="0"/>
+                <a:ea typeface="Calibri" panose="020F0502020204030204" pitchFamily="34" charset="0"/>
+                <a:cs typeface="Calibri" panose="020F0502020204030204" pitchFamily="34" charset="0"/>
+              </a:rPr>
+              <a:t>Issuing </a:t>
+            </a:r>
+            <a:r>
+              <a:rPr lang="en-IN" b="1" dirty="0">
+                <a:latin typeface="Calibri" panose="020F0502020204030204" pitchFamily="34" charset="0"/>
+                <a:ea typeface="Calibri" panose="020F0502020204030204" pitchFamily="34" charset="0"/>
+                <a:cs typeface="Calibri" panose="020F0502020204030204" pitchFamily="34" charset="0"/>
+              </a:rPr>
+              <a:t>Year</a:t>
+            </a:r>
+            <a:br>
+              <a:rPr lang="en-IN" b="1" dirty="0">
+                <a:latin typeface="Calibri" panose="020F0502020204030204" pitchFamily="34" charset="0"/>
+                <a:ea typeface="Calibri" panose="020F0502020204030204" pitchFamily="34" charset="0"/>
+                <a:cs typeface="Calibri" panose="020F0502020204030204" pitchFamily="34" charset="0"/>
+              </a:rPr>
+            </a:br>
+            <a:endParaRPr lang="en-IN" dirty="0">
+              <a:latin typeface="Calibri" panose="020F0502020204030204" pitchFamily="34" charset="0"/>
+              <a:ea typeface="Calibri" panose="020F0502020204030204" pitchFamily="34" charset="0"/>
+              <a:cs typeface="Calibri" panose="020F0502020204030204" pitchFamily="34" charset="0"/>
+            </a:endParaRPr>
+          </a:p>
+        </p:txBody>
+      </p:sp>
+      <p:pic>
+        <p:nvPicPr>
+          <p:cNvPr id="5" name="Picture 4"/>
+          <p:cNvPicPr>
+            <a:picLocks noChangeAspect="1"/>
+          </p:cNvPicPr>
+          <p:nvPr/>
+        </p:nvPicPr>
+        <p:blipFill>
+          <a:blip r:embed="rId2"/>
+          <a:stretch>
+            <a:fillRect/>
+          </a:stretch>
+        </p:blipFill>
+        <p:spPr>
+          <a:xfrm>
+            <a:off x="1546192" y="1215532"/>
+            <a:ext cx="4799190" cy="2600008"/>
+          </a:xfrm>
+          <a:prstGeom prst="rect">
+            <a:avLst/>
+          </a:prstGeom>
+        </p:spPr>
+      </p:pic>
+      <p:pic>
+        <p:nvPicPr>
+          <p:cNvPr id="7" name="Content Placeholder 3"/>
+          <p:cNvPicPr>
+            <a:picLocks noGrp="1" noChangeAspect="1"/>
+          </p:cNvPicPr>
+          <p:nvPr>
+            <p:ph idx="1"/>
+          </p:nvPr>
+        </p:nvPicPr>
+        <p:blipFill>
+          <a:blip r:embed="rId3"/>
+          <a:stretch>
+            <a:fillRect/>
+          </a:stretch>
+        </p:blipFill>
+        <p:spPr>
+          <a:xfrm>
+            <a:off x="4670688" y="2958190"/>
+            <a:ext cx="6759312" cy="3753374"/>
+          </a:xfrm>
+          <a:prstGeom prst="rect">
+            <a:avLst/>
+          </a:prstGeom>
+        </p:spPr>
+      </p:pic>
+      <p:sp>
+        <p:nvSpPr>
+          <p:cNvPr id="8" name="TextBox 7"/>
+          <p:cNvSpPr txBox="1"/>
+          <p:nvPr/>
+        </p:nvSpPr>
+        <p:spPr>
+          <a:xfrm>
+            <a:off x="6470073" y="1251555"/>
+            <a:ext cx="5347853" cy="1938992"/>
+          </a:xfrm>
+          <a:prstGeom prst="rect">
+            <a:avLst/>
+          </a:prstGeom>
+          <a:noFill/>
+        </p:spPr>
+        <p:txBody>
+          <a:bodyPr wrap="square" rtlCol="0">
+            <a:spAutoFit/>
+          </a:bodyPr>
+          <a:lstStyle/>
+          <a:p>
+            <a:pPr algn="just"/>
+            <a:r>
+              <a:rPr lang="en-US" sz="2400" dirty="0">
+                <a:latin typeface="Calibri" panose="020F0502020204030204" pitchFamily="34" charset="0"/>
+                <a:ea typeface="Calibri" panose="020F0502020204030204" pitchFamily="34" charset="0"/>
+                <a:cs typeface="Calibri" panose="020F0502020204030204" pitchFamily="34" charset="0"/>
+              </a:rPr>
+              <a:t>Analysis of </a:t>
+            </a:r>
+            <a:r>
+              <a:rPr lang="en-US" sz="2400" dirty="0" smtClean="0">
+                <a:latin typeface="Calibri" panose="020F0502020204030204" pitchFamily="34" charset="0"/>
+                <a:ea typeface="Calibri" panose="020F0502020204030204" pitchFamily="34" charset="0"/>
+                <a:cs typeface="Calibri" panose="020F0502020204030204" pitchFamily="34" charset="0"/>
+              </a:rPr>
+              <a:t>Issuing </a:t>
+            </a:r>
+            <a:r>
+              <a:rPr lang="en-US" sz="2400" dirty="0">
+                <a:latin typeface="Calibri" panose="020F0502020204030204" pitchFamily="34" charset="0"/>
+                <a:ea typeface="Calibri" panose="020F0502020204030204" pitchFamily="34" charset="0"/>
+                <a:cs typeface="Calibri" panose="020F0502020204030204" pitchFamily="34" charset="0"/>
+              </a:rPr>
+              <a:t>Year: It is showing that loan approval increasing exponential rate. Increasing every year compare to previous year.</a:t>
+            </a:r>
+          </a:p>
+          <a:p>
+            <a:pPr algn="just"/>
+            <a:endParaRPr lang="en-IN" sz="2400" dirty="0">
+              <a:latin typeface="Calibri" panose="020F0502020204030204" pitchFamily="34" charset="0"/>
+              <a:ea typeface="Calibri" panose="020F0502020204030204" pitchFamily="34" charset="0"/>
+              <a:cs typeface="Calibri" panose="020F0502020204030204" pitchFamily="34" charset="0"/>
+            </a:endParaRPr>
+          </a:p>
+        </p:txBody>
+      </p:sp>
+    </p:spTree>
+    <p:extLst>
+      <p:ext uri="{BB962C8B-B14F-4D97-AF65-F5344CB8AC3E}">
+        <p14:creationId xmlns:p14="http://schemas.microsoft.com/office/powerpoint/2010/main" val="3075827827"/>
+      </p:ext>
+    </p:extLst>
+  </p:cSld>
+  <p:clrMapOvr>
+    <a:masterClrMapping/>
+  </p:clrMapOvr>
+</p:sld>
+</file>
+
+<file path=ppt/slides/slide33.xml><?xml version="1.0" encoding="utf-8"?>
+<p:sld xmlns:a="http://schemas.openxmlformats.org/drawingml/2006/main" xmlns:r="http://schemas.openxmlformats.org/officeDocument/2006/relationships" xmlns:p="http://schemas.openxmlformats.org/presentationml/2006/main">
+  <p:cSld>
+    <p:spTree>
+      <p:nvGrpSpPr>
+        <p:cNvPr id="1" name=""/>
+        <p:cNvGrpSpPr/>
+        <p:nvPr/>
+      </p:nvGrpSpPr>
+      <p:grpSpPr>
+        <a:xfrm>
+          <a:off x="0" y="0"/>
+          <a:ext cx="0" cy="0"/>
+          <a:chOff x="0" y="0"/>
+          <a:chExt cx="0" cy="0"/>
+        </a:xfrm>
+      </p:grpSpPr>
+      <p:sp>
+        <p:nvSpPr>
+          <p:cNvPr id="2" name="Title 1"/>
+          <p:cNvSpPr>
+            <a:spLocks noGrp="1"/>
+          </p:cNvSpPr>
+          <p:nvPr>
+            <p:ph type="title"/>
+          </p:nvPr>
+        </p:nvSpPr>
+        <p:spPr>
+          <a:xfrm>
+            <a:off x="3950671" y="86688"/>
+            <a:ext cx="3835584" cy="705926"/>
+          </a:xfrm>
+        </p:spPr>
+        <p:txBody>
+          <a:bodyPr>
+            <a:noAutofit/>
+          </a:bodyPr>
+          <a:lstStyle/>
+          <a:p>
+            <a:r>
+              <a:rPr lang="en-IN" b="1" dirty="0">
+                <a:latin typeface="Calibri" panose="020F0502020204030204" pitchFamily="34" charset="0"/>
+                <a:ea typeface="Calibri" panose="020F0502020204030204" pitchFamily="34" charset="0"/>
+                <a:cs typeface="Calibri" panose="020F0502020204030204" pitchFamily="34" charset="0"/>
+              </a:rPr>
+              <a:t>Bivariate Analysis</a:t>
+            </a:r>
+            <a:br>
+              <a:rPr lang="en-IN" b="1" dirty="0">
+                <a:latin typeface="Calibri" panose="020F0502020204030204" pitchFamily="34" charset="0"/>
+                <a:ea typeface="Calibri" panose="020F0502020204030204" pitchFamily="34" charset="0"/>
+                <a:cs typeface="Calibri" panose="020F0502020204030204" pitchFamily="34" charset="0"/>
+              </a:rPr>
+            </a:br>
+            <a:endParaRPr lang="en-IN" dirty="0">
+              <a:latin typeface="Calibri" panose="020F0502020204030204" pitchFamily="34" charset="0"/>
+              <a:ea typeface="Calibri" panose="020F0502020204030204" pitchFamily="34" charset="0"/>
+              <a:cs typeface="Calibri" panose="020F0502020204030204" pitchFamily="34" charset="0"/>
+            </a:endParaRPr>
+          </a:p>
+        </p:txBody>
+      </p:sp>
+      <p:sp>
+        <p:nvSpPr>
+          <p:cNvPr id="3" name="Content Placeholder 2"/>
+          <p:cNvSpPr>
+            <a:spLocks noGrp="1"/>
+          </p:cNvSpPr>
+          <p:nvPr>
+            <p:ph idx="1"/>
+          </p:nvPr>
+        </p:nvSpPr>
+        <p:spPr>
+          <a:xfrm>
+            <a:off x="1827212" y="896455"/>
+            <a:ext cx="8915400" cy="387926"/>
+          </a:xfrm>
+        </p:spPr>
+        <p:txBody>
+          <a:bodyPr>
+            <a:noAutofit/>
+          </a:bodyPr>
+          <a:lstStyle/>
+          <a:p>
+            <a:r>
+              <a:rPr lang="en-US" sz="2400" dirty="0" smtClean="0">
+                <a:latin typeface="Calibri" panose="020F0502020204030204" pitchFamily="34" charset="0"/>
+                <a:ea typeface="Calibri" panose="020F0502020204030204" pitchFamily="34" charset="0"/>
+                <a:cs typeface="Calibri" panose="020F0502020204030204" pitchFamily="34" charset="0"/>
+              </a:rPr>
+              <a:t>To find relationship between </a:t>
+            </a:r>
+            <a:r>
+              <a:rPr lang="en-US" sz="2400" dirty="0">
+                <a:latin typeface="Calibri" panose="020F0502020204030204" pitchFamily="34" charset="0"/>
+                <a:ea typeface="Calibri" panose="020F0502020204030204" pitchFamily="34" charset="0"/>
+                <a:cs typeface="Calibri" panose="020F0502020204030204" pitchFamily="34" charset="0"/>
+              </a:rPr>
+              <a:t>two sets of </a:t>
+            </a:r>
+            <a:r>
+              <a:rPr lang="en-US" sz="2400" dirty="0" smtClean="0">
+                <a:latin typeface="Calibri" panose="020F0502020204030204" pitchFamily="34" charset="0"/>
+                <a:ea typeface="Calibri" panose="020F0502020204030204" pitchFamily="34" charset="0"/>
+                <a:cs typeface="Calibri" panose="020F0502020204030204" pitchFamily="34" charset="0"/>
+              </a:rPr>
+              <a:t>values.</a:t>
+            </a:r>
+          </a:p>
+          <a:p>
+            <a:endParaRPr lang="en-US" sz="2400" dirty="0">
+              <a:latin typeface="Calibri" panose="020F0502020204030204" pitchFamily="34" charset="0"/>
+              <a:ea typeface="Calibri" panose="020F0502020204030204" pitchFamily="34" charset="0"/>
+              <a:cs typeface="Calibri" panose="020F0502020204030204" pitchFamily="34" charset="0"/>
+            </a:endParaRPr>
+          </a:p>
+          <a:p>
+            <a:pPr marL="0" indent="0">
+              <a:buNone/>
+            </a:pPr>
+            <a:endParaRPr lang="en-IN" sz="2400" dirty="0">
+              <a:latin typeface="Calibri" panose="020F0502020204030204" pitchFamily="34" charset="0"/>
+              <a:ea typeface="Calibri" panose="020F0502020204030204" pitchFamily="34" charset="0"/>
+              <a:cs typeface="Calibri" panose="020F0502020204030204" pitchFamily="34" charset="0"/>
+            </a:endParaRPr>
+          </a:p>
+        </p:txBody>
+      </p:sp>
+      <p:sp>
+        <p:nvSpPr>
+          <p:cNvPr id="6" name="TextBox 5"/>
+          <p:cNvSpPr txBox="1"/>
+          <p:nvPr/>
+        </p:nvSpPr>
+        <p:spPr>
+          <a:xfrm>
+            <a:off x="7024256" y="1549958"/>
+            <a:ext cx="5167744" cy="1569660"/>
+          </a:xfrm>
+          <a:prstGeom prst="rect">
+            <a:avLst/>
+          </a:prstGeom>
+          <a:noFill/>
+        </p:spPr>
+        <p:txBody>
+          <a:bodyPr wrap="square" rtlCol="0">
+            <a:spAutoFit/>
+          </a:bodyPr>
+          <a:lstStyle/>
+          <a:p>
+            <a:pPr algn="just"/>
+            <a:r>
+              <a:rPr lang="en-US" sz="2400" dirty="0">
+                <a:latin typeface="Calibri" panose="020F0502020204030204" pitchFamily="34" charset="0"/>
+                <a:ea typeface="Calibri" panose="020F0502020204030204" pitchFamily="34" charset="0"/>
+                <a:cs typeface="Calibri" panose="020F0502020204030204" pitchFamily="34" charset="0"/>
+              </a:rPr>
+              <a:t>Analysis of Annual Income against Loan Status: Income group having income 50000 and less are more likely to default than higher income groups</a:t>
+            </a:r>
+            <a:r>
+              <a:rPr lang="en-US" sz="2400" dirty="0" smtClean="0">
+                <a:latin typeface="Calibri" panose="020F0502020204030204" pitchFamily="34" charset="0"/>
+                <a:ea typeface="Calibri" panose="020F0502020204030204" pitchFamily="34" charset="0"/>
+                <a:cs typeface="Calibri" panose="020F0502020204030204" pitchFamily="34" charset="0"/>
+              </a:rPr>
+              <a:t>.</a:t>
+            </a:r>
+            <a:endParaRPr lang="en-US" sz="2400" dirty="0">
+              <a:latin typeface="Calibri" panose="020F0502020204030204" pitchFamily="34" charset="0"/>
+              <a:ea typeface="Calibri" panose="020F0502020204030204" pitchFamily="34" charset="0"/>
+              <a:cs typeface="Calibri" panose="020F0502020204030204" pitchFamily="34" charset="0"/>
+            </a:endParaRPr>
+          </a:p>
+        </p:txBody>
+      </p:sp>
+      <p:pic>
+        <p:nvPicPr>
+          <p:cNvPr id="7" name="Picture 6"/>
+          <p:cNvPicPr>
+            <a:picLocks noChangeAspect="1"/>
+          </p:cNvPicPr>
+          <p:nvPr/>
+        </p:nvPicPr>
+        <p:blipFill>
+          <a:blip r:embed="rId2"/>
+          <a:stretch>
+            <a:fillRect/>
+          </a:stretch>
+        </p:blipFill>
+        <p:spPr>
+          <a:xfrm>
+            <a:off x="261435" y="1388222"/>
+            <a:ext cx="6630325" cy="2272146"/>
+          </a:xfrm>
+          <a:prstGeom prst="rect">
+            <a:avLst/>
+          </a:prstGeom>
+        </p:spPr>
+      </p:pic>
+      <p:pic>
+        <p:nvPicPr>
+          <p:cNvPr id="8" name="Picture 7"/>
+          <p:cNvPicPr>
+            <a:picLocks noChangeAspect="1"/>
+          </p:cNvPicPr>
+          <p:nvPr/>
+        </p:nvPicPr>
+        <p:blipFill>
+          <a:blip r:embed="rId3"/>
+          <a:stretch>
+            <a:fillRect/>
+          </a:stretch>
+        </p:blipFill>
+        <p:spPr>
+          <a:xfrm>
+            <a:off x="4966799" y="3385196"/>
+            <a:ext cx="6601746" cy="3639058"/>
+          </a:xfrm>
+          <a:prstGeom prst="rect">
+            <a:avLst/>
+          </a:prstGeom>
+        </p:spPr>
+      </p:pic>
+    </p:spTree>
+    <p:extLst>
+      <p:ext uri="{BB962C8B-B14F-4D97-AF65-F5344CB8AC3E}">
+        <p14:creationId xmlns:p14="http://schemas.microsoft.com/office/powerpoint/2010/main" val="579404359"/>
+      </p:ext>
+    </p:extLst>
+  </p:cSld>
+  <p:clrMapOvr>
+    <a:masterClrMapping/>
+  </p:clrMapOvr>
+</p:sld>
+</file>
+
+<file path=ppt/slides/slide34.xml><?xml version="1.0" encoding="utf-8"?>
+<p:sld xmlns:a="http://schemas.openxmlformats.org/drawingml/2006/main" xmlns:r="http://schemas.openxmlformats.org/officeDocument/2006/relationships" xmlns:p="http://schemas.openxmlformats.org/presentationml/2006/main">
+  <p:cSld>
+    <p:spTree>
+      <p:nvGrpSpPr>
+        <p:cNvPr id="1" name=""/>
+        <p:cNvGrpSpPr/>
+        <p:nvPr/>
+      </p:nvGrpSpPr>
+      <p:grpSpPr>
+        <a:xfrm>
+          <a:off x="0" y="0"/>
+          <a:ext cx="0" cy="0"/>
+          <a:chOff x="0" y="0"/>
+          <a:chExt cx="0" cy="0"/>
+        </a:xfrm>
+      </p:grpSpPr>
+      <p:sp>
+        <p:nvSpPr>
+          <p:cNvPr id="2" name="Title 1"/>
+          <p:cNvSpPr>
+            <a:spLocks noGrp="1"/>
+          </p:cNvSpPr>
+          <p:nvPr>
+            <p:ph type="title"/>
+          </p:nvPr>
+        </p:nvSpPr>
+        <p:spPr>
+          <a:xfrm>
+            <a:off x="2275083" y="0"/>
+            <a:ext cx="8075075" cy="484254"/>
+          </a:xfrm>
+        </p:spPr>
+        <p:txBody>
+          <a:bodyPr>
+            <a:noAutofit/>
+          </a:bodyPr>
+          <a:lstStyle/>
+          <a:p>
+            <a:r>
+              <a:rPr lang="en-US" b="1" dirty="0">
+                <a:latin typeface="Calibri" panose="020F0502020204030204" pitchFamily="34" charset="0"/>
+                <a:ea typeface="Calibri" panose="020F0502020204030204" pitchFamily="34" charset="0"/>
+                <a:cs typeface="Calibri" panose="020F0502020204030204" pitchFamily="34" charset="0"/>
+              </a:rPr>
+              <a:t>Bivariate Analysis of Interest Rate against Loan Status</a:t>
+            </a:r>
+            <a:br>
+              <a:rPr lang="en-US" b="1" dirty="0">
+                <a:latin typeface="Calibri" panose="020F0502020204030204" pitchFamily="34" charset="0"/>
+                <a:ea typeface="Calibri" panose="020F0502020204030204" pitchFamily="34" charset="0"/>
+                <a:cs typeface="Calibri" panose="020F0502020204030204" pitchFamily="34" charset="0"/>
+              </a:rPr>
+            </a:br>
+            <a:endParaRPr lang="en-IN" dirty="0">
+              <a:latin typeface="Calibri" panose="020F0502020204030204" pitchFamily="34" charset="0"/>
+              <a:ea typeface="Calibri" panose="020F0502020204030204" pitchFamily="34" charset="0"/>
+              <a:cs typeface="Calibri" panose="020F0502020204030204" pitchFamily="34" charset="0"/>
+            </a:endParaRPr>
+          </a:p>
+        </p:txBody>
+      </p:sp>
+      <p:sp>
+        <p:nvSpPr>
+          <p:cNvPr id="5" name="TextBox 4"/>
+          <p:cNvSpPr txBox="1"/>
+          <p:nvPr/>
+        </p:nvSpPr>
+        <p:spPr>
+          <a:xfrm>
+            <a:off x="7610488" y="1538266"/>
+            <a:ext cx="4290567" cy="1569660"/>
+          </a:xfrm>
+          <a:prstGeom prst="rect">
+            <a:avLst/>
+          </a:prstGeom>
+          <a:noFill/>
+        </p:spPr>
+        <p:txBody>
+          <a:bodyPr wrap="square" rtlCol="0">
+            <a:spAutoFit/>
+          </a:bodyPr>
+          <a:lstStyle/>
+          <a:p>
+            <a:pPr algn="just"/>
+            <a:r>
+              <a:rPr lang="en-US" sz="2400" dirty="0">
+                <a:latin typeface="Calibri" panose="020F0502020204030204" pitchFamily="34" charset="0"/>
+                <a:ea typeface="Calibri" panose="020F0502020204030204" pitchFamily="34" charset="0"/>
+                <a:cs typeface="Calibri" panose="020F0502020204030204" pitchFamily="34" charset="0"/>
+              </a:rPr>
+              <a:t>Analysis of Interest Rate against Loan Status: As Interest Rate of loan increases default ratio for loans is also increasing.</a:t>
+            </a:r>
+          </a:p>
+        </p:txBody>
+      </p:sp>
+      <p:pic>
+        <p:nvPicPr>
+          <p:cNvPr id="6" name="Picture 5"/>
+          <p:cNvPicPr>
+            <a:picLocks noChangeAspect="1"/>
+          </p:cNvPicPr>
+          <p:nvPr/>
+        </p:nvPicPr>
+        <p:blipFill>
+          <a:blip r:embed="rId2"/>
+          <a:stretch>
+            <a:fillRect/>
+          </a:stretch>
+        </p:blipFill>
+        <p:spPr>
+          <a:xfrm>
+            <a:off x="1159444" y="1260764"/>
+            <a:ext cx="6354062" cy="2327543"/>
+          </a:xfrm>
+          <a:prstGeom prst="rect">
+            <a:avLst/>
+          </a:prstGeom>
+        </p:spPr>
+      </p:pic>
+      <p:pic>
+        <p:nvPicPr>
+          <p:cNvPr id="8" name="Content Placeholder 3"/>
+          <p:cNvPicPr>
+            <a:picLocks noChangeAspect="1"/>
+          </p:cNvPicPr>
+          <p:nvPr/>
+        </p:nvPicPr>
+        <p:blipFill>
+          <a:blip r:embed="rId3"/>
+          <a:stretch>
+            <a:fillRect/>
+          </a:stretch>
+        </p:blipFill>
+        <p:spPr>
+          <a:xfrm>
+            <a:off x="5250873" y="3385428"/>
+            <a:ext cx="6430272" cy="3391373"/>
+          </a:xfrm>
+          <a:prstGeom prst="rect">
+            <a:avLst/>
+          </a:prstGeom>
+        </p:spPr>
+      </p:pic>
+    </p:spTree>
+    <p:extLst>
+      <p:ext uri="{BB962C8B-B14F-4D97-AF65-F5344CB8AC3E}">
+        <p14:creationId xmlns:p14="http://schemas.microsoft.com/office/powerpoint/2010/main" val="149672481"/>
+      </p:ext>
+    </p:extLst>
+  </p:cSld>
+  <p:clrMapOvr>
+    <a:masterClrMapping/>
+  </p:clrMapOvr>
+</p:sld>
+</file>
+
+<file path=ppt/slides/slide35.xml><?xml version="1.0" encoding="utf-8"?>
+<p:sld xmlns:a="http://schemas.openxmlformats.org/drawingml/2006/main" xmlns:r="http://schemas.openxmlformats.org/officeDocument/2006/relationships" xmlns:p="http://schemas.openxmlformats.org/presentationml/2006/main">
+  <p:cSld>
+    <p:spTree>
+      <p:nvGrpSpPr>
+        <p:cNvPr id="1" name=""/>
+        <p:cNvGrpSpPr/>
+        <p:nvPr/>
+      </p:nvGrpSpPr>
+      <p:grpSpPr>
+        <a:xfrm>
+          <a:off x="0" y="0"/>
+          <a:ext cx="0" cy="0"/>
+          <a:chOff x="0" y="0"/>
+          <a:chExt cx="0" cy="0"/>
+        </a:xfrm>
+      </p:grpSpPr>
+      <p:sp>
+        <p:nvSpPr>
+          <p:cNvPr id="2" name="Title 1"/>
+          <p:cNvSpPr>
+            <a:spLocks noGrp="1"/>
+          </p:cNvSpPr>
+          <p:nvPr>
+            <p:ph type="title"/>
+          </p:nvPr>
+        </p:nvSpPr>
+        <p:spPr>
+          <a:xfrm>
+            <a:off x="1983325" y="374728"/>
+            <a:ext cx="9155730" cy="595090"/>
+          </a:xfrm>
+        </p:spPr>
+        <p:txBody>
+          <a:bodyPr>
+            <a:normAutofit fontScale="90000"/>
+          </a:bodyPr>
+          <a:lstStyle/>
+          <a:p>
+            <a:r>
+              <a:rPr lang="en-US" sz="2700" b="1" dirty="0"/>
+              <a:t>Bivariate Analysis of Employment Length against Loan Status</a:t>
+            </a:r>
+            <a:r>
+              <a:rPr lang="en-US" b="1" dirty="0"/>
+              <a:t/>
+            </a:r>
+            <a:br>
+              <a:rPr lang="en-US" b="1" dirty="0"/>
+            </a:br>
+            <a:endParaRPr lang="en-IN" dirty="0"/>
+          </a:p>
+        </p:txBody>
+      </p:sp>
+      <p:sp>
+        <p:nvSpPr>
+          <p:cNvPr id="5" name="TextBox 4"/>
+          <p:cNvSpPr txBox="1"/>
+          <p:nvPr/>
+        </p:nvSpPr>
+        <p:spPr>
+          <a:xfrm>
+            <a:off x="6764543" y="1317619"/>
+            <a:ext cx="5427457" cy="1446550"/>
+          </a:xfrm>
+          <a:prstGeom prst="rect">
+            <a:avLst/>
+          </a:prstGeom>
+          <a:noFill/>
+        </p:spPr>
+        <p:txBody>
+          <a:bodyPr wrap="square" rtlCol="0">
+            <a:spAutoFit/>
+          </a:bodyPr>
+          <a:lstStyle/>
+          <a:p>
+            <a:pPr algn="just"/>
+            <a:r>
+              <a:rPr lang="en-US" sz="2200" dirty="0">
+                <a:latin typeface="Calibri" panose="020F0502020204030204" pitchFamily="34" charset="0"/>
+                <a:ea typeface="Calibri" panose="020F0502020204030204" pitchFamily="34" charset="0"/>
+                <a:cs typeface="Calibri" panose="020F0502020204030204" pitchFamily="34" charset="0"/>
+              </a:rPr>
+              <a:t>Analysis of Employment Length against Loan Status: The employees having 10+ years of </a:t>
+            </a:r>
+            <a:r>
+              <a:rPr lang="en-US" sz="2200" dirty="0" smtClean="0">
+                <a:latin typeface="Calibri" panose="020F0502020204030204" pitchFamily="34" charset="0"/>
+                <a:ea typeface="Calibri" panose="020F0502020204030204" pitchFamily="34" charset="0"/>
+                <a:cs typeface="Calibri" panose="020F0502020204030204" pitchFamily="34" charset="0"/>
+              </a:rPr>
+              <a:t>experience </a:t>
+            </a:r>
+            <a:r>
+              <a:rPr lang="en-US" sz="2200" dirty="0">
+                <a:latin typeface="Calibri" panose="020F0502020204030204" pitchFamily="34" charset="0"/>
+                <a:ea typeface="Calibri" panose="020F0502020204030204" pitchFamily="34" charset="0"/>
+                <a:cs typeface="Calibri" panose="020F0502020204030204" pitchFamily="34" charset="0"/>
+              </a:rPr>
+              <a:t>are less likely to default and higher chance to fully paid the loans</a:t>
+            </a:r>
+            <a:r>
+              <a:rPr lang="en-US" sz="2200" dirty="0" smtClean="0">
+                <a:latin typeface="Calibri" panose="020F0502020204030204" pitchFamily="34" charset="0"/>
+                <a:ea typeface="Calibri" panose="020F0502020204030204" pitchFamily="34" charset="0"/>
+                <a:cs typeface="Calibri" panose="020F0502020204030204" pitchFamily="34" charset="0"/>
+              </a:rPr>
+              <a:t>.</a:t>
+            </a:r>
+            <a:endParaRPr lang="en-US" sz="2200" dirty="0">
+              <a:latin typeface="Calibri" panose="020F0502020204030204" pitchFamily="34" charset="0"/>
+              <a:ea typeface="Calibri" panose="020F0502020204030204" pitchFamily="34" charset="0"/>
+              <a:cs typeface="Calibri" panose="020F0502020204030204" pitchFamily="34" charset="0"/>
+            </a:endParaRPr>
+          </a:p>
+        </p:txBody>
+      </p:sp>
+      <p:pic>
+        <p:nvPicPr>
+          <p:cNvPr id="6" name="Picture 5"/>
+          <p:cNvPicPr>
+            <a:picLocks noChangeAspect="1"/>
+          </p:cNvPicPr>
+          <p:nvPr/>
+        </p:nvPicPr>
+        <p:blipFill>
+          <a:blip r:embed="rId2"/>
+          <a:stretch>
+            <a:fillRect/>
+          </a:stretch>
+        </p:blipFill>
+        <p:spPr>
+          <a:xfrm>
+            <a:off x="124691" y="1103705"/>
+            <a:ext cx="6639852" cy="2142059"/>
+          </a:xfrm>
+          <a:prstGeom prst="rect">
+            <a:avLst/>
+          </a:prstGeom>
+        </p:spPr>
+      </p:pic>
+      <p:pic>
+        <p:nvPicPr>
+          <p:cNvPr id="8" name="Content Placeholder 3"/>
+          <p:cNvPicPr>
+            <a:picLocks noChangeAspect="1"/>
+          </p:cNvPicPr>
+          <p:nvPr/>
+        </p:nvPicPr>
+        <p:blipFill>
+          <a:blip r:embed="rId3"/>
+          <a:stretch>
+            <a:fillRect/>
+          </a:stretch>
+        </p:blipFill>
+        <p:spPr>
+          <a:xfrm>
+            <a:off x="4556361" y="2978083"/>
+            <a:ext cx="6582694" cy="3477110"/>
+          </a:xfrm>
+          <a:prstGeom prst="rect">
+            <a:avLst/>
+          </a:prstGeom>
+        </p:spPr>
+      </p:pic>
+    </p:spTree>
+    <p:extLst>
+      <p:ext uri="{BB962C8B-B14F-4D97-AF65-F5344CB8AC3E}">
+        <p14:creationId xmlns:p14="http://schemas.microsoft.com/office/powerpoint/2010/main" val="3411986911"/>
+      </p:ext>
+    </p:extLst>
+  </p:cSld>
+  <p:clrMapOvr>
+    <a:masterClrMapping/>
+  </p:clrMapOvr>
+</p:sld>
+</file>
+
+<file path=ppt/slides/slide36.xml><?xml version="1.0" encoding="utf-8"?>
+<p:sld xmlns:a="http://schemas.openxmlformats.org/drawingml/2006/main" xmlns:r="http://schemas.openxmlformats.org/officeDocument/2006/relationships" xmlns:p="http://schemas.openxmlformats.org/presentationml/2006/main">
+  <p:cSld>
+    <p:spTree>
+      <p:nvGrpSpPr>
+        <p:cNvPr id="1" name=""/>
+        <p:cNvGrpSpPr/>
+        <p:nvPr/>
+      </p:nvGrpSpPr>
+      <p:grpSpPr>
+        <a:xfrm>
+          <a:off x="0" y="0"/>
+          <a:ext cx="0" cy="0"/>
+          <a:chOff x="0" y="0"/>
+          <a:chExt cx="0" cy="0"/>
+        </a:xfrm>
+      </p:grpSpPr>
+      <p:sp>
+        <p:nvSpPr>
+          <p:cNvPr id="2" name="Title 1"/>
+          <p:cNvSpPr>
+            <a:spLocks noGrp="1"/>
+          </p:cNvSpPr>
+          <p:nvPr>
+            <p:ph type="title"/>
+          </p:nvPr>
+        </p:nvSpPr>
+        <p:spPr>
+          <a:xfrm>
+            <a:off x="2121870" y="0"/>
+            <a:ext cx="8172057" cy="553527"/>
+          </a:xfrm>
+        </p:spPr>
+        <p:txBody>
+          <a:bodyPr>
+            <a:noAutofit/>
+          </a:bodyPr>
+          <a:lstStyle/>
+          <a:p>
+            <a:r>
+              <a:rPr lang="en-US" b="1" dirty="0">
+                <a:latin typeface="Calibri" panose="020F0502020204030204" pitchFamily="34" charset="0"/>
+                <a:ea typeface="Calibri" panose="020F0502020204030204" pitchFamily="34" charset="0"/>
+                <a:cs typeface="Calibri" panose="020F0502020204030204" pitchFamily="34" charset="0"/>
+              </a:rPr>
+              <a:t>Bivariate Analysis of DTI against Grade on Loan Status</a:t>
+            </a:r>
+            <a:br>
+              <a:rPr lang="en-US" b="1" dirty="0">
+                <a:latin typeface="Calibri" panose="020F0502020204030204" pitchFamily="34" charset="0"/>
+                <a:ea typeface="Calibri" panose="020F0502020204030204" pitchFamily="34" charset="0"/>
+                <a:cs typeface="Calibri" panose="020F0502020204030204" pitchFamily="34" charset="0"/>
+              </a:rPr>
+            </a:br>
+            <a:endParaRPr lang="en-IN" dirty="0">
+              <a:latin typeface="Calibri" panose="020F0502020204030204" pitchFamily="34" charset="0"/>
+              <a:ea typeface="Calibri" panose="020F0502020204030204" pitchFamily="34" charset="0"/>
+              <a:cs typeface="Calibri" panose="020F0502020204030204" pitchFamily="34" charset="0"/>
+            </a:endParaRPr>
+          </a:p>
+        </p:txBody>
+      </p:sp>
+      <p:pic>
+        <p:nvPicPr>
+          <p:cNvPr id="5" name="Picture 4"/>
+          <p:cNvPicPr>
+            <a:picLocks noChangeAspect="1"/>
+          </p:cNvPicPr>
+          <p:nvPr/>
+        </p:nvPicPr>
+        <p:blipFill>
+          <a:blip r:embed="rId2"/>
+          <a:stretch>
+            <a:fillRect/>
+          </a:stretch>
+        </p:blipFill>
+        <p:spPr>
+          <a:xfrm>
+            <a:off x="1514524" y="1186954"/>
+            <a:ext cx="5477639" cy="2486562"/>
+          </a:xfrm>
+          <a:prstGeom prst="rect">
+            <a:avLst/>
+          </a:prstGeom>
+        </p:spPr>
+      </p:pic>
+      <p:pic>
+        <p:nvPicPr>
+          <p:cNvPr id="7" name="Content Placeholder 3"/>
+          <p:cNvPicPr>
+            <a:picLocks noChangeAspect="1"/>
+          </p:cNvPicPr>
+          <p:nvPr/>
+        </p:nvPicPr>
+        <p:blipFill>
+          <a:blip r:embed="rId3"/>
+          <a:stretch>
+            <a:fillRect/>
+          </a:stretch>
+        </p:blipFill>
+        <p:spPr>
+          <a:xfrm>
+            <a:off x="4754832" y="2921480"/>
+            <a:ext cx="7090804" cy="3811698"/>
+          </a:xfrm>
+          <a:prstGeom prst="rect">
+            <a:avLst/>
+          </a:prstGeom>
+        </p:spPr>
+      </p:pic>
+    </p:spTree>
+    <p:extLst>
+      <p:ext uri="{BB962C8B-B14F-4D97-AF65-F5344CB8AC3E}">
+        <p14:creationId xmlns:p14="http://schemas.microsoft.com/office/powerpoint/2010/main" val="4210704368"/>
+      </p:ext>
+    </p:extLst>
+  </p:cSld>
+  <p:clrMapOvr>
+    <a:masterClrMapping/>
+  </p:clrMapOvr>
+</p:sld>
+</file>
+
+<file path=ppt/slides/slide37.xml><?xml version="1.0" encoding="utf-8"?>
+<p:sld xmlns:a="http://schemas.openxmlformats.org/drawingml/2006/main" xmlns:r="http://schemas.openxmlformats.org/officeDocument/2006/relationships" xmlns:p="http://schemas.openxmlformats.org/presentationml/2006/main">
+  <p:cSld>
+    <p:spTree>
+      <p:nvGrpSpPr>
+        <p:cNvPr id="1" name=""/>
+        <p:cNvGrpSpPr/>
+        <p:nvPr/>
+      </p:nvGrpSpPr>
+      <p:grpSpPr>
+        <a:xfrm>
+          <a:off x="0" y="0"/>
+          <a:ext cx="0" cy="0"/>
+          <a:chOff x="0" y="0"/>
+          <a:chExt cx="0" cy="0"/>
+        </a:xfrm>
+      </p:grpSpPr>
+      <p:sp>
+        <p:nvSpPr>
+          <p:cNvPr id="2" name="Title 1"/>
+          <p:cNvSpPr>
+            <a:spLocks noGrp="1"/>
+          </p:cNvSpPr>
+          <p:nvPr>
+            <p:ph type="title"/>
+          </p:nvPr>
+        </p:nvSpPr>
+        <p:spPr>
+          <a:xfrm>
+            <a:off x="2745325" y="-1"/>
+            <a:ext cx="7867257" cy="1094509"/>
+          </a:xfrm>
+        </p:spPr>
+        <p:txBody>
+          <a:bodyPr>
+            <a:noAutofit/>
+          </a:bodyPr>
+          <a:lstStyle/>
+          <a:p>
+            <a:r>
+              <a:rPr lang="en-US" b="1" dirty="0">
+                <a:latin typeface="Calibri" panose="020F0502020204030204" pitchFamily="34" charset="0"/>
+                <a:ea typeface="Calibri" panose="020F0502020204030204" pitchFamily="34" charset="0"/>
+                <a:cs typeface="Calibri" panose="020F0502020204030204" pitchFamily="34" charset="0"/>
+              </a:rPr>
+              <a:t>Bivariate Analysis of DTI against Grade on Loan Status</a:t>
+            </a:r>
+            <a:endParaRPr lang="en-IN" dirty="0">
+              <a:latin typeface="Calibri" panose="020F0502020204030204" pitchFamily="34" charset="0"/>
+              <a:ea typeface="Calibri" panose="020F0502020204030204" pitchFamily="34" charset="0"/>
+              <a:cs typeface="Calibri" panose="020F0502020204030204" pitchFamily="34" charset="0"/>
+            </a:endParaRPr>
+          </a:p>
+        </p:txBody>
+      </p:sp>
+      <p:pic>
+        <p:nvPicPr>
+          <p:cNvPr id="4" name="Content Placeholder 3"/>
+          <p:cNvPicPr>
+            <a:picLocks noGrp="1" noChangeAspect="1"/>
+          </p:cNvPicPr>
+          <p:nvPr>
+            <p:ph idx="1"/>
+          </p:nvPr>
+        </p:nvPicPr>
+        <p:blipFill rotWithShape="1">
+          <a:blip r:embed="rId2"/>
+          <a:srcRect t="5212"/>
+          <a:stretch/>
+        </p:blipFill>
+        <p:spPr>
+          <a:xfrm>
+            <a:off x="705998" y="1351085"/>
+            <a:ext cx="5591955" cy="2521528"/>
+          </a:xfrm>
+          <a:prstGeom prst="rect">
+            <a:avLst/>
+          </a:prstGeom>
+        </p:spPr>
+      </p:pic>
+      <p:pic>
+        <p:nvPicPr>
+          <p:cNvPr id="6" name="Picture 5"/>
+          <p:cNvPicPr>
+            <a:picLocks noChangeAspect="1"/>
+          </p:cNvPicPr>
+          <p:nvPr/>
+        </p:nvPicPr>
+        <p:blipFill rotWithShape="1">
+          <a:blip r:embed="rId3">
+            <a:extLst>
+              <a:ext uri="{28A0092B-C50C-407E-A947-70E740481C1C}">
+                <a14:useLocalDpi xmlns:a14="http://schemas.microsoft.com/office/drawing/2010/main" val="0"/>
+              </a:ext>
+            </a:extLst>
+          </a:blip>
+          <a:srcRect r="4073"/>
+          <a:stretch/>
+        </p:blipFill>
+        <p:spPr>
+          <a:xfrm>
+            <a:off x="6297953" y="1351085"/>
+            <a:ext cx="5547684" cy="5359865"/>
+          </a:xfrm>
+          <a:prstGeom prst="rect">
+            <a:avLst/>
+          </a:prstGeom>
+        </p:spPr>
+      </p:pic>
+    </p:spTree>
+    <p:extLst>
+      <p:ext uri="{BB962C8B-B14F-4D97-AF65-F5344CB8AC3E}">
+        <p14:creationId xmlns:p14="http://schemas.microsoft.com/office/powerpoint/2010/main" val="4170332285"/>
+      </p:ext>
+    </p:extLst>
+  </p:cSld>
+  <p:clrMapOvr>
+    <a:masterClrMapping/>
+  </p:clrMapOvr>
+</p:sld>
+</file>
+
+<file path=ppt/slides/slide38.xml><?xml version="1.0" encoding="utf-8"?>
+<p:sld xmlns:a="http://schemas.openxmlformats.org/drawingml/2006/main" xmlns:r="http://schemas.openxmlformats.org/officeDocument/2006/relationships" xmlns:p="http://schemas.openxmlformats.org/presentationml/2006/main">
+  <p:cSld>
+    <p:spTree>
+      <p:nvGrpSpPr>
+        <p:cNvPr id="1" name=""/>
+        <p:cNvGrpSpPr/>
+        <p:nvPr/>
+      </p:nvGrpSpPr>
+      <p:grpSpPr>
+        <a:xfrm>
+          <a:off x="0" y="0"/>
+          <a:ext cx="0" cy="0"/>
+          <a:chOff x="0" y="0"/>
+          <a:chExt cx="0" cy="0"/>
+        </a:xfrm>
+      </p:grpSpPr>
+      <p:sp>
+        <p:nvSpPr>
+          <p:cNvPr id="2" name="Title 1"/>
+          <p:cNvSpPr>
+            <a:spLocks noGrp="1"/>
+          </p:cNvSpPr>
+          <p:nvPr>
+            <p:ph type="title"/>
+          </p:nvPr>
+        </p:nvSpPr>
+        <p:spPr>
+          <a:xfrm>
+            <a:off x="2177289" y="-84181"/>
+            <a:ext cx="8781657" cy="525817"/>
+          </a:xfrm>
+        </p:spPr>
+        <p:txBody>
+          <a:bodyPr>
+            <a:noAutofit/>
+          </a:bodyPr>
+          <a:lstStyle/>
+          <a:p>
+            <a:r>
+              <a:rPr lang="en-US" b="1" dirty="0">
+                <a:latin typeface="Calibri" panose="020F0502020204030204" pitchFamily="34" charset="0"/>
+                <a:ea typeface="Calibri" panose="020F0502020204030204" pitchFamily="34" charset="0"/>
+                <a:cs typeface="Calibri" panose="020F0502020204030204" pitchFamily="34" charset="0"/>
+              </a:rPr>
+              <a:t>Bivariate Analysis of Loan Amount against Loan Status</a:t>
+            </a:r>
+            <a:br>
+              <a:rPr lang="en-US" b="1" dirty="0">
+                <a:latin typeface="Calibri" panose="020F0502020204030204" pitchFamily="34" charset="0"/>
+                <a:ea typeface="Calibri" panose="020F0502020204030204" pitchFamily="34" charset="0"/>
+                <a:cs typeface="Calibri" panose="020F0502020204030204" pitchFamily="34" charset="0"/>
+              </a:rPr>
+            </a:br>
+            <a:endParaRPr lang="en-IN" dirty="0">
+              <a:latin typeface="Calibri" panose="020F0502020204030204" pitchFamily="34" charset="0"/>
+              <a:ea typeface="Calibri" panose="020F0502020204030204" pitchFamily="34" charset="0"/>
+              <a:cs typeface="Calibri" panose="020F0502020204030204" pitchFamily="34" charset="0"/>
+            </a:endParaRPr>
+          </a:p>
+        </p:txBody>
+      </p:sp>
+      <p:pic>
+        <p:nvPicPr>
+          <p:cNvPr id="5" name="Picture 4"/>
+          <p:cNvPicPr>
+            <a:picLocks noChangeAspect="1"/>
+          </p:cNvPicPr>
+          <p:nvPr/>
+        </p:nvPicPr>
+        <p:blipFill>
+          <a:blip r:embed="rId2"/>
+          <a:stretch>
+            <a:fillRect/>
+          </a:stretch>
+        </p:blipFill>
+        <p:spPr>
+          <a:xfrm>
+            <a:off x="318654" y="1350676"/>
+            <a:ext cx="6511637" cy="2399542"/>
+          </a:xfrm>
+          <a:prstGeom prst="rect">
+            <a:avLst/>
+          </a:prstGeom>
+        </p:spPr>
+      </p:pic>
+      <p:pic>
+        <p:nvPicPr>
+          <p:cNvPr id="7" name="Content Placeholder 3"/>
+          <p:cNvPicPr>
+            <a:picLocks noChangeAspect="1"/>
+          </p:cNvPicPr>
+          <p:nvPr/>
+        </p:nvPicPr>
+        <p:blipFill>
+          <a:blip r:embed="rId3"/>
+          <a:stretch>
+            <a:fillRect/>
+          </a:stretch>
+        </p:blipFill>
+        <p:spPr>
+          <a:xfrm>
+            <a:off x="4929406" y="3474334"/>
+            <a:ext cx="6542520" cy="3372675"/>
+          </a:xfrm>
+          <a:prstGeom prst="rect">
+            <a:avLst/>
+          </a:prstGeom>
+        </p:spPr>
+      </p:pic>
+      <p:sp>
+        <p:nvSpPr>
+          <p:cNvPr id="8" name="TextBox 7"/>
+          <p:cNvSpPr txBox="1"/>
+          <p:nvPr/>
+        </p:nvSpPr>
+        <p:spPr>
+          <a:xfrm>
+            <a:off x="6996545" y="1350676"/>
+            <a:ext cx="5292437" cy="2123658"/>
+          </a:xfrm>
+          <a:prstGeom prst="rect">
+            <a:avLst/>
+          </a:prstGeom>
+          <a:noFill/>
+        </p:spPr>
+        <p:txBody>
+          <a:bodyPr wrap="square" rtlCol="0">
+            <a:spAutoFit/>
+          </a:bodyPr>
+          <a:lstStyle/>
+          <a:p>
+            <a:pPr algn="just"/>
+            <a:r>
+              <a:rPr lang="en-US" sz="2200" dirty="0">
+                <a:latin typeface="Calibri" panose="020F0502020204030204" pitchFamily="34" charset="0"/>
+                <a:ea typeface="Calibri" panose="020F0502020204030204" pitchFamily="34" charset="0"/>
+                <a:cs typeface="Calibri" panose="020F0502020204030204" pitchFamily="34" charset="0"/>
+              </a:rPr>
+              <a:t>Analysis of Loan Amount against Loan Status: Fully Paid and Charged Off are almost same for 25% but Charged Off is getting higher after 50% and above than Fully Paid. It means higher the loan amount higher chances of getting defaulted</a:t>
+            </a:r>
+            <a:r>
+              <a:rPr lang="en-US" sz="2200" dirty="0" smtClean="0">
+                <a:latin typeface="Calibri" panose="020F0502020204030204" pitchFamily="34" charset="0"/>
+                <a:ea typeface="Calibri" panose="020F0502020204030204" pitchFamily="34" charset="0"/>
+                <a:cs typeface="Calibri" panose="020F0502020204030204" pitchFamily="34" charset="0"/>
+              </a:rPr>
+              <a:t>.</a:t>
+            </a:r>
+            <a:endParaRPr lang="en-US" sz="2200" dirty="0">
+              <a:latin typeface="Calibri" panose="020F0502020204030204" pitchFamily="34" charset="0"/>
+              <a:ea typeface="Calibri" panose="020F0502020204030204" pitchFamily="34" charset="0"/>
+              <a:cs typeface="Calibri" panose="020F0502020204030204" pitchFamily="34" charset="0"/>
+            </a:endParaRPr>
+          </a:p>
+        </p:txBody>
+      </p:sp>
+    </p:spTree>
+    <p:extLst>
+      <p:ext uri="{BB962C8B-B14F-4D97-AF65-F5344CB8AC3E}">
+        <p14:creationId xmlns:p14="http://schemas.microsoft.com/office/powerpoint/2010/main" val="2878822604"/>
+      </p:ext>
+    </p:extLst>
+  </p:cSld>
+  <p:clrMapOvr>
+    <a:masterClrMapping/>
+  </p:clrMapOvr>
+</p:sld>
+</file>
+
+<file path=ppt/slides/slide39.xml><?xml version="1.0" encoding="utf-8"?>
+<p:sld xmlns:a="http://schemas.openxmlformats.org/drawingml/2006/main" xmlns:r="http://schemas.openxmlformats.org/officeDocument/2006/relationships" xmlns:p="http://schemas.openxmlformats.org/presentationml/2006/main">
+  <p:cSld>
+    <p:spTree>
+      <p:nvGrpSpPr>
+        <p:cNvPr id="1" name=""/>
+        <p:cNvGrpSpPr/>
+        <p:nvPr/>
+      </p:nvGrpSpPr>
+      <p:grpSpPr>
+        <a:xfrm>
+          <a:off x="0" y="0"/>
+          <a:ext cx="0" cy="0"/>
+          <a:chOff x="0" y="0"/>
+          <a:chExt cx="0" cy="0"/>
+        </a:xfrm>
+      </p:grpSpPr>
+      <p:sp>
+        <p:nvSpPr>
+          <p:cNvPr id="2" name="Title 1"/>
+          <p:cNvSpPr>
+            <a:spLocks noGrp="1"/>
+          </p:cNvSpPr>
+          <p:nvPr>
+            <p:ph type="title"/>
+          </p:nvPr>
+        </p:nvSpPr>
+        <p:spPr>
+          <a:xfrm>
+            <a:off x="2035029" y="0"/>
+            <a:ext cx="9644353" cy="1211118"/>
+          </a:xfrm>
+        </p:spPr>
+        <p:txBody>
+          <a:bodyPr>
+            <a:noAutofit/>
+          </a:bodyPr>
+          <a:lstStyle/>
+          <a:p>
+            <a:r>
+              <a:rPr lang="en-US" b="1" dirty="0">
+                <a:latin typeface="Calibri" panose="020F0502020204030204" pitchFamily="34" charset="0"/>
+                <a:ea typeface="Calibri" panose="020F0502020204030204" pitchFamily="34" charset="0"/>
+                <a:cs typeface="Calibri" panose="020F0502020204030204" pitchFamily="34" charset="0"/>
+              </a:rPr>
+              <a:t>Bivariate Analysis of Home Ownership against Loan Amount on Loan Status</a:t>
+            </a:r>
+            <a:br>
+              <a:rPr lang="en-US" b="1" dirty="0">
+                <a:latin typeface="Calibri" panose="020F0502020204030204" pitchFamily="34" charset="0"/>
+                <a:ea typeface="Calibri" panose="020F0502020204030204" pitchFamily="34" charset="0"/>
+                <a:cs typeface="Calibri" panose="020F0502020204030204" pitchFamily="34" charset="0"/>
+              </a:rPr>
+            </a:br>
+            <a:endParaRPr lang="en-IN" dirty="0">
+              <a:latin typeface="Calibri" panose="020F0502020204030204" pitchFamily="34" charset="0"/>
+              <a:ea typeface="Calibri" panose="020F0502020204030204" pitchFamily="34" charset="0"/>
+              <a:cs typeface="Calibri" panose="020F0502020204030204" pitchFamily="34" charset="0"/>
+            </a:endParaRPr>
+          </a:p>
+        </p:txBody>
+      </p:sp>
+      <p:pic>
+        <p:nvPicPr>
+          <p:cNvPr id="5" name="Picture 4"/>
+          <p:cNvPicPr>
+            <a:picLocks noChangeAspect="1"/>
+          </p:cNvPicPr>
+          <p:nvPr/>
+        </p:nvPicPr>
+        <p:blipFill rotWithShape="1">
+          <a:blip r:embed="rId2"/>
+          <a:srcRect t="13465" r="1040" b="1937"/>
+          <a:stretch/>
+        </p:blipFill>
+        <p:spPr>
+          <a:xfrm>
+            <a:off x="844661" y="1489767"/>
+            <a:ext cx="5874794" cy="2221447"/>
+          </a:xfrm>
+          <a:prstGeom prst="rect">
+            <a:avLst/>
+          </a:prstGeom>
+        </p:spPr>
+      </p:pic>
+      <p:pic>
+        <p:nvPicPr>
+          <p:cNvPr id="7" name="Content Placeholder 3"/>
+          <p:cNvPicPr>
+            <a:picLocks noChangeAspect="1"/>
+          </p:cNvPicPr>
+          <p:nvPr/>
+        </p:nvPicPr>
+        <p:blipFill>
+          <a:blip r:embed="rId3"/>
+          <a:stretch>
+            <a:fillRect/>
+          </a:stretch>
+        </p:blipFill>
+        <p:spPr>
+          <a:xfrm>
+            <a:off x="4974780" y="3339753"/>
+            <a:ext cx="5734783" cy="3086531"/>
+          </a:xfrm>
+          <a:prstGeom prst="rect">
+            <a:avLst/>
+          </a:prstGeom>
+        </p:spPr>
+      </p:pic>
+      <p:sp>
+        <p:nvSpPr>
+          <p:cNvPr id="8" name="TextBox 7"/>
+          <p:cNvSpPr txBox="1"/>
+          <p:nvPr/>
+        </p:nvSpPr>
+        <p:spPr>
+          <a:xfrm>
+            <a:off x="7038109" y="1183654"/>
+            <a:ext cx="4919330" cy="2462213"/>
+          </a:xfrm>
+          <a:prstGeom prst="rect">
+            <a:avLst/>
+          </a:prstGeom>
+          <a:noFill/>
+        </p:spPr>
+        <p:txBody>
+          <a:bodyPr wrap="square" rtlCol="0">
+            <a:spAutoFit/>
+          </a:bodyPr>
+          <a:lstStyle/>
+          <a:p>
+            <a:pPr algn="just"/>
+            <a:r>
+              <a:rPr lang="en-US" sz="2200" dirty="0">
+                <a:latin typeface="Calibri" panose="020F0502020204030204" pitchFamily="34" charset="0"/>
+                <a:ea typeface="Calibri" panose="020F0502020204030204" pitchFamily="34" charset="0"/>
+                <a:cs typeface="Calibri" panose="020F0502020204030204" pitchFamily="34" charset="0"/>
+              </a:rPr>
+              <a:t>Analysis of Home Ownership against Loan Amount on Loan Status: People are making defaulter with Loan amount 10000 and less with None Home ownership. So, Bank should avoid giving loan these people.</a:t>
+            </a:r>
+          </a:p>
+          <a:p>
+            <a:pPr algn="just"/>
+            <a:endParaRPr lang="en-IN" sz="2200" dirty="0">
+              <a:latin typeface="Calibri" panose="020F0502020204030204" pitchFamily="34" charset="0"/>
+              <a:ea typeface="Calibri" panose="020F0502020204030204" pitchFamily="34" charset="0"/>
+              <a:cs typeface="Calibri" panose="020F0502020204030204" pitchFamily="34" charset="0"/>
+            </a:endParaRPr>
+          </a:p>
+        </p:txBody>
+      </p:sp>
+    </p:spTree>
+    <p:extLst>
+      <p:ext uri="{BB962C8B-B14F-4D97-AF65-F5344CB8AC3E}">
+        <p14:creationId xmlns:p14="http://schemas.microsoft.com/office/powerpoint/2010/main" val="121722061"/>
+      </p:ext>
+    </p:extLst>
+  </p:cSld>
+  <p:clrMapOvr>
+    <a:masterClrMapping/>
+  </p:clrMapOvr>
+</p:sld>
+</file>
+
 <file path=ppt/slides/slide4.xml><?xml version="1.0" encoding="utf-8"?>
 <p:sld xmlns:a="http://schemas.openxmlformats.org/drawingml/2006/main" xmlns:r="http://schemas.openxmlformats.org/officeDocument/2006/relationships" xmlns:p="http://schemas.openxmlformats.org/presentationml/2006/main">
   <p:cSld>
@@ -10340,6 +15258,553 @@
     <p:extLst>
       <p:ext uri="{BB962C8B-B14F-4D97-AF65-F5344CB8AC3E}">
         <p14:creationId xmlns:p14="http://schemas.microsoft.com/office/powerpoint/2010/main" val="3345151996"/>
+      </p:ext>
+    </p:extLst>
+  </p:cSld>
+  <p:clrMapOvr>
+    <a:masterClrMapping/>
+  </p:clrMapOvr>
+</p:sld>
+</file>
+
+<file path=ppt/slides/slide40.xml><?xml version="1.0" encoding="utf-8"?>
+<p:sld xmlns:a="http://schemas.openxmlformats.org/drawingml/2006/main" xmlns:r="http://schemas.openxmlformats.org/officeDocument/2006/relationships" xmlns:p="http://schemas.openxmlformats.org/presentationml/2006/main">
+  <p:cSld>
+    <p:spTree>
+      <p:nvGrpSpPr>
+        <p:cNvPr id="1" name=""/>
+        <p:cNvGrpSpPr/>
+        <p:nvPr/>
+      </p:nvGrpSpPr>
+      <p:grpSpPr>
+        <a:xfrm>
+          <a:off x="0" y="0"/>
+          <a:ext cx="0" cy="0"/>
+          <a:chOff x="0" y="0"/>
+          <a:chExt cx="0" cy="0"/>
+        </a:xfrm>
+      </p:grpSpPr>
+      <p:sp>
+        <p:nvSpPr>
+          <p:cNvPr id="2" name="Title 1"/>
+          <p:cNvSpPr>
+            <a:spLocks noGrp="1"/>
+          </p:cNvSpPr>
+          <p:nvPr>
+            <p:ph type="title"/>
+          </p:nvPr>
+        </p:nvSpPr>
+        <p:spPr>
+          <a:xfrm>
+            <a:off x="2209642" y="0"/>
+            <a:ext cx="8490712" cy="747490"/>
+          </a:xfrm>
+        </p:spPr>
+        <p:txBody>
+          <a:bodyPr>
+            <a:noAutofit/>
+          </a:bodyPr>
+          <a:lstStyle/>
+          <a:p>
+            <a:r>
+              <a:rPr lang="en-US" b="1" dirty="0">
+                <a:latin typeface="Calibri" panose="020F0502020204030204" pitchFamily="34" charset="0"/>
+                <a:ea typeface="Calibri" panose="020F0502020204030204" pitchFamily="34" charset="0"/>
+                <a:cs typeface="Calibri" panose="020F0502020204030204" pitchFamily="34" charset="0"/>
+              </a:rPr>
+              <a:t>Bivariate Analysis of Terms against Loan Amount on Loan Status</a:t>
+            </a:r>
+            <a:br>
+              <a:rPr lang="en-US" b="1" dirty="0">
+                <a:latin typeface="Calibri" panose="020F0502020204030204" pitchFamily="34" charset="0"/>
+                <a:ea typeface="Calibri" panose="020F0502020204030204" pitchFamily="34" charset="0"/>
+                <a:cs typeface="Calibri" panose="020F0502020204030204" pitchFamily="34" charset="0"/>
+              </a:rPr>
+            </a:br>
+            <a:endParaRPr lang="en-IN" dirty="0">
+              <a:latin typeface="Calibri" panose="020F0502020204030204" pitchFamily="34" charset="0"/>
+              <a:ea typeface="Calibri" panose="020F0502020204030204" pitchFamily="34" charset="0"/>
+              <a:cs typeface="Calibri" panose="020F0502020204030204" pitchFamily="34" charset="0"/>
+            </a:endParaRPr>
+          </a:p>
+        </p:txBody>
+      </p:sp>
+      <p:sp>
+        <p:nvSpPr>
+          <p:cNvPr id="5" name="TextBox 4"/>
+          <p:cNvSpPr txBox="1"/>
+          <p:nvPr/>
+        </p:nvSpPr>
+        <p:spPr>
+          <a:xfrm>
+            <a:off x="7924800" y="1697527"/>
+            <a:ext cx="4087090" cy="1785104"/>
+          </a:xfrm>
+          <a:prstGeom prst="rect">
+            <a:avLst/>
+          </a:prstGeom>
+          <a:noFill/>
+        </p:spPr>
+        <p:txBody>
+          <a:bodyPr wrap="square" rtlCol="0">
+            <a:spAutoFit/>
+          </a:bodyPr>
+          <a:lstStyle/>
+          <a:p>
+            <a:pPr algn="just"/>
+            <a:r>
+              <a:rPr lang="en-US" sz="2200" dirty="0">
+                <a:latin typeface="Calibri" panose="020F0502020204030204" pitchFamily="34" charset="0"/>
+                <a:ea typeface="Calibri" panose="020F0502020204030204" pitchFamily="34" charset="0"/>
+                <a:cs typeface="Calibri" panose="020F0502020204030204" pitchFamily="34" charset="0"/>
+              </a:rPr>
+              <a:t>Analysis of Terms against Loan Amount on Loan Status: There is no significant difference in terms with loan amount on loan status.</a:t>
+            </a:r>
+          </a:p>
+          <a:p>
+            <a:pPr algn="just"/>
+            <a:endParaRPr lang="en-IN" sz="2200" dirty="0">
+              <a:latin typeface="Calibri" panose="020F0502020204030204" pitchFamily="34" charset="0"/>
+              <a:ea typeface="Calibri" panose="020F0502020204030204" pitchFamily="34" charset="0"/>
+              <a:cs typeface="Calibri" panose="020F0502020204030204" pitchFamily="34" charset="0"/>
+            </a:endParaRPr>
+          </a:p>
+        </p:txBody>
+      </p:sp>
+      <p:pic>
+        <p:nvPicPr>
+          <p:cNvPr id="6" name="Picture 5"/>
+          <p:cNvPicPr>
+            <a:picLocks noChangeAspect="1"/>
+          </p:cNvPicPr>
+          <p:nvPr/>
+        </p:nvPicPr>
+        <p:blipFill>
+          <a:blip r:embed="rId2"/>
+          <a:stretch>
+            <a:fillRect/>
+          </a:stretch>
+        </p:blipFill>
+        <p:spPr>
+          <a:xfrm>
+            <a:off x="615580" y="1697527"/>
+            <a:ext cx="7154273" cy="2383456"/>
+          </a:xfrm>
+          <a:prstGeom prst="rect">
+            <a:avLst/>
+          </a:prstGeom>
+        </p:spPr>
+      </p:pic>
+      <p:pic>
+        <p:nvPicPr>
+          <p:cNvPr id="8" name="Content Placeholder 3"/>
+          <p:cNvPicPr>
+            <a:picLocks noChangeAspect="1"/>
+          </p:cNvPicPr>
+          <p:nvPr/>
+        </p:nvPicPr>
+        <p:blipFill>
+          <a:blip r:embed="rId3"/>
+          <a:stretch>
+            <a:fillRect/>
+          </a:stretch>
+        </p:blipFill>
+        <p:spPr>
+          <a:xfrm>
+            <a:off x="6454997" y="3573030"/>
+            <a:ext cx="5252093" cy="3284970"/>
+          </a:xfrm>
+          <a:prstGeom prst="rect">
+            <a:avLst/>
+          </a:prstGeom>
+        </p:spPr>
+      </p:pic>
+    </p:spTree>
+    <p:extLst>
+      <p:ext uri="{BB962C8B-B14F-4D97-AF65-F5344CB8AC3E}">
+        <p14:creationId xmlns:p14="http://schemas.microsoft.com/office/powerpoint/2010/main" val="623671488"/>
+      </p:ext>
+    </p:extLst>
+  </p:cSld>
+  <p:clrMapOvr>
+    <a:masterClrMapping/>
+  </p:clrMapOvr>
+</p:sld>
+</file>
+
+<file path=ppt/slides/slide41.xml><?xml version="1.0" encoding="utf-8"?>
+<p:sld xmlns:a="http://schemas.openxmlformats.org/drawingml/2006/main" xmlns:r="http://schemas.openxmlformats.org/officeDocument/2006/relationships" xmlns:p="http://schemas.openxmlformats.org/presentationml/2006/main">
+  <p:cSld>
+    <p:spTree>
+      <p:nvGrpSpPr>
+        <p:cNvPr id="1" name=""/>
+        <p:cNvGrpSpPr/>
+        <p:nvPr/>
+      </p:nvGrpSpPr>
+      <p:grpSpPr>
+        <a:xfrm>
+          <a:off x="0" y="0"/>
+          <a:ext cx="0" cy="0"/>
+          <a:chOff x="0" y="0"/>
+          <a:chExt cx="0" cy="0"/>
+        </a:xfrm>
+      </p:grpSpPr>
+      <p:sp>
+        <p:nvSpPr>
+          <p:cNvPr id="2" name="Title 1"/>
+          <p:cNvSpPr>
+            <a:spLocks noGrp="1"/>
+          </p:cNvSpPr>
+          <p:nvPr>
+            <p:ph type="title"/>
+          </p:nvPr>
+        </p:nvSpPr>
+        <p:spPr>
+          <a:xfrm>
+            <a:off x="1803216" y="0"/>
+            <a:ext cx="9486596" cy="969163"/>
+          </a:xfrm>
+        </p:spPr>
+        <p:txBody>
+          <a:bodyPr>
+            <a:noAutofit/>
+          </a:bodyPr>
+          <a:lstStyle/>
+          <a:p>
+            <a:r>
+              <a:rPr lang="en-US" b="1" dirty="0">
+                <a:latin typeface="Calibri" panose="020F0502020204030204" pitchFamily="34" charset="0"/>
+                <a:ea typeface="Calibri" panose="020F0502020204030204" pitchFamily="34" charset="0"/>
+                <a:cs typeface="Calibri" panose="020F0502020204030204" pitchFamily="34" charset="0"/>
+              </a:rPr>
+              <a:t>Bivariate Analysis of Loan Purpose against Loan Amount on Loan Status</a:t>
+            </a:r>
+            <a:br>
+              <a:rPr lang="en-US" b="1" dirty="0">
+                <a:latin typeface="Calibri" panose="020F0502020204030204" pitchFamily="34" charset="0"/>
+                <a:ea typeface="Calibri" panose="020F0502020204030204" pitchFamily="34" charset="0"/>
+                <a:cs typeface="Calibri" panose="020F0502020204030204" pitchFamily="34" charset="0"/>
+              </a:rPr>
+            </a:br>
+            <a:endParaRPr lang="en-IN" dirty="0">
+              <a:latin typeface="Calibri" panose="020F0502020204030204" pitchFamily="34" charset="0"/>
+              <a:ea typeface="Calibri" panose="020F0502020204030204" pitchFamily="34" charset="0"/>
+              <a:cs typeface="Calibri" panose="020F0502020204030204" pitchFamily="34" charset="0"/>
+            </a:endParaRPr>
+          </a:p>
+        </p:txBody>
+      </p:sp>
+      <p:pic>
+        <p:nvPicPr>
+          <p:cNvPr id="5" name="Picture 4"/>
+          <p:cNvPicPr>
+            <a:picLocks noChangeAspect="1"/>
+          </p:cNvPicPr>
+          <p:nvPr/>
+        </p:nvPicPr>
+        <p:blipFill>
+          <a:blip r:embed="rId2"/>
+          <a:stretch>
+            <a:fillRect/>
+          </a:stretch>
+        </p:blipFill>
+        <p:spPr>
+          <a:xfrm>
+            <a:off x="1189717" y="1454728"/>
+            <a:ext cx="8897592" cy="2050472"/>
+          </a:xfrm>
+          <a:prstGeom prst="rect">
+            <a:avLst/>
+          </a:prstGeom>
+        </p:spPr>
+      </p:pic>
+      <p:pic>
+        <p:nvPicPr>
+          <p:cNvPr id="7" name="Content Placeholder 3"/>
+          <p:cNvPicPr>
+            <a:picLocks noChangeAspect="1"/>
+          </p:cNvPicPr>
+          <p:nvPr/>
+        </p:nvPicPr>
+        <p:blipFill>
+          <a:blip r:embed="rId3"/>
+          <a:stretch>
+            <a:fillRect/>
+          </a:stretch>
+        </p:blipFill>
+        <p:spPr>
+          <a:xfrm>
+            <a:off x="5416839" y="3079750"/>
+            <a:ext cx="6357883" cy="3778250"/>
+          </a:xfrm>
+          <a:prstGeom prst="rect">
+            <a:avLst/>
+          </a:prstGeom>
+        </p:spPr>
+      </p:pic>
+    </p:spTree>
+    <p:extLst>
+      <p:ext uri="{BB962C8B-B14F-4D97-AF65-F5344CB8AC3E}">
+        <p14:creationId xmlns:p14="http://schemas.microsoft.com/office/powerpoint/2010/main" val="2873279734"/>
+      </p:ext>
+    </p:extLst>
+  </p:cSld>
+  <p:clrMapOvr>
+    <a:masterClrMapping/>
+  </p:clrMapOvr>
+</p:sld>
+</file>
+
+<file path=ppt/slides/slide42.xml><?xml version="1.0" encoding="utf-8"?>
+<p:sld xmlns:a="http://schemas.openxmlformats.org/drawingml/2006/main" xmlns:r="http://schemas.openxmlformats.org/officeDocument/2006/relationships" xmlns:p="http://schemas.openxmlformats.org/presentationml/2006/main">
+  <p:cSld>
+    <p:spTree>
+      <p:nvGrpSpPr>
+        <p:cNvPr id="1" name=""/>
+        <p:cNvGrpSpPr/>
+        <p:nvPr/>
+      </p:nvGrpSpPr>
+      <p:grpSpPr>
+        <a:xfrm>
+          <a:off x="0" y="0"/>
+          <a:ext cx="0" cy="0"/>
+          <a:chOff x="0" y="0"/>
+          <a:chExt cx="0" cy="0"/>
+        </a:xfrm>
+      </p:grpSpPr>
+      <p:sp>
+        <p:nvSpPr>
+          <p:cNvPr id="2" name="Title 1"/>
+          <p:cNvSpPr>
+            <a:spLocks noGrp="1"/>
+          </p:cNvSpPr>
+          <p:nvPr>
+            <p:ph type="title"/>
+          </p:nvPr>
+        </p:nvSpPr>
+        <p:spPr>
+          <a:xfrm>
+            <a:off x="2232706" y="97637"/>
+            <a:ext cx="8911687" cy="470399"/>
+          </a:xfrm>
+        </p:spPr>
+        <p:txBody>
+          <a:bodyPr>
+            <a:noAutofit/>
+          </a:bodyPr>
+          <a:lstStyle/>
+          <a:p>
+            <a:r>
+              <a:rPr lang="en-US" b="1" dirty="0" smtClean="0">
+                <a:latin typeface="Calibri" panose="020F0502020204030204" pitchFamily="34" charset="0"/>
+                <a:ea typeface="Calibri" panose="020F0502020204030204" pitchFamily="34" charset="0"/>
+                <a:cs typeface="Calibri" panose="020F0502020204030204" pitchFamily="34" charset="0"/>
+              </a:rPr>
+              <a:t>Heat map </a:t>
+            </a:r>
+            <a:r>
+              <a:rPr lang="en-US" b="1" dirty="0">
+                <a:latin typeface="Calibri" panose="020F0502020204030204" pitchFamily="34" charset="0"/>
+                <a:ea typeface="Calibri" panose="020F0502020204030204" pitchFamily="34" charset="0"/>
+                <a:cs typeface="Calibri" panose="020F0502020204030204" pitchFamily="34" charset="0"/>
+              </a:rPr>
+              <a:t>correlation between variables of loan dataset.</a:t>
+            </a:r>
+            <a:br>
+              <a:rPr lang="en-US" b="1" dirty="0">
+                <a:latin typeface="Calibri" panose="020F0502020204030204" pitchFamily="34" charset="0"/>
+                <a:ea typeface="Calibri" panose="020F0502020204030204" pitchFamily="34" charset="0"/>
+                <a:cs typeface="Calibri" panose="020F0502020204030204" pitchFamily="34" charset="0"/>
+              </a:rPr>
+            </a:br>
+            <a:endParaRPr lang="en-IN" dirty="0">
+              <a:latin typeface="Calibri" panose="020F0502020204030204" pitchFamily="34" charset="0"/>
+              <a:ea typeface="Calibri" panose="020F0502020204030204" pitchFamily="34" charset="0"/>
+              <a:cs typeface="Calibri" panose="020F0502020204030204" pitchFamily="34" charset="0"/>
+            </a:endParaRPr>
+          </a:p>
+        </p:txBody>
+      </p:sp>
+      <p:pic>
+        <p:nvPicPr>
+          <p:cNvPr id="5" name="Content Placeholder 4"/>
+          <p:cNvPicPr>
+            <a:picLocks noGrp="1" noChangeAspect="1"/>
+          </p:cNvPicPr>
+          <p:nvPr>
+            <p:ph idx="1"/>
+          </p:nvPr>
+        </p:nvPicPr>
+        <p:blipFill>
+          <a:blip r:embed="rId2"/>
+          <a:stretch>
+            <a:fillRect/>
+          </a:stretch>
+        </p:blipFill>
+        <p:spPr>
+          <a:xfrm>
+            <a:off x="446519" y="2401635"/>
+            <a:ext cx="3572374" cy="2207129"/>
+          </a:xfrm>
+          <a:prstGeom prst="rect">
+            <a:avLst/>
+          </a:prstGeom>
+        </p:spPr>
+      </p:pic>
+      <p:pic>
+        <p:nvPicPr>
+          <p:cNvPr id="6" name="Picture 5"/>
+          <p:cNvPicPr>
+            <a:picLocks noChangeAspect="1"/>
+          </p:cNvPicPr>
+          <p:nvPr/>
+        </p:nvPicPr>
+        <p:blipFill rotWithShape="1">
+          <a:blip r:embed="rId3">
+            <a:extLst>
+              <a:ext uri="{28A0092B-C50C-407E-A947-70E740481C1C}">
+                <a14:useLocalDpi xmlns:a14="http://schemas.microsoft.com/office/drawing/2010/main" val="0"/>
+              </a:ext>
+            </a:extLst>
+          </a:blip>
+          <a:srcRect l="4798"/>
+          <a:stretch/>
+        </p:blipFill>
+        <p:spPr>
+          <a:xfrm>
+            <a:off x="5749635" y="990600"/>
+            <a:ext cx="6040157" cy="5666510"/>
+          </a:xfrm>
+          <a:prstGeom prst="rect">
+            <a:avLst/>
+          </a:prstGeom>
+        </p:spPr>
+      </p:pic>
+      <p:sp>
+        <p:nvSpPr>
+          <p:cNvPr id="7" name="Right Arrow 6"/>
+          <p:cNvSpPr/>
+          <p:nvPr/>
+        </p:nvSpPr>
+        <p:spPr>
+          <a:xfrm>
+            <a:off x="4018893" y="2992582"/>
+            <a:ext cx="1730743" cy="1025236"/>
+          </a:xfrm>
+          <a:prstGeom prst="rightArrow">
+            <a:avLst/>
+          </a:prstGeom>
+        </p:spPr>
+        <p:style>
+          <a:lnRef idx="2">
+            <a:schemeClr val="accent1">
+              <a:shade val="50000"/>
+            </a:schemeClr>
+          </a:lnRef>
+          <a:fillRef idx="1">
+            <a:schemeClr val="accent1"/>
+          </a:fillRef>
+          <a:effectRef idx="0">
+            <a:schemeClr val="accent1"/>
+          </a:effectRef>
+          <a:fontRef idx="minor">
+            <a:schemeClr val="lt1"/>
+          </a:fontRef>
+        </p:style>
+        <p:txBody>
+          <a:bodyPr rtlCol="0" anchor="ctr"/>
+          <a:lstStyle/>
+          <a:p>
+            <a:pPr algn="ctr"/>
+            <a:endParaRPr lang="en-IN"/>
+          </a:p>
+        </p:txBody>
+      </p:sp>
+    </p:spTree>
+    <p:extLst>
+      <p:ext uri="{BB962C8B-B14F-4D97-AF65-F5344CB8AC3E}">
+        <p14:creationId xmlns:p14="http://schemas.microsoft.com/office/powerpoint/2010/main" val="3725940448"/>
+      </p:ext>
+    </p:extLst>
+  </p:cSld>
+  <p:clrMapOvr>
+    <a:masterClrMapping/>
+  </p:clrMapOvr>
+</p:sld>
+</file>
+
+<file path=ppt/slides/slide43.xml><?xml version="1.0" encoding="utf-8"?>
+<p:sld xmlns:a="http://schemas.openxmlformats.org/drawingml/2006/main" xmlns:r="http://schemas.openxmlformats.org/officeDocument/2006/relationships" xmlns:p="http://schemas.openxmlformats.org/presentationml/2006/main">
+  <p:cSld>
+    <p:spTree>
+      <p:nvGrpSpPr>
+        <p:cNvPr id="1" name=""/>
+        <p:cNvGrpSpPr/>
+        <p:nvPr/>
+      </p:nvGrpSpPr>
+      <p:grpSpPr>
+        <a:xfrm>
+          <a:off x="0" y="0"/>
+          <a:ext cx="0" cy="0"/>
+          <a:chOff x="0" y="0"/>
+          <a:chExt cx="0" cy="0"/>
+        </a:xfrm>
+      </p:grpSpPr>
+      <p:sp>
+        <p:nvSpPr>
+          <p:cNvPr id="3" name="Content Placeholder 2"/>
+          <p:cNvSpPr>
+            <a:spLocks noGrp="1"/>
+          </p:cNvSpPr>
+          <p:nvPr>
+            <p:ph idx="1"/>
+          </p:nvPr>
+        </p:nvSpPr>
+        <p:spPr>
+          <a:xfrm>
+            <a:off x="3020292" y="3034147"/>
+            <a:ext cx="7481454" cy="1136072"/>
+          </a:xfrm>
+        </p:spPr>
+        <p:txBody>
+          <a:bodyPr>
+            <a:noAutofit/>
+          </a:bodyPr>
+          <a:lstStyle/>
+          <a:p>
+            <a:pPr marL="0" indent="0">
+              <a:buNone/>
+            </a:pPr>
+            <a:r>
+              <a:rPr lang="en-US" sz="7200" b="1" dirty="0" smtClean="0">
+                <a:solidFill>
+                  <a:schemeClr val="accent1">
+                    <a:lumMod val="75000"/>
+                  </a:schemeClr>
+                </a:solidFill>
+                <a:latin typeface="Times New Roman" panose="02020603050405020304" pitchFamily="18" charset="0"/>
+                <a:ea typeface="Calibri" panose="020F0502020204030204" pitchFamily="34" charset="0"/>
+                <a:cs typeface="Times New Roman" panose="02020603050405020304" pitchFamily="18" charset="0"/>
+              </a:rPr>
+              <a:t>THANK YOU !!</a:t>
+            </a:r>
+            <a:endParaRPr lang="en-IN" sz="7200" b="1" dirty="0">
+              <a:solidFill>
+                <a:schemeClr val="accent1">
+                  <a:lumMod val="75000"/>
+                </a:schemeClr>
+              </a:solidFill>
+              <a:latin typeface="Times New Roman" panose="02020603050405020304" pitchFamily="18" charset="0"/>
+              <a:ea typeface="Calibri" panose="020F0502020204030204" pitchFamily="34" charset="0"/>
+              <a:cs typeface="Times New Roman" panose="02020603050405020304" pitchFamily="18" charset="0"/>
+            </a:endParaRPr>
+          </a:p>
+        </p:txBody>
+      </p:sp>
+    </p:spTree>
+    <p:extLst>
+      <p:ext uri="{BB962C8B-B14F-4D97-AF65-F5344CB8AC3E}">
+        <p14:creationId xmlns:p14="http://schemas.microsoft.com/office/powerpoint/2010/main" val="2974570116"/>
       </p:ext>
     </p:extLst>
   </p:cSld>
@@ -10376,19 +15841,38 @@
             <p:ph type="title"/>
           </p:nvPr>
         </p:nvSpPr>
-        <p:spPr/>
-        <p:txBody>
-          <a:bodyPr/>
+        <p:spPr>
+          <a:xfrm>
+            <a:off x="3784417" y="262795"/>
+            <a:ext cx="4653002" cy="777970"/>
+          </a:xfrm>
+        </p:spPr>
+        <p:txBody>
+          <a:bodyPr>
+            <a:noAutofit/>
+          </a:bodyPr>
           <a:lstStyle/>
           <a:p>
             <a:r>
-              <a:rPr lang="en-IN" b="1" dirty="0"/>
+              <a:rPr lang="en-IN" b="1" dirty="0">
+                <a:latin typeface="Calibri" panose="020F0502020204030204" pitchFamily="34" charset="0"/>
+                <a:ea typeface="Calibri" panose="020F0502020204030204" pitchFamily="34" charset="0"/>
+                <a:cs typeface="Calibri" panose="020F0502020204030204" pitchFamily="34" charset="0"/>
+              </a:rPr>
               <a:t>Necessary Libraries</a:t>
             </a:r>
             <a:br>
-              <a:rPr lang="en-IN" b="1" dirty="0"/>
+              <a:rPr lang="en-IN" b="1" dirty="0">
+                <a:latin typeface="Calibri" panose="020F0502020204030204" pitchFamily="34" charset="0"/>
+                <a:ea typeface="Calibri" panose="020F0502020204030204" pitchFamily="34" charset="0"/>
+                <a:cs typeface="Calibri" panose="020F0502020204030204" pitchFamily="34" charset="0"/>
+              </a:rPr>
             </a:br>
-            <a:endParaRPr lang="en-IN" dirty="0"/>
+            <a:endParaRPr lang="en-IN" dirty="0">
+              <a:latin typeface="Calibri" panose="020F0502020204030204" pitchFamily="34" charset="0"/>
+              <a:ea typeface="Calibri" panose="020F0502020204030204" pitchFamily="34" charset="0"/>
+              <a:cs typeface="Calibri" panose="020F0502020204030204" pitchFamily="34" charset="0"/>
+            </a:endParaRPr>
           </a:p>
         </p:txBody>
       </p:sp>
@@ -10404,13 +15888,13 @@
         </p:nvSpPr>
         <p:spPr>
           <a:xfrm>
-            <a:off x="2589212" y="1402080"/>
+            <a:off x="1813357" y="1432560"/>
             <a:ext cx="8915400" cy="3777622"/>
           </a:xfrm>
         </p:spPr>
         <p:txBody>
           <a:bodyPr>
-            <a:normAutofit/>
+            <a:normAutofit lnSpcReduction="10000"/>
           </a:bodyPr>
           <a:lstStyle/>
           <a:p>
@@ -10418,7 +15902,7 @@
               <a:buNone/>
             </a:pPr>
             <a:r>
-              <a:rPr lang="en-IN" sz="2600" b="1" i="1" dirty="0" smtClean="0">
+              <a:rPr lang="en-IN" sz="2600" b="1" dirty="0" smtClean="0">
                 <a:latin typeface="Calibri" panose="020F0502020204030204" pitchFamily="34" charset="0"/>
                 <a:ea typeface="Calibri" panose="020F0502020204030204" pitchFamily="34" charset="0"/>
                 <a:cs typeface="Calibri" panose="020F0502020204030204" pitchFamily="34" charset="0"/>
@@ -10426,14 +15910,40 @@
               <a:t>Numerical </a:t>
             </a:r>
             <a:r>
-              <a:rPr lang="en-IN" sz="2600" b="1" i="1" dirty="0">
+              <a:rPr lang="en-IN" sz="2600" b="1" dirty="0">
                 <a:latin typeface="Calibri" panose="020F0502020204030204" pitchFamily="34" charset="0"/>
                 <a:ea typeface="Calibri" panose="020F0502020204030204" pitchFamily="34" charset="0"/>
                 <a:cs typeface="Calibri" panose="020F0502020204030204" pitchFamily="34" charset="0"/>
               </a:rPr>
               <a:t>and Data Analysis</a:t>
             </a:r>
-            <a:endParaRPr lang="en-IN" sz="2600" b="1" dirty="0">
+          </a:p>
+          <a:p>
+            <a:r>
+              <a:rPr lang="en-IN" sz="2400" dirty="0">
+                <a:latin typeface="Calibri" panose="020F0502020204030204" pitchFamily="34" charset="0"/>
+                <a:ea typeface="Calibri" panose="020F0502020204030204" pitchFamily="34" charset="0"/>
+                <a:cs typeface="Calibri" panose="020F0502020204030204" pitchFamily="34" charset="0"/>
+              </a:rPr>
+              <a:t>importing numpy</a:t>
+            </a:r>
+            <a:r>
+              <a:rPr lang="en-IN" sz="2400" dirty="0">
+                <a:latin typeface="Calibri" panose="020F0502020204030204" pitchFamily="34" charset="0"/>
+                <a:ea typeface="Calibri" panose="020F0502020204030204" pitchFamily="34" charset="0"/>
+                <a:cs typeface="Calibri" panose="020F0502020204030204" pitchFamily="34" charset="0"/>
+              </a:rPr>
+              <a:t> </a:t>
+            </a:r>
+            <a:r>
+              <a:rPr lang="en-IN" sz="2400" dirty="0">
+                <a:latin typeface="Calibri" panose="020F0502020204030204" pitchFamily="34" charset="0"/>
+                <a:ea typeface="Calibri" panose="020F0502020204030204" pitchFamily="34" charset="0"/>
+                <a:cs typeface="Calibri" panose="020F0502020204030204" pitchFamily="34" charset="0"/>
+              </a:rPr>
+              <a:t>and pandas</a:t>
+            </a:r>
+            <a:endParaRPr lang="en-IN" sz="2400" dirty="0">
               <a:latin typeface="Calibri" panose="020F0502020204030204" pitchFamily="34" charset="0"/>
               <a:ea typeface="Calibri" panose="020F0502020204030204" pitchFamily="34" charset="0"/>
               <a:cs typeface="Calibri" panose="020F0502020204030204" pitchFamily="34" charset="0"/>
@@ -10444,39 +15954,17 @@
               <a:buNone/>
             </a:pPr>
             <a:r>
-              <a:rPr lang="en-IN" dirty="0" smtClean="0"/>
-              <a:t>importing </a:t>
-            </a:r>
-            <a:r>
-              <a:rPr lang="en-IN" dirty="0" err="1" smtClean="0"/>
-              <a:t>numpy</a:t>
-            </a:r>
-            <a:r>
               <a:rPr lang="en-IN" dirty="0"/>
-              <a:t> </a:t>
-            </a:r>
-            <a:r>
-              <a:rPr lang="en-IN" dirty="0" smtClean="0"/>
-              <a:t>and pandas</a:t>
-            </a:r>
-            <a:endParaRPr lang="en-IN" dirty="0"/>
+              <a:t> </a:t>
+            </a:r>
+            <a:endParaRPr lang="en-IN" dirty="0" smtClean="0"/>
           </a:p>
           <a:p>
             <a:pPr marL="0" indent="0">
               <a:buNone/>
             </a:pPr>
             <a:r>
-              <a:rPr lang="en-IN" dirty="0"/>
-              <a:t> </a:t>
-            </a:r>
-            <a:endParaRPr lang="en-IN" dirty="0" smtClean="0"/>
-          </a:p>
-          <a:p>
-            <a:pPr marL="0" indent="0">
-              <a:buNone/>
-            </a:pPr>
-            <a:r>
-              <a:rPr lang="en-IN" sz="2600" b="1" i="1" dirty="0" smtClean="0">
+              <a:rPr lang="en-IN" sz="2600" b="1" dirty="0" smtClean="0">
                 <a:latin typeface="Calibri" panose="020F0502020204030204" pitchFamily="34" charset="0"/>
                 <a:ea typeface="Calibri" panose="020F0502020204030204" pitchFamily="34" charset="0"/>
                 <a:cs typeface="Calibri" panose="020F0502020204030204" pitchFamily="34" charset="0"/>
@@ -10484,55 +15972,78 @@
               <a:t>Data </a:t>
             </a:r>
             <a:r>
-              <a:rPr lang="en-IN" sz="2600" b="1" i="1" dirty="0">
+              <a:rPr lang="en-IN" sz="2600" b="1" dirty="0">
                 <a:latin typeface="Calibri" panose="020F0502020204030204" pitchFamily="34" charset="0"/>
                 <a:ea typeface="Calibri" panose="020F0502020204030204" pitchFamily="34" charset="0"/>
                 <a:cs typeface="Calibri" panose="020F0502020204030204" pitchFamily="34" charset="0"/>
               </a:rPr>
               <a:t>Visualization  </a:t>
             </a:r>
-            <a:endParaRPr lang="en-IN" sz="2600" b="1" dirty="0">
+          </a:p>
+          <a:p>
+            <a:r>
+              <a:rPr lang="en-IN" sz="2400" dirty="0" smtClean="0">
+                <a:latin typeface="Calibri" panose="020F0502020204030204" pitchFamily="34" charset="0"/>
+                <a:ea typeface="Calibri" panose="020F0502020204030204" pitchFamily="34" charset="0"/>
+                <a:cs typeface="Calibri" panose="020F0502020204030204" pitchFamily="34" charset="0"/>
+              </a:rPr>
+              <a:t>Importing</a:t>
+            </a:r>
+            <a:r>
+              <a:rPr lang="en-IN" sz="2400" b="1" dirty="0" smtClean="0">
+                <a:latin typeface="Calibri" panose="020F0502020204030204" pitchFamily="34" charset="0"/>
+                <a:ea typeface="Calibri" panose="020F0502020204030204" pitchFamily="34" charset="0"/>
+                <a:cs typeface="Calibri" panose="020F0502020204030204" pitchFamily="34" charset="0"/>
+              </a:rPr>
+              <a:t> </a:t>
+            </a:r>
+            <a:r>
+              <a:rPr lang="en-IN" sz="2400" dirty="0" smtClean="0">
+                <a:latin typeface="Calibri" panose="020F0502020204030204" pitchFamily="34" charset="0"/>
+                <a:ea typeface="Calibri" panose="020F0502020204030204" pitchFamily="34" charset="0"/>
+                <a:cs typeface="Calibri" panose="020F0502020204030204" pitchFamily="34" charset="0"/>
+              </a:rPr>
+              <a:t> </a:t>
+            </a:r>
+            <a:r>
+              <a:rPr lang="en-IN" sz="2400" dirty="0">
+                <a:latin typeface="Calibri" panose="020F0502020204030204" pitchFamily="34" charset="0"/>
+                <a:ea typeface="Calibri" panose="020F0502020204030204" pitchFamily="34" charset="0"/>
+                <a:cs typeface="Calibri" panose="020F0502020204030204" pitchFamily="34" charset="0"/>
+              </a:rPr>
+              <a:t>seaborn </a:t>
+            </a:r>
+            <a:r>
+              <a:rPr lang="en-IN" sz="2400" dirty="0" smtClean="0">
+                <a:latin typeface="Calibri" panose="020F0502020204030204" pitchFamily="34" charset="0"/>
+                <a:ea typeface="Calibri" panose="020F0502020204030204" pitchFamily="34" charset="0"/>
+                <a:cs typeface="Calibri" panose="020F0502020204030204" pitchFamily="34" charset="0"/>
+              </a:rPr>
+              <a:t>and</a:t>
+            </a:r>
+            <a:r>
+              <a:rPr lang="en-IN" sz="2400" b="1" dirty="0" smtClean="0">
+                <a:latin typeface="Calibri" panose="020F0502020204030204" pitchFamily="34" charset="0"/>
+                <a:ea typeface="Calibri" panose="020F0502020204030204" pitchFamily="34" charset="0"/>
+                <a:cs typeface="Calibri" panose="020F0502020204030204" pitchFamily="34" charset="0"/>
+              </a:rPr>
+              <a:t> </a:t>
+            </a:r>
+            <a:r>
+              <a:rPr lang="en-IN" sz="2400" dirty="0" smtClean="0">
+                <a:latin typeface="Calibri" panose="020F0502020204030204" pitchFamily="34" charset="0"/>
+                <a:ea typeface="Calibri" panose="020F0502020204030204" pitchFamily="34" charset="0"/>
+                <a:cs typeface="Calibri" panose="020F0502020204030204" pitchFamily="34" charset="0"/>
+              </a:rPr>
+              <a:t>matplotlib.pyplot</a:t>
+            </a:r>
+            <a:endParaRPr lang="en-IN" sz="2400" dirty="0">
               <a:latin typeface="Calibri" panose="020F0502020204030204" pitchFamily="34" charset="0"/>
               <a:ea typeface="Calibri" panose="020F0502020204030204" pitchFamily="34" charset="0"/>
               <a:cs typeface="Calibri" panose="020F0502020204030204" pitchFamily="34" charset="0"/>
             </a:endParaRPr>
           </a:p>
           <a:p>
-            <a:r>
-              <a:rPr lang="en-IN" dirty="0" smtClean="0"/>
-              <a:t>Importing</a:t>
-            </a:r>
-            <a:r>
-              <a:rPr lang="en-IN" b="1" dirty="0" smtClean="0"/>
-              <a:t> </a:t>
-            </a:r>
-            <a:r>
-              <a:rPr lang="en-IN" dirty="0" smtClean="0"/>
-              <a:t> </a:t>
-            </a:r>
-            <a:r>
-              <a:rPr lang="en-IN" dirty="0" err="1"/>
-              <a:t>seaborn</a:t>
-            </a:r>
-            <a:r>
-              <a:rPr lang="en-IN" dirty="0"/>
-              <a:t> </a:t>
-            </a:r>
-            <a:r>
-              <a:rPr lang="en-IN" dirty="0" smtClean="0"/>
-              <a:t>and</a:t>
-            </a:r>
-            <a:r>
-              <a:rPr lang="en-IN" b="1" dirty="0" smtClean="0"/>
-              <a:t> </a:t>
-            </a:r>
-            <a:r>
-              <a:rPr lang="en-IN" dirty="0" err="1" smtClean="0"/>
-              <a:t>matplotlib.pyplot</a:t>
-            </a:r>
-            <a:endParaRPr lang="en-IN" dirty="0"/>
-          </a:p>
-          <a:p>
             <a:pPr marL="0" indent="0">
               <a:buNone/>
             </a:pPr>
@@ -10551,22 +16062,21 @@
               <a:t> </a:t>
             </a:r>
             <a:r>
-              <a:rPr lang="en-IN" sz="2600" b="1" i="1" dirty="0">
+              <a:rPr lang="en-IN" sz="2600" b="1" dirty="0">
                 <a:latin typeface="Calibri" panose="020F0502020204030204" pitchFamily="34" charset="0"/>
                 <a:ea typeface="Calibri" panose="020F0502020204030204" pitchFamily="34" charset="0"/>
                 <a:cs typeface="Calibri" panose="020F0502020204030204" pitchFamily="34" charset="0"/>
               </a:rPr>
               <a:t>Extra - To Suppress warnings</a:t>
             </a:r>
-            <a:endParaRPr lang="en-IN" sz="2600" b="1" dirty="0">
-              <a:latin typeface="Calibri" panose="020F0502020204030204" pitchFamily="34" charset="0"/>
-              <a:ea typeface="Calibri" panose="020F0502020204030204" pitchFamily="34" charset="0"/>
-              <a:cs typeface="Calibri" panose="020F0502020204030204" pitchFamily="34" charset="0"/>
-            </a:endParaRPr>
-          </a:p>
-          <a:p>
-            <a:r>
-              <a:rPr lang="en-IN" dirty="0" smtClean="0"/>
+          </a:p>
+          <a:p>
+            <a:r>
+              <a:rPr lang="en-IN" sz="2400" dirty="0" smtClean="0">
+                <a:latin typeface="Calibri" panose="020F0502020204030204" pitchFamily="34" charset="0"/>
+                <a:ea typeface="Calibri" panose="020F0502020204030204" pitchFamily="34" charset="0"/>
+                <a:cs typeface="Calibri" panose="020F0502020204030204" pitchFamily="34" charset="0"/>
+              </a:rPr>
               <a:t>Warnings</a:t>
             </a:r>
           </a:p>
@@ -10603,8 +16113,8 @@
         </p:blipFill>
         <p:spPr>
           <a:xfrm>
-            <a:off x="7873202" y="1402080"/>
-            <a:ext cx="3285777" cy="2860766"/>
+            <a:off x="8023096" y="1589908"/>
+            <a:ext cx="3628577" cy="3383874"/>
           </a:xfrm>
           <a:prstGeom prst="rect">
             <a:avLst/>
@@ -10619,8 +16129,8 @@
         </p:nvSpPr>
         <p:spPr>
           <a:xfrm>
-            <a:off x="6884126" y="2568669"/>
-            <a:ext cx="972715" cy="305159"/>
+            <a:off x="6483928" y="2507673"/>
+            <a:ext cx="1372914" cy="609600"/>
           </a:xfrm>
           <a:prstGeom prst="rightArrow">
             <a:avLst/>
@@ -10884,15 +16394,7 @@
                 <a:ea typeface="Calibri" panose="020F0502020204030204" pitchFamily="34" charset="0"/>
                 <a:cs typeface="Calibri" panose="020F0502020204030204" pitchFamily="34" charset="0"/>
               </a:rPr>
-              <a:t>     Keep the missing values if they don't affect the </a:t>
-            </a:r>
-            <a:r>
-              <a:rPr lang="en-US" sz="2600" dirty="0" smtClean="0">
-                <a:latin typeface="Calibri" panose="020F0502020204030204" pitchFamily="34" charset="0"/>
-                <a:ea typeface="Calibri" panose="020F0502020204030204" pitchFamily="34" charset="0"/>
-                <a:cs typeface="Calibri" panose="020F0502020204030204" pitchFamily="34" charset="0"/>
-              </a:rPr>
-              <a:t>analysis</a:t>
+              <a:t>     Keep the missing values if they don't affect the analysis</a:t>
             </a:r>
           </a:p>
           <a:p>
@@ -11286,23 +16788,7 @@
                 <a:ea typeface="Calibri" panose="020F0502020204030204" pitchFamily="34" charset="0"/>
                 <a:cs typeface="Calibri" panose="020F0502020204030204" pitchFamily="34" charset="0"/>
               </a:rPr>
-              <a:t>it will </a:t>
-            </a:r>
-            <a:r>
-              <a:rPr lang="en-IN" sz="2400" dirty="0" smtClean="0">
-                <a:latin typeface="Calibri" panose="020F0502020204030204" pitchFamily="34" charset="0"/>
-                <a:ea typeface="Calibri" panose="020F0502020204030204" pitchFamily="34" charset="0"/>
-                <a:cs typeface="Calibri" panose="020F0502020204030204" pitchFamily="34" charset="0"/>
-              </a:rPr>
-              <a:t> </a:t>
-            </a:r>
-            <a:r>
-              <a:rPr lang="en-IN" sz="2400" dirty="0" smtClean="0">
-                <a:latin typeface="Calibri" panose="020F0502020204030204" pitchFamily="34" charset="0"/>
-                <a:ea typeface="Calibri" panose="020F0502020204030204" pitchFamily="34" charset="0"/>
-                <a:cs typeface="Calibri" panose="020F0502020204030204" pitchFamily="34" charset="0"/>
-              </a:rPr>
-              <a:t>improve the accuracy of the analysis.</a:t>
+              <a:t>it will  improve the accuracy of the analysis.</a:t>
             </a:r>
           </a:p>
           <a:p>
@@ -11608,15 +17094,18 @@
                 <a:ea typeface="Calibri" panose="020F0502020204030204" pitchFamily="34" charset="0"/>
                 <a:cs typeface="Calibri" panose="020F0502020204030204" pitchFamily="34" charset="0"/>
               </a:rPr>
-              <a:t>We can remove these columns as these are not needed in loan analysis: "id", "</a:t>
-            </a:r>
-            <a:r>
-              <a:rPr lang="en-IN" sz="2400" dirty="0" err="1">
-                <a:latin typeface="Calibri" panose="020F0502020204030204" pitchFamily="34" charset="0"/>
-                <a:ea typeface="Calibri" panose="020F0502020204030204" pitchFamily="34" charset="0"/>
-                <a:cs typeface="Calibri" panose="020F0502020204030204" pitchFamily="34" charset="0"/>
-              </a:rPr>
-              <a:t>member_id</a:t>
+              <a:t>We can remove these columns as these are not needed in loan analysis: "id", "member_id", "emp_title", "url","title", "zip_code", "addr_state".</a:t>
+            </a:r>
+          </a:p>
+          <a:p>
+            <a:pPr lvl="0" algn="just"/>
+            <a:r>
+              <a:rPr lang="en-IN" sz="2400" b="1" dirty="0" smtClean="0">
+                <a:latin typeface="Calibri" panose="020F0502020204030204" pitchFamily="34" charset="0"/>
+                <a:ea typeface="Calibri" panose="020F0502020204030204" pitchFamily="34" charset="0"/>
+                <a:cs typeface="Calibri" panose="020F0502020204030204" pitchFamily="34" charset="0"/>
+              </a:rPr>
+              <a:t>Step3: </a:t>
             </a:r>
             <a:r>
               <a:rPr lang="en-IN" sz="2400" dirty="0">
@@ -11624,106 +17113,7 @@
                 <a:ea typeface="Calibri" panose="020F0502020204030204" pitchFamily="34" charset="0"/>
                 <a:cs typeface="Calibri" panose="020F0502020204030204" pitchFamily="34" charset="0"/>
               </a:rPr>
-              <a:t>", "</a:t>
-            </a:r>
-            <a:r>
-              <a:rPr lang="en-IN" sz="2400" dirty="0" err="1">
-                <a:latin typeface="Calibri" panose="020F0502020204030204" pitchFamily="34" charset="0"/>
-                <a:ea typeface="Calibri" panose="020F0502020204030204" pitchFamily="34" charset="0"/>
-                <a:cs typeface="Calibri" panose="020F0502020204030204" pitchFamily="34" charset="0"/>
-              </a:rPr>
-              <a:t>emp_title</a:t>
-            </a:r>
-            <a:r>
-              <a:rPr lang="en-IN" sz="2400" dirty="0">
-                <a:latin typeface="Calibri" panose="020F0502020204030204" pitchFamily="34" charset="0"/>
-                <a:ea typeface="Calibri" panose="020F0502020204030204" pitchFamily="34" charset="0"/>
-                <a:cs typeface="Calibri" panose="020F0502020204030204" pitchFamily="34" charset="0"/>
-              </a:rPr>
-              <a:t>", "</a:t>
-            </a:r>
-            <a:r>
-              <a:rPr lang="en-IN" sz="2400" dirty="0" err="1">
-                <a:latin typeface="Calibri" panose="020F0502020204030204" pitchFamily="34" charset="0"/>
-                <a:ea typeface="Calibri" panose="020F0502020204030204" pitchFamily="34" charset="0"/>
-                <a:cs typeface="Calibri" panose="020F0502020204030204" pitchFamily="34" charset="0"/>
-              </a:rPr>
-              <a:t>url</a:t>
-            </a:r>
-            <a:r>
-              <a:rPr lang="en-IN" sz="2400" dirty="0">
-                <a:latin typeface="Calibri" panose="020F0502020204030204" pitchFamily="34" charset="0"/>
-                <a:ea typeface="Calibri" panose="020F0502020204030204" pitchFamily="34" charset="0"/>
-                <a:cs typeface="Calibri" panose="020F0502020204030204" pitchFamily="34" charset="0"/>
-              </a:rPr>
-              <a:t>","title", "</a:t>
-            </a:r>
-            <a:r>
-              <a:rPr lang="en-IN" sz="2400" dirty="0" err="1">
-                <a:latin typeface="Calibri" panose="020F0502020204030204" pitchFamily="34" charset="0"/>
-                <a:ea typeface="Calibri" panose="020F0502020204030204" pitchFamily="34" charset="0"/>
-                <a:cs typeface="Calibri" panose="020F0502020204030204" pitchFamily="34" charset="0"/>
-              </a:rPr>
-              <a:t>zip_code</a:t>
-            </a:r>
-            <a:r>
-              <a:rPr lang="en-IN" sz="2400" dirty="0">
-                <a:latin typeface="Calibri" panose="020F0502020204030204" pitchFamily="34" charset="0"/>
-                <a:ea typeface="Calibri" panose="020F0502020204030204" pitchFamily="34" charset="0"/>
-                <a:cs typeface="Calibri" panose="020F0502020204030204" pitchFamily="34" charset="0"/>
-              </a:rPr>
-              <a:t>", "</a:t>
-            </a:r>
-            <a:r>
-              <a:rPr lang="en-IN" sz="2400" dirty="0" err="1">
-                <a:latin typeface="Calibri" panose="020F0502020204030204" pitchFamily="34" charset="0"/>
-                <a:ea typeface="Calibri" panose="020F0502020204030204" pitchFamily="34" charset="0"/>
-                <a:cs typeface="Calibri" panose="020F0502020204030204" pitchFamily="34" charset="0"/>
-              </a:rPr>
-              <a:t>addr_state</a:t>
-            </a:r>
-            <a:r>
-              <a:rPr lang="en-IN" sz="2400" dirty="0">
-                <a:latin typeface="Calibri" panose="020F0502020204030204" pitchFamily="34" charset="0"/>
-                <a:ea typeface="Calibri" panose="020F0502020204030204" pitchFamily="34" charset="0"/>
-                <a:cs typeface="Calibri" panose="020F0502020204030204" pitchFamily="34" charset="0"/>
-              </a:rPr>
-              <a:t>".</a:t>
-            </a:r>
-          </a:p>
-          <a:p>
-            <a:pPr lvl="0" algn="just"/>
-            <a:r>
-              <a:rPr lang="en-IN" sz="2400" b="1" dirty="0" smtClean="0">
-                <a:latin typeface="Calibri" panose="020F0502020204030204" pitchFamily="34" charset="0"/>
-                <a:ea typeface="Calibri" panose="020F0502020204030204" pitchFamily="34" charset="0"/>
-                <a:cs typeface="Calibri" panose="020F0502020204030204" pitchFamily="34" charset="0"/>
-              </a:rPr>
-              <a:t>Step3: </a:t>
-            </a:r>
-            <a:r>
-              <a:rPr lang="en-IN" sz="2400" dirty="0">
-                <a:latin typeface="Calibri" panose="020F0502020204030204" pitchFamily="34" charset="0"/>
-                <a:ea typeface="Calibri" panose="020F0502020204030204" pitchFamily="34" charset="0"/>
-                <a:cs typeface="Calibri" panose="020F0502020204030204" pitchFamily="34" charset="0"/>
-              </a:rPr>
-              <a:t>Removing "</a:t>
-            </a:r>
-            <a:r>
-              <a:rPr lang="en-IN" sz="2400" dirty="0" err="1">
-                <a:latin typeface="Calibri" panose="020F0502020204030204" pitchFamily="34" charset="0"/>
-                <a:ea typeface="Calibri" panose="020F0502020204030204" pitchFamily="34" charset="0"/>
-                <a:cs typeface="Calibri" panose="020F0502020204030204" pitchFamily="34" charset="0"/>
-              </a:rPr>
-              <a:t>funded_amnt_inv</a:t>
-            </a:r>
-            <a:r>
-              <a:rPr lang="en-IN" sz="2400" dirty="0">
-                <a:latin typeface="Calibri" panose="020F0502020204030204" pitchFamily="34" charset="0"/>
-                <a:ea typeface="Calibri" panose="020F0502020204030204" pitchFamily="34" charset="0"/>
-                <a:cs typeface="Calibri" panose="020F0502020204030204" pitchFamily="34" charset="0"/>
-              </a:rPr>
-              <a:t>" column because it is for internal uses</a:t>
+              <a:t>Removing "funded_amnt_inv" column because it is for internal uses</a:t>
             </a:r>
             <a:r>
               <a:rPr lang="en-IN" sz="2400" dirty="0" smtClean="0">
@@ -11750,18 +17140,13 @@
               <a:t>Step 4: </a:t>
             </a:r>
             <a:r>
-              <a:rPr lang="en-IN" sz="2400" i="1" dirty="0">
+              <a:rPr lang="en-IN" sz="2400" dirty="0">
                 <a:latin typeface="Calibri" panose="020F0502020204030204" pitchFamily="34" charset="0"/>
                 <a:ea typeface="Calibri" panose="020F0502020204030204" pitchFamily="34" charset="0"/>
                 <a:cs typeface="Calibri" panose="020F0502020204030204" pitchFamily="34" charset="0"/>
               </a:rPr>
               <a:t>Removing columns those are calculated after loan. So, these columns are irrelevant for analysis.</a:t>
             </a:r>
-            <a:endParaRPr lang="en-IN" sz="2400" dirty="0">
-              <a:latin typeface="Calibri" panose="020F0502020204030204" pitchFamily="34" charset="0"/>
-              <a:ea typeface="Calibri" panose="020F0502020204030204" pitchFamily="34" charset="0"/>
-              <a:cs typeface="Calibri" panose="020F0502020204030204" pitchFamily="34" charset="0"/>
-            </a:endParaRPr>
           </a:p>
           <a:p>
             <a:pPr algn="just"/>
@@ -11868,7 +17253,7 @@
         </p:blipFill>
         <p:spPr>
           <a:xfrm>
-            <a:off x="2743200" y="466492"/>
+            <a:off x="2744096" y="951401"/>
             <a:ext cx="7316221" cy="1667108"/>
           </a:xfrm>
           <a:prstGeom prst="rect">
@@ -11888,8 +17273,8 @@
         </p:nvSpPr>
         <p:spPr>
           <a:xfrm>
-            <a:off x="1786856" y="2512422"/>
-            <a:ext cx="8915400" cy="4619897"/>
+            <a:off x="2743200" y="2758399"/>
+            <a:ext cx="6470454" cy="1613201"/>
           </a:xfrm>
         </p:spPr>
         <p:txBody>
@@ -11897,23 +17282,39 @@
           <a:lstStyle/>
           <a:p>
             <a:r>
-              <a:rPr lang="en-IN" b="1" dirty="0"/>
+              <a:rPr lang="en-IN" sz="2400" b="1" dirty="0">
+                <a:latin typeface="Calibri" panose="020F0502020204030204" pitchFamily="34" charset="0"/>
+                <a:ea typeface="Calibri" panose="020F0502020204030204" pitchFamily="34" charset="0"/>
+                <a:cs typeface="Calibri" panose="020F0502020204030204" pitchFamily="34" charset="0"/>
+              </a:rPr>
               <a:t>Imputing Missing Values</a:t>
             </a:r>
           </a:p>
           <a:p>
             <a:r>
-              <a:rPr lang="en-US" dirty="0"/>
+              <a:rPr lang="en-US" sz="2400" dirty="0">
+                <a:latin typeface="Calibri" panose="020F0502020204030204" pitchFamily="34" charset="0"/>
+                <a:ea typeface="Calibri" panose="020F0502020204030204" pitchFamily="34" charset="0"/>
+                <a:cs typeface="Calibri" panose="020F0502020204030204" pitchFamily="34" charset="0"/>
+              </a:rPr>
               <a:t>For numerical variables use mean and median</a:t>
             </a:r>
           </a:p>
           <a:p>
             <a:r>
-              <a:rPr lang="en-US" dirty="0"/>
+              <a:rPr lang="en-US" sz="2400" dirty="0">
+                <a:latin typeface="Calibri" panose="020F0502020204030204" pitchFamily="34" charset="0"/>
+                <a:ea typeface="Calibri" panose="020F0502020204030204" pitchFamily="34" charset="0"/>
+                <a:cs typeface="Calibri" panose="020F0502020204030204" pitchFamily="34" charset="0"/>
+              </a:rPr>
               <a:t>For categorical variables use </a:t>
             </a:r>
             <a:r>
-              <a:rPr lang="en-US" dirty="0" smtClean="0"/>
+              <a:rPr lang="en-US" sz="2400" dirty="0" smtClean="0">
+                <a:latin typeface="Calibri" panose="020F0502020204030204" pitchFamily="34" charset="0"/>
+                <a:ea typeface="Calibri" panose="020F0502020204030204" pitchFamily="34" charset="0"/>
+                <a:cs typeface="Calibri" panose="020F0502020204030204" pitchFamily="34" charset="0"/>
+              </a:rPr>
               <a:t>mode</a:t>
             </a:r>
           </a:p>
@@ -11962,14 +17363,67 @@
         </p:blipFill>
         <p:spPr>
           <a:xfrm>
-            <a:off x="2002242" y="3851304"/>
-            <a:ext cx="6841311" cy="2480067"/>
+            <a:off x="2744096" y="4267097"/>
+            <a:ext cx="7316221" cy="2480067"/>
           </a:xfrm>
           <a:prstGeom prst="rect">
             <a:avLst/>
           </a:prstGeom>
         </p:spPr>
       </p:pic>
+      <p:sp>
+        <p:nvSpPr>
+          <p:cNvPr id="2" name="Rectangle 1"/>
+          <p:cNvSpPr/>
+          <p:nvPr/>
+        </p:nvSpPr>
+        <p:spPr>
+          <a:xfrm>
+            <a:off x="4656410" y="165180"/>
+            <a:ext cx="3710696" cy="646331"/>
+          </a:xfrm>
+          <a:prstGeom prst="rect">
+            <a:avLst/>
+          </a:prstGeom>
+        </p:spPr>
+        <p:txBody>
+          <a:bodyPr wrap="none">
+            <a:spAutoFit/>
+          </a:bodyPr>
+          <a:lstStyle/>
+          <a:p>
+            <a:r>
+              <a:rPr lang="en-US" sz="3600" b="1" dirty="0">
+                <a:latin typeface="Calibri" panose="020F0502020204030204" pitchFamily="34" charset="0"/>
+                <a:ea typeface="Calibri" panose="020F0502020204030204" pitchFamily="34" charset="0"/>
+                <a:cs typeface="Calibri" panose="020F0502020204030204" pitchFamily="34" charset="0"/>
+              </a:rPr>
+              <a:t>Analysis</a:t>
+            </a:r>
+            <a:r>
+              <a:rPr lang="en-US" sz="3600" dirty="0">
+                <a:latin typeface="Calibri" panose="020F0502020204030204" pitchFamily="34" charset="0"/>
+                <a:ea typeface="Calibri" panose="020F0502020204030204" pitchFamily="34" charset="0"/>
+                <a:cs typeface="Calibri" panose="020F0502020204030204" pitchFamily="34" charset="0"/>
+              </a:rPr>
+              <a:t> </a:t>
+            </a:r>
+            <a:r>
+              <a:rPr lang="en-US" sz="3600" b="1" dirty="0">
+                <a:latin typeface="Calibri" panose="020F0502020204030204" pitchFamily="34" charset="0"/>
+                <a:ea typeface="Calibri" panose="020F0502020204030204" pitchFamily="34" charset="0"/>
+                <a:cs typeface="Calibri" panose="020F0502020204030204" pitchFamily="34" charset="0"/>
+              </a:rPr>
+              <a:t>Approach</a:t>
+            </a:r>
+            <a:endParaRPr lang="en-IN" sz="3600" dirty="0">
+              <a:latin typeface="Calibri" panose="020F0502020204030204" pitchFamily="34" charset="0"/>
+              <a:ea typeface="Calibri" panose="020F0502020204030204" pitchFamily="34" charset="0"/>
+              <a:cs typeface="Calibri" panose="020F0502020204030204" pitchFamily="34" charset="0"/>
+            </a:endParaRPr>
+          </a:p>
+        </p:txBody>
+      </p:sp>
     </p:spTree>
     <p:extLst>
       <p:ext uri="{BB962C8B-B14F-4D97-AF65-F5344CB8AC3E}">
